--- a/docs/plume2-starter项目实战.pptx
+++ b/docs/plume2-starter项目实战.pptx
@@ -19,6 +19,7 @@
     <p:sldId id="267" r:id="rId13"/>
     <p:sldId id="268" r:id="rId14"/>
     <p:sldId id="269" r:id="rId15"/>
+    <p:sldId id="271" r:id="rId16"/>
   </p:sldIdLst>
   <p:sldSz cx="12192000" cy="6858000"/>
   <p:notesSz cx="6858000" cy="9144000"/>
@@ -8154,14 +8155,33 @@
             <p:ph idx="1"/>
           </p:nvPr>
         </p:nvSpPr>
-        <p:spPr/>
+        <p:spPr>
+          <a:xfrm>
+            <a:off x="1103312" y="1389414"/>
+            <a:ext cx="8946541" cy="5320144"/>
+          </a:xfrm>
+        </p:spPr>
         <p:txBody>
-          <a:bodyPr/>
+          <a:bodyPr>
+            <a:normAutofit/>
+          </a:bodyPr>
           <a:lstStyle/>
           <a:p>
             <a:r>
+              <a:rPr kumimoji="1" lang="en-US" altLang="zh-CN" dirty="0" err="1" smtClean="0"/>
+              <a:t>Postcss</a:t>
+            </a:r>
+            <a:endParaRPr kumimoji="1" lang="zh-CN" altLang="en-US" dirty="0" smtClean="0"/>
+          </a:p>
+          <a:p>
+            <a:pPr lvl="1"/>
+            <a:r>
+              <a:rPr kumimoji="1" lang="en-US" altLang="zh-CN" dirty="0" err="1" smtClean="0"/>
+              <a:t>Postcss</a:t>
+            </a:r>
+            <a:r>
               <a:rPr kumimoji="1" lang="zh-CN" altLang="en-US" dirty="0" smtClean="0"/>
-              <a:t>内联 </a:t>
+              <a:t>只是</a:t>
             </a:r>
             <a:r>
               <a:rPr kumimoji="1" lang="en-US" altLang="zh-CN" dirty="0" err="1" smtClean="0"/>
@@ -8169,22 +8189,279 @@
             </a:r>
             <a:r>
               <a:rPr kumimoji="1" lang="zh-CN" altLang="en-US" dirty="0" smtClean="0"/>
-              <a:t> 文件 </a:t>
+              <a:t>的平台，需要组合不同的插件来输出</a:t>
             </a:r>
             <a:r>
               <a:rPr kumimoji="1" lang="en-US" altLang="zh-CN" dirty="0" err="1" smtClean="0"/>
-              <a:t>postcss</a:t>
+              <a:t>css</a:t>
             </a:r>
             <a:endParaRPr kumimoji="1" lang="zh-CN" altLang="en-US" dirty="0" smtClean="0"/>
           </a:p>
           <a:p>
+            <a:pPr lvl="1"/>
+            <a:r>
+              <a:rPr kumimoji="1" lang="zh-CN" altLang="en-US" dirty="0" smtClean="0"/>
+              <a:t>常用的插件</a:t>
+            </a:r>
+            <a:r>
+              <a:rPr lang="en-US" altLang="zh-CN" dirty="0" smtClean="0">
+                <a:hlinkClick r:id="rId2"/>
+              </a:rPr>
+              <a:t>autoprefixer</a:t>
+            </a:r>
+            <a:r>
+              <a:rPr lang="zh-CN" altLang="en-US" dirty="0" smtClean="0"/>
+              <a:t> </a:t>
+            </a:r>
+          </a:p>
+          <a:p>
+            <a:pPr lvl="1"/>
+            <a:r>
+              <a:rPr lang="en-US" altLang="zh-CN" dirty="0" smtClean="0">
+                <a:hlinkClick r:id="rId3"/>
+              </a:rPr>
+              <a:t>postcss-cssnext</a:t>
+            </a:r>
+            <a:r>
+              <a:rPr lang="en-US" altLang="zh-CN" dirty="0"/>
+              <a:t> </a:t>
+            </a:r>
+            <a:endParaRPr lang="zh-CN" altLang="en-US" dirty="0" smtClean="0"/>
+          </a:p>
+          <a:p>
+            <a:pPr lvl="2"/>
+            <a:r>
+              <a:rPr lang="zh-CN" altLang="en-US" b="1" dirty="0" smtClean="0"/>
+              <a:t>自定</a:t>
+            </a:r>
+            <a:r>
+              <a:rPr lang="zh-CN" altLang="en-US" b="1" dirty="0"/>
+              <a:t>义属性和变量</a:t>
+            </a:r>
+          </a:p>
+          <a:p>
+            <a:pPr lvl="2"/>
+            <a:r>
+              <a:rPr lang="zh-CN" altLang="en-US" dirty="0" smtClean="0"/>
+              <a:t>自定义选择器</a:t>
+            </a:r>
+          </a:p>
+          <a:p>
+            <a:pPr lvl="2"/>
+            <a:r>
+              <a:rPr lang="zh-CN" altLang="en-US" dirty="0" smtClean="0"/>
+              <a:t>样式嵌套</a:t>
+            </a:r>
+          </a:p>
+          <a:p>
+            <a:pPr lvl="2"/>
+            <a:r>
+              <a:rPr lang="en-US" altLang="zh-CN" dirty="0" err="1" smtClean="0"/>
+              <a:t>Css</a:t>
+            </a:r>
+            <a:r>
+              <a:rPr lang="zh-CN" altLang="en-US" dirty="0" smtClean="0"/>
+              <a:t> 模块规范</a:t>
+            </a:r>
+            <a:r>
+              <a:rPr lang="en-US" altLang="zh-CN" dirty="0" smtClean="0"/>
+              <a:t>Local</a:t>
+            </a:r>
+            <a:r>
+              <a:rPr lang="zh-CN" altLang="en-US" dirty="0" smtClean="0"/>
+              <a:t> </a:t>
+            </a:r>
+            <a:r>
+              <a:rPr lang="en-US" altLang="zh-CN" dirty="0" smtClean="0"/>
+              <a:t>global</a:t>
+            </a:r>
+            <a:endParaRPr kumimoji="1" lang="zh-CN" altLang="en-US" dirty="0" smtClean="0"/>
+          </a:p>
+          <a:p>
+            <a:r>
+              <a:rPr lang="en-US" altLang="zh-CN" dirty="0" err="1" smtClean="0"/>
+              <a:t>Classnames</a:t>
+            </a:r>
+            <a:r>
+              <a:rPr lang="zh-CN" altLang="en-US" dirty="0" smtClean="0"/>
+              <a:t>  </a:t>
+            </a:r>
+            <a:r>
+              <a:rPr lang="zh-CN" altLang="en-US" dirty="0" smtClean="0"/>
+              <a:t>自由组合</a:t>
+            </a:r>
+            <a:r>
+              <a:rPr lang="en-US" altLang="zh-CN" dirty="0" err="1" smtClean="0"/>
+              <a:t>classname</a:t>
+            </a:r>
+            <a:endParaRPr lang="zh-CN" altLang="en-US" dirty="0" smtClean="0"/>
+          </a:p>
+          <a:p>
+            <a:pPr lvl="1"/>
             <a:r>
               <a:rPr lang="en-US" altLang="zh-CN" dirty="0" err="1"/>
-              <a:t>classnames</a:t>
+              <a:t>classNames</a:t>
+            </a:r>
+            <a:r>
+              <a:rPr lang="en-US" altLang="zh-CN" dirty="0" smtClean="0"/>
+              <a:t>(‘foo’, ‘bar’); </a:t>
+            </a:r>
+            <a:r>
+              <a:rPr lang="en-US" altLang="zh-CN" dirty="0"/>
+              <a:t>// =&gt; </a:t>
+            </a:r>
+            <a:r>
+              <a:rPr lang="en-US" altLang="zh-CN" dirty="0" smtClean="0"/>
+              <a:t>‘foo bar’</a:t>
+            </a:r>
+            <a:r>
+              <a:rPr lang="zh-CN" altLang="en-US" dirty="0" smtClean="0"/>
+              <a:t> </a:t>
+            </a:r>
+          </a:p>
+          <a:p>
+            <a:pPr lvl="1"/>
+            <a:r>
+              <a:rPr lang="mr-IN" altLang="zh-CN" dirty="0" err="1"/>
+              <a:t>var</a:t>
+            </a:r>
+            <a:r>
+              <a:rPr lang="mr-IN" altLang="zh-CN" dirty="0"/>
+              <a:t> </a:t>
+            </a:r>
+            <a:r>
+              <a:rPr lang="mr-IN" altLang="zh-CN" dirty="0" err="1"/>
+              <a:t>arr</a:t>
+            </a:r>
+            <a:r>
+              <a:rPr lang="mr-IN" altLang="zh-CN" dirty="0"/>
+              <a:t> = </a:t>
+            </a:r>
+            <a:r>
+              <a:rPr lang="mr-IN" altLang="zh-CN" dirty="0" smtClean="0"/>
+              <a:t>[‘</a:t>
+            </a:r>
+            <a:r>
+              <a:rPr lang="mr-IN" altLang="zh-CN" dirty="0" err="1" smtClean="0"/>
+              <a:t>b</a:t>
+            </a:r>
+            <a:r>
+              <a:rPr lang="mr-IN" altLang="zh-CN" dirty="0" smtClean="0"/>
+              <a:t>’, </a:t>
+            </a:r>
+            <a:r>
+              <a:rPr lang="mr-IN" altLang="zh-CN" dirty="0"/>
+              <a:t>{ </a:t>
+            </a:r>
+            <a:r>
+              <a:rPr lang="mr-IN" altLang="zh-CN" dirty="0" err="1"/>
+              <a:t>c</a:t>
+            </a:r>
+            <a:r>
+              <a:rPr lang="mr-IN" altLang="zh-CN" dirty="0"/>
+              <a:t>: </a:t>
+            </a:r>
+            <a:r>
+              <a:rPr lang="mr-IN" altLang="zh-CN" dirty="0" err="1"/>
+              <a:t>true</a:t>
+            </a:r>
+            <a:r>
+              <a:rPr lang="mr-IN" altLang="zh-CN" dirty="0"/>
+              <a:t>, </a:t>
+            </a:r>
+            <a:r>
+              <a:rPr lang="mr-IN" altLang="zh-CN" dirty="0" err="1"/>
+              <a:t>d</a:t>
+            </a:r>
+            <a:r>
+              <a:rPr lang="mr-IN" altLang="zh-CN" dirty="0"/>
+              <a:t>: </a:t>
+            </a:r>
+            <a:r>
+              <a:rPr lang="mr-IN" altLang="zh-CN" dirty="0" err="1"/>
+              <a:t>false</a:t>
+            </a:r>
+            <a:r>
+              <a:rPr lang="mr-IN" altLang="zh-CN" dirty="0"/>
+              <a:t> }]; </a:t>
+            </a:r>
+            <a:endParaRPr lang="zh-CN" altLang="en-US" dirty="0" smtClean="0"/>
+          </a:p>
+          <a:p>
+            <a:pPr marL="457200" lvl="1" indent="0">
+              <a:buNone/>
+            </a:pPr>
+            <a:r>
+              <a:rPr lang="zh-CN" altLang="en-US" dirty="0" smtClean="0"/>
+              <a:t>    </a:t>
+            </a:r>
+            <a:r>
+              <a:rPr lang="mr-IN" altLang="zh-CN" dirty="0" err="1" smtClean="0"/>
+              <a:t>classNames</a:t>
+            </a:r>
+            <a:r>
+              <a:rPr lang="mr-IN" altLang="zh-CN" dirty="0"/>
+              <a:t>('</a:t>
+            </a:r>
+            <a:r>
+              <a:rPr lang="mr-IN" altLang="zh-CN" dirty="0" err="1"/>
+              <a:t>a</a:t>
+            </a:r>
+            <a:r>
+              <a:rPr lang="mr-IN" altLang="zh-CN" dirty="0"/>
+              <a:t>', </a:t>
+            </a:r>
+            <a:r>
+              <a:rPr lang="mr-IN" altLang="zh-CN" dirty="0" err="1"/>
+              <a:t>arr</a:t>
+            </a:r>
+            <a:r>
+              <a:rPr lang="mr-IN" altLang="zh-CN" dirty="0"/>
+              <a:t>); // =&gt; '</a:t>
+            </a:r>
+            <a:r>
+              <a:rPr lang="mr-IN" altLang="zh-CN" dirty="0" err="1"/>
+              <a:t>a</a:t>
+            </a:r>
+            <a:r>
+              <a:rPr lang="mr-IN" altLang="zh-CN" dirty="0"/>
+              <a:t> </a:t>
+            </a:r>
+            <a:r>
+              <a:rPr lang="mr-IN" altLang="zh-CN" dirty="0" err="1"/>
+              <a:t>b</a:t>
+            </a:r>
+            <a:r>
+              <a:rPr lang="mr-IN" altLang="zh-CN" dirty="0"/>
+              <a:t> </a:t>
+            </a:r>
+            <a:r>
+              <a:rPr lang="mr-IN" altLang="zh-CN" dirty="0" err="1"/>
+              <a:t>c</a:t>
+            </a:r>
+            <a:r>
+              <a:rPr lang="mr-IN" altLang="zh-CN" dirty="0"/>
+              <a:t>'</a:t>
             </a:r>
             <a:endParaRPr lang="en-US" altLang="zh-CN" dirty="0"/>
           </a:p>
           <a:p>
+            <a:r>
+              <a:rPr kumimoji="1" lang="zh-CN" altLang="en-US" dirty="0" smtClean="0"/>
+              <a:t>内联  </a:t>
+            </a:r>
+            <a:r>
+              <a:rPr kumimoji="1" lang="en-US" altLang="zh-CN" dirty="0" err="1" smtClean="0"/>
+              <a:t>var</a:t>
+            </a:r>
+            <a:r>
+              <a:rPr kumimoji="1" lang="zh-CN" altLang="en-US" dirty="0" smtClean="0"/>
+              <a:t> </a:t>
+            </a:r>
+            <a:r>
+              <a:rPr kumimoji="1" lang="en-US" altLang="zh-CN" dirty="0" smtClean="0"/>
+              <a:t>top={top:0}  &lt;div style={top}/&gt;</a:t>
+            </a:r>
             <a:endParaRPr kumimoji="1" lang="zh-CN" altLang="en-US" dirty="0"/>
           </a:p>
         </p:txBody>
@@ -8264,55 +8541,1109 @@
             <p:ph idx="1"/>
           </p:nvPr>
         </p:nvSpPr>
-        <p:spPr/>
+        <p:spPr>
+          <a:xfrm>
+            <a:off x="857652" y="1283194"/>
+            <a:ext cx="8946541" cy="4195481"/>
+          </a:xfrm>
+        </p:spPr>
         <p:txBody>
           <a:bodyPr/>
           <a:lstStyle/>
           <a:p>
             <a:r>
               <a:rPr kumimoji="1" lang="en-US" altLang="zh-CN" dirty="0" err="1" smtClean="0"/>
-              <a:t>webapi</a:t>
+              <a:t>Webap</a:t>
+            </a:r>
+            <a:r>
+              <a:rPr kumimoji="1" lang="en-US" altLang="zh-CN" dirty="0" err="1" smtClean="0"/>
+              <a:t>i</a:t>
             </a:r>
             <a:r>
               <a:rPr kumimoji="1" lang="zh-CN" altLang="en-US" dirty="0" smtClean="0"/>
-              <a:t>的封装</a:t>
-            </a:r>
+              <a:t>  </a:t>
+            </a:r>
+            <a:r>
+              <a:rPr kumimoji="1" lang="en-US" altLang="zh-CN" dirty="0" smtClean="0"/>
+              <a:t>fetch </a:t>
+            </a:r>
+          </a:p>
+          <a:p>
+            <a:pPr lvl="1"/>
+            <a:r>
+              <a:rPr kumimoji="1" lang="zh-CN" altLang="en-US" dirty="0" smtClean="0"/>
+              <a:t>使用</a:t>
+            </a:r>
+            <a:r>
+              <a:rPr lang="en-US" altLang="zh-CN" dirty="0" err="1"/>
+              <a:t>whatwg</a:t>
+            </a:r>
+            <a:r>
+              <a:rPr lang="en-US" altLang="zh-CN" dirty="0"/>
+              <a:t>-fetch</a:t>
+            </a:r>
+          </a:p>
+          <a:p>
+            <a:pPr marL="457200" lvl="1" indent="0">
+              <a:buNone/>
+            </a:pPr>
+            <a:endParaRPr kumimoji="1" lang="zh-CN" altLang="en-US" dirty="0" smtClean="0"/>
+          </a:p>
+          <a:p>
+            <a:pPr marL="457200" lvl="1" indent="0">
+              <a:buNone/>
+            </a:pPr>
             <a:endParaRPr kumimoji="1" lang="zh-CN" altLang="en-US" dirty="0"/>
           </a:p>
         </p:txBody>
       </p:sp>
       <p:sp>
         <p:nvSpPr>
-          <p:cNvPr id="4" name="矩形 3"/>
+          <p:cNvPr id="5" name="矩形 4"/>
           <p:cNvSpPr/>
           <p:nvPr/>
         </p:nvSpPr>
         <p:spPr>
           <a:xfrm>
-            <a:off x="5306361" y="3244334"/>
-            <a:ext cx="1579278" cy="369332"/>
+            <a:off x="1574040" y="2062355"/>
+            <a:ext cx="9521590" cy="2862322"/>
           </a:xfrm>
           <a:prstGeom prst="rect">
             <a:avLst/>
           </a:prstGeom>
         </p:spPr>
         <p:txBody>
-          <a:bodyPr wrap="none">
+          <a:bodyPr wrap="square">
             <a:spAutoFit/>
           </a:bodyPr>
           <a:lstStyle/>
           <a:p>
             <a:r>
-              <a:rPr lang="en-US" altLang="zh-CN" b="0" dirty="0" err="1" smtClean="0">
-                <a:solidFill>
-                  <a:srgbClr val="D4D4D4"/>
-                </a:solidFill>
-                <a:effectLst/>
-                <a:latin typeface="Menlo" charset="0"/>
-              </a:rPr>
-              <a:t>classnames</a:t>
+              <a:rPr lang="en-US" altLang="zh-CN" dirty="0">
+                <a:solidFill>
+                  <a:srgbClr val="C586C0"/>
+                </a:solidFill>
+                <a:latin typeface="Menlo" charset="0"/>
+              </a:rPr>
+              <a:t>import</a:t>
+            </a:r>
+            <a:r>
+              <a:rPr lang="en-US" altLang="zh-CN" dirty="0">
+                <a:solidFill>
+                  <a:srgbClr val="D4D4D4"/>
+                </a:solidFill>
+                <a:latin typeface="Menlo" charset="0"/>
+              </a:rPr>
+              <a:t> </a:t>
+            </a:r>
+            <a:r>
+              <a:rPr lang="en-US" altLang="zh-CN" dirty="0">
+                <a:solidFill>
+                  <a:srgbClr val="CE9178"/>
+                </a:solidFill>
+                <a:latin typeface="Menlo" charset="0"/>
+              </a:rPr>
+              <a:t>'</a:t>
+            </a:r>
+            <a:r>
+              <a:rPr lang="en-US" altLang="zh-CN" dirty="0" err="1">
+                <a:solidFill>
+                  <a:srgbClr val="CE9178"/>
+                </a:solidFill>
+                <a:latin typeface="Menlo" charset="0"/>
+              </a:rPr>
+              <a:t>whatwg</a:t>
+            </a:r>
+            <a:r>
+              <a:rPr lang="en-US" altLang="zh-CN" dirty="0">
+                <a:solidFill>
+                  <a:srgbClr val="CE9178"/>
+                </a:solidFill>
+                <a:latin typeface="Menlo" charset="0"/>
+              </a:rPr>
+              <a:t>-fetch'</a:t>
+            </a:r>
+            <a:endParaRPr lang="en-US" altLang="zh-CN" dirty="0">
+              <a:solidFill>
+                <a:srgbClr val="D4D4D4"/>
+              </a:solidFill>
+              <a:latin typeface="Menlo" charset="0"/>
+            </a:endParaRPr>
+          </a:p>
+          <a:p>
+            <a:r>
+              <a:rPr lang="en-US" altLang="zh-CN" dirty="0">
+                <a:solidFill>
+                  <a:srgbClr val="C586C0"/>
+                </a:solidFill>
+                <a:latin typeface="Menlo" charset="0"/>
+              </a:rPr>
+              <a:t>import</a:t>
+            </a:r>
+            <a:r>
+              <a:rPr lang="en-US" altLang="zh-CN" dirty="0">
+                <a:solidFill>
+                  <a:srgbClr val="D4D4D4"/>
+                </a:solidFill>
+                <a:latin typeface="Menlo" charset="0"/>
+              </a:rPr>
+              <a:t> { </a:t>
+            </a:r>
+            <a:r>
+              <a:rPr lang="en-US" altLang="zh-CN" dirty="0">
+                <a:solidFill>
+                  <a:srgbClr val="9CDCFE"/>
+                </a:solidFill>
+                <a:latin typeface="Menlo" charset="0"/>
+              </a:rPr>
+              <a:t>Response</a:t>
+            </a:r>
+            <a:r>
+              <a:rPr lang="en-US" altLang="zh-CN" dirty="0">
+                <a:solidFill>
+                  <a:srgbClr val="D4D4D4"/>
+                </a:solidFill>
+                <a:latin typeface="Menlo" charset="0"/>
+              </a:rPr>
+              <a:t> } </a:t>
+            </a:r>
+            <a:r>
+              <a:rPr lang="en-US" altLang="zh-CN" dirty="0">
+                <a:solidFill>
+                  <a:srgbClr val="C586C0"/>
+                </a:solidFill>
+                <a:latin typeface="Menlo" charset="0"/>
+              </a:rPr>
+              <a:t>from</a:t>
+            </a:r>
+            <a:r>
+              <a:rPr lang="en-US" altLang="zh-CN" dirty="0">
+                <a:solidFill>
+                  <a:srgbClr val="D4D4D4"/>
+                </a:solidFill>
+                <a:latin typeface="Menlo" charset="0"/>
+              </a:rPr>
+              <a:t> </a:t>
+            </a:r>
+            <a:r>
+              <a:rPr lang="en-US" altLang="zh-CN" dirty="0">
+                <a:solidFill>
+                  <a:srgbClr val="CE9178"/>
+                </a:solidFill>
+                <a:latin typeface="Menlo" charset="0"/>
+              </a:rPr>
+              <a:t>'../plume-</a:t>
+            </a:r>
+            <a:r>
+              <a:rPr lang="en-US" altLang="zh-CN" dirty="0" err="1">
+                <a:solidFill>
+                  <a:srgbClr val="CE9178"/>
+                </a:solidFill>
+                <a:latin typeface="Menlo" charset="0"/>
+              </a:rPr>
+              <a:t>utils</a:t>
+            </a:r>
+            <a:r>
+              <a:rPr lang="en-US" altLang="zh-CN" dirty="0">
+                <a:solidFill>
+                  <a:srgbClr val="CE9178"/>
+                </a:solidFill>
+                <a:latin typeface="Menlo" charset="0"/>
+              </a:rPr>
+              <a:t>'</a:t>
+            </a:r>
+            <a:endParaRPr lang="en-US" altLang="zh-CN" dirty="0">
+              <a:solidFill>
+                <a:srgbClr val="D4D4D4"/>
+              </a:solidFill>
+              <a:latin typeface="Menlo" charset="0"/>
+            </a:endParaRPr>
+          </a:p>
+          <a:p>
+            <a:r>
+              <a:rPr lang="en-US" altLang="zh-CN" dirty="0">
+                <a:solidFill>
+                  <a:srgbClr val="D4D4D4"/>
+                </a:solidFill>
+                <a:latin typeface="Menlo" charset="0"/>
+              </a:rPr>
+              <a:t/>
+            </a:r>
+            <a:br>
+              <a:rPr lang="en-US" altLang="zh-CN" dirty="0">
+                <a:solidFill>
+                  <a:srgbClr val="D4D4D4"/>
+                </a:solidFill>
+                <a:latin typeface="Menlo" charset="0"/>
+              </a:rPr>
+            </a:br>
+            <a:r>
+              <a:rPr lang="en-US" altLang="zh-CN" dirty="0">
+                <a:solidFill>
+                  <a:srgbClr val="C586C0"/>
+                </a:solidFill>
+                <a:latin typeface="Menlo" charset="0"/>
+              </a:rPr>
+              <a:t>export</a:t>
+            </a:r>
+            <a:r>
+              <a:rPr lang="en-US" altLang="zh-CN" dirty="0">
+                <a:solidFill>
+                  <a:srgbClr val="D4D4D4"/>
+                </a:solidFill>
+                <a:latin typeface="Menlo" charset="0"/>
+              </a:rPr>
+              <a:t> </a:t>
+            </a:r>
+            <a:r>
+              <a:rPr lang="en-US" altLang="zh-CN" dirty="0">
+                <a:solidFill>
+                  <a:srgbClr val="C586C0"/>
+                </a:solidFill>
+                <a:latin typeface="Menlo" charset="0"/>
+              </a:rPr>
+              <a:t>default</a:t>
+            </a:r>
+            <a:r>
+              <a:rPr lang="en-US" altLang="zh-CN" dirty="0">
+                <a:solidFill>
+                  <a:srgbClr val="D4D4D4"/>
+                </a:solidFill>
+                <a:latin typeface="Menlo" charset="0"/>
+              </a:rPr>
+              <a:t> </a:t>
+            </a:r>
+            <a:r>
+              <a:rPr lang="en-US" altLang="zh-CN" dirty="0" err="1">
+                <a:solidFill>
+                  <a:srgbClr val="569CD6"/>
+                </a:solidFill>
+                <a:latin typeface="Menlo" charset="0"/>
+              </a:rPr>
+              <a:t>async</a:t>
+            </a:r>
+            <a:r>
+              <a:rPr lang="en-US" altLang="zh-CN" dirty="0">
+                <a:solidFill>
+                  <a:srgbClr val="D4D4D4"/>
+                </a:solidFill>
+                <a:latin typeface="Menlo" charset="0"/>
+              </a:rPr>
+              <a:t> </a:t>
+            </a:r>
+            <a:r>
+              <a:rPr lang="en-US" altLang="zh-CN" dirty="0">
+                <a:solidFill>
+                  <a:srgbClr val="569CD6"/>
+                </a:solidFill>
+                <a:latin typeface="Menlo" charset="0"/>
+              </a:rPr>
+              <a:t>function</a:t>
+            </a:r>
+            <a:r>
+              <a:rPr lang="en-US" altLang="zh-CN" dirty="0">
+                <a:solidFill>
+                  <a:srgbClr val="D4D4D4"/>
+                </a:solidFill>
+                <a:latin typeface="Menlo" charset="0"/>
+              </a:rPr>
+              <a:t> </a:t>
+            </a:r>
+            <a:r>
+              <a:rPr lang="en-US" altLang="zh-CN" dirty="0" err="1">
+                <a:solidFill>
+                  <a:srgbClr val="DCDCAA"/>
+                </a:solidFill>
+                <a:latin typeface="Menlo" charset="0"/>
+              </a:rPr>
+              <a:t>getTopics</a:t>
+            </a:r>
+            <a:r>
+              <a:rPr lang="en-US" altLang="zh-CN" dirty="0">
+                <a:solidFill>
+                  <a:srgbClr val="D4D4D4"/>
+                </a:solidFill>
+                <a:latin typeface="Menlo" charset="0"/>
+              </a:rPr>
+              <a:t>() {</a:t>
+            </a:r>
+          </a:p>
+          <a:p>
+            <a:r>
+              <a:rPr lang="en-US" altLang="zh-CN" dirty="0">
+                <a:solidFill>
+                  <a:srgbClr val="D4D4D4"/>
+                </a:solidFill>
+                <a:latin typeface="Menlo" charset="0"/>
+              </a:rPr>
+              <a:t/>
+            </a:r>
+            <a:br>
+              <a:rPr lang="en-US" altLang="zh-CN" dirty="0">
+                <a:solidFill>
+                  <a:srgbClr val="D4D4D4"/>
+                </a:solidFill>
+                <a:latin typeface="Menlo" charset="0"/>
+              </a:rPr>
+            </a:br>
+            <a:r>
+              <a:rPr lang="en-US" altLang="zh-CN" dirty="0">
+                <a:solidFill>
+                  <a:srgbClr val="D4D4D4"/>
+                </a:solidFill>
+                <a:latin typeface="Menlo" charset="0"/>
+              </a:rPr>
+              <a:t>  </a:t>
+            </a:r>
+            <a:r>
+              <a:rPr lang="en-US" altLang="zh-CN" dirty="0" err="1">
+                <a:solidFill>
+                  <a:srgbClr val="569CD6"/>
+                </a:solidFill>
+                <a:latin typeface="Menlo" charset="0"/>
+              </a:rPr>
+              <a:t>const</a:t>
+            </a:r>
+            <a:r>
+              <a:rPr lang="en-US" altLang="zh-CN" dirty="0">
+                <a:solidFill>
+                  <a:srgbClr val="D4D4D4"/>
+                </a:solidFill>
+                <a:latin typeface="Menlo" charset="0"/>
+              </a:rPr>
+              <a:t> </a:t>
+            </a:r>
+            <a:r>
+              <a:rPr lang="en-US" altLang="zh-CN" dirty="0">
+                <a:solidFill>
+                  <a:srgbClr val="9CDCFE"/>
+                </a:solidFill>
+                <a:latin typeface="Menlo" charset="0"/>
+              </a:rPr>
+              <a:t>res</a:t>
+            </a:r>
+            <a:r>
+              <a:rPr lang="en-US" altLang="zh-CN" dirty="0">
+                <a:solidFill>
+                  <a:srgbClr val="D4D4D4"/>
+                </a:solidFill>
+                <a:latin typeface="Menlo" charset="0"/>
+              </a:rPr>
+              <a:t> = </a:t>
+            </a:r>
+            <a:r>
+              <a:rPr lang="en-US" altLang="zh-CN" dirty="0">
+                <a:solidFill>
+                  <a:srgbClr val="C586C0"/>
+                </a:solidFill>
+                <a:latin typeface="Menlo" charset="0"/>
+              </a:rPr>
+              <a:t>await</a:t>
+            </a:r>
+            <a:r>
+              <a:rPr lang="en-US" altLang="zh-CN" dirty="0">
+                <a:solidFill>
+                  <a:srgbClr val="D4D4D4"/>
+                </a:solidFill>
+                <a:latin typeface="Menlo" charset="0"/>
+              </a:rPr>
+              <a:t> </a:t>
+            </a:r>
+            <a:r>
+              <a:rPr lang="en-US" altLang="zh-CN" dirty="0">
+                <a:solidFill>
+                  <a:srgbClr val="DCDCAA"/>
+                </a:solidFill>
+                <a:latin typeface="Menlo" charset="0"/>
+              </a:rPr>
+              <a:t>fetch</a:t>
+            </a:r>
+            <a:r>
+              <a:rPr lang="en-US" altLang="zh-CN" dirty="0">
+                <a:solidFill>
+                  <a:srgbClr val="D4D4D4"/>
+                </a:solidFill>
+                <a:latin typeface="Menlo" charset="0"/>
+              </a:rPr>
+              <a:t>(</a:t>
+            </a:r>
+            <a:r>
+              <a:rPr lang="en-US" altLang="zh-CN" dirty="0">
+                <a:solidFill>
+                  <a:srgbClr val="CE9178"/>
+                </a:solidFill>
+                <a:latin typeface="Menlo" charset="0"/>
+              </a:rPr>
+              <a:t>'http://</a:t>
+            </a:r>
+            <a:r>
+              <a:rPr lang="en-US" altLang="zh-CN" dirty="0" err="1">
+                <a:solidFill>
+                  <a:srgbClr val="CE9178"/>
+                </a:solidFill>
+                <a:latin typeface="Menlo" charset="0"/>
+              </a:rPr>
+              <a:t>cnodejs.org</a:t>
+            </a:r>
+            <a:r>
+              <a:rPr lang="en-US" altLang="zh-CN" dirty="0">
+                <a:solidFill>
+                  <a:srgbClr val="CE9178"/>
+                </a:solidFill>
+                <a:latin typeface="Menlo" charset="0"/>
+              </a:rPr>
+              <a:t>/</a:t>
+            </a:r>
+            <a:r>
+              <a:rPr lang="en-US" altLang="zh-CN" dirty="0" err="1">
+                <a:solidFill>
+                  <a:srgbClr val="CE9178"/>
+                </a:solidFill>
+                <a:latin typeface="Menlo" charset="0"/>
+              </a:rPr>
+              <a:t>api</a:t>
+            </a:r>
+            <a:r>
+              <a:rPr lang="en-US" altLang="zh-CN" dirty="0">
+                <a:solidFill>
+                  <a:srgbClr val="CE9178"/>
+                </a:solidFill>
+                <a:latin typeface="Menlo" charset="0"/>
+              </a:rPr>
+              <a:t>/v1/topics'</a:t>
+            </a:r>
+            <a:r>
+              <a:rPr lang="en-US" altLang="zh-CN" dirty="0">
+                <a:solidFill>
+                  <a:srgbClr val="D4D4D4"/>
+                </a:solidFill>
+                <a:latin typeface="Menlo" charset="0"/>
+              </a:rPr>
+              <a:t>)</a:t>
+            </a:r>
+          </a:p>
+          <a:p>
+            <a:r>
+              <a:rPr lang="en-US" altLang="zh-CN" dirty="0">
+                <a:solidFill>
+                  <a:srgbClr val="D4D4D4"/>
+                </a:solidFill>
+                <a:latin typeface="Menlo" charset="0"/>
+              </a:rPr>
+              <a:t>  </a:t>
+            </a:r>
+            <a:r>
+              <a:rPr lang="en-US" altLang="zh-CN" dirty="0" err="1">
+                <a:solidFill>
+                  <a:srgbClr val="569CD6"/>
+                </a:solidFill>
+                <a:latin typeface="Menlo" charset="0"/>
+              </a:rPr>
+              <a:t>const</a:t>
+            </a:r>
+            <a:r>
+              <a:rPr lang="en-US" altLang="zh-CN" dirty="0">
+                <a:solidFill>
+                  <a:srgbClr val="D4D4D4"/>
+                </a:solidFill>
+                <a:latin typeface="Menlo" charset="0"/>
+              </a:rPr>
+              <a:t> </a:t>
+            </a:r>
+            <a:r>
+              <a:rPr lang="en-US" altLang="zh-CN" dirty="0" err="1">
+                <a:solidFill>
+                  <a:srgbClr val="9CDCFE"/>
+                </a:solidFill>
+                <a:latin typeface="Menlo" charset="0"/>
+              </a:rPr>
+              <a:t>json</a:t>
+            </a:r>
+            <a:r>
+              <a:rPr lang="en-US" altLang="zh-CN" dirty="0">
+                <a:solidFill>
+                  <a:srgbClr val="D4D4D4"/>
+                </a:solidFill>
+                <a:latin typeface="Menlo" charset="0"/>
+              </a:rPr>
+              <a:t>: </a:t>
+            </a:r>
+            <a:r>
+              <a:rPr lang="en-US" altLang="zh-CN" dirty="0">
+                <a:solidFill>
+                  <a:srgbClr val="4EC9B0"/>
+                </a:solidFill>
+                <a:latin typeface="Menlo" charset="0"/>
+              </a:rPr>
+              <a:t>Response</a:t>
+            </a:r>
+            <a:r>
+              <a:rPr lang="en-US" altLang="zh-CN" dirty="0">
+                <a:solidFill>
+                  <a:srgbClr val="D4D4D4"/>
+                </a:solidFill>
+                <a:latin typeface="Menlo" charset="0"/>
+              </a:rPr>
+              <a:t> = </a:t>
+            </a:r>
+            <a:r>
+              <a:rPr lang="en-US" altLang="zh-CN" dirty="0">
+                <a:solidFill>
+                  <a:srgbClr val="C586C0"/>
+                </a:solidFill>
+                <a:latin typeface="Menlo" charset="0"/>
+              </a:rPr>
+              <a:t>await</a:t>
+            </a:r>
+            <a:r>
+              <a:rPr lang="en-US" altLang="zh-CN" dirty="0">
+                <a:solidFill>
+                  <a:srgbClr val="D4D4D4"/>
+                </a:solidFill>
+                <a:latin typeface="Menlo" charset="0"/>
+              </a:rPr>
+              <a:t> </a:t>
+            </a:r>
+            <a:r>
+              <a:rPr lang="en-US" altLang="zh-CN" dirty="0" err="1">
+                <a:solidFill>
+                  <a:srgbClr val="9CDCFE"/>
+                </a:solidFill>
+                <a:latin typeface="Menlo" charset="0"/>
+              </a:rPr>
+              <a:t>res</a:t>
+            </a:r>
+            <a:r>
+              <a:rPr lang="en-US" altLang="zh-CN" dirty="0" err="1">
+                <a:solidFill>
+                  <a:srgbClr val="D4D4D4"/>
+                </a:solidFill>
+                <a:latin typeface="Menlo" charset="0"/>
+              </a:rPr>
+              <a:t>.</a:t>
+            </a:r>
+            <a:r>
+              <a:rPr lang="en-US" altLang="zh-CN" dirty="0" err="1">
+                <a:solidFill>
+                  <a:srgbClr val="DCDCAA"/>
+                </a:solidFill>
+                <a:latin typeface="Menlo" charset="0"/>
+              </a:rPr>
+              <a:t>json</a:t>
+            </a:r>
+            <a:r>
+              <a:rPr lang="en-US" altLang="zh-CN" dirty="0">
+                <a:solidFill>
+                  <a:srgbClr val="D4D4D4"/>
+                </a:solidFill>
+                <a:latin typeface="Menlo" charset="0"/>
+              </a:rPr>
+              <a:t>();</a:t>
+            </a:r>
+          </a:p>
+          <a:p>
+            <a:r>
+              <a:rPr lang="en-US" altLang="zh-CN" dirty="0">
+                <a:solidFill>
+                  <a:srgbClr val="D4D4D4"/>
+                </a:solidFill>
+                <a:latin typeface="Menlo" charset="0"/>
+              </a:rPr>
+              <a:t>  </a:t>
+            </a:r>
+            <a:r>
+              <a:rPr lang="en-US" altLang="zh-CN" dirty="0">
+                <a:solidFill>
+                  <a:srgbClr val="C586C0"/>
+                </a:solidFill>
+                <a:latin typeface="Menlo" charset="0"/>
+              </a:rPr>
+              <a:t>return</a:t>
+            </a:r>
+            <a:r>
+              <a:rPr lang="en-US" altLang="zh-CN" dirty="0">
+                <a:solidFill>
+                  <a:srgbClr val="D4D4D4"/>
+                </a:solidFill>
+                <a:latin typeface="Menlo" charset="0"/>
+              </a:rPr>
+              <a:t> </a:t>
+            </a:r>
+            <a:r>
+              <a:rPr lang="en-US" altLang="zh-CN" dirty="0" err="1">
+                <a:solidFill>
+                  <a:srgbClr val="9CDCFE"/>
+                </a:solidFill>
+                <a:latin typeface="Menlo" charset="0"/>
+              </a:rPr>
+              <a:t>json</a:t>
+            </a:r>
+            <a:r>
+              <a:rPr lang="en-US" altLang="zh-CN" dirty="0">
+                <a:solidFill>
+                  <a:srgbClr val="D4D4D4"/>
+                </a:solidFill>
+                <a:latin typeface="Menlo" charset="0"/>
+              </a:rPr>
+              <a:t>;</a:t>
+            </a:r>
+          </a:p>
+          <a:p>
+            <a:r>
+              <a:rPr lang="en-US" altLang="zh-CN" dirty="0">
+                <a:solidFill>
+                  <a:srgbClr val="D4D4D4"/>
+                </a:solidFill>
+                <a:latin typeface="Menlo" charset="0"/>
+              </a:rPr>
+              <a:t/>
+            </a:r>
+            <a:br>
+              <a:rPr lang="en-US" altLang="zh-CN" dirty="0">
+                <a:solidFill>
+                  <a:srgbClr val="D4D4D4"/>
+                </a:solidFill>
+                <a:latin typeface="Menlo" charset="0"/>
+              </a:rPr>
+            </a:br>
+            <a:r>
+              <a:rPr lang="en-US" altLang="zh-CN" dirty="0">
+                <a:solidFill>
+                  <a:srgbClr val="D4D4D4"/>
+                </a:solidFill>
+                <a:latin typeface="Menlo" charset="0"/>
+              </a:rPr>
+              <a:t>}</a:t>
             </a:r>
             <a:endParaRPr lang="en-US" altLang="zh-CN" b="0" dirty="0">
+              <a:solidFill>
+                <a:srgbClr val="D4D4D4"/>
+              </a:solidFill>
+              <a:effectLst/>
+              <a:latin typeface="Menlo" charset="0"/>
+            </a:endParaRPr>
+          </a:p>
+        </p:txBody>
+      </p:sp>
+      <p:sp>
+        <p:nvSpPr>
+          <p:cNvPr id="6" name="矩形 5"/>
+          <p:cNvSpPr/>
+          <p:nvPr/>
+        </p:nvSpPr>
+        <p:spPr>
+          <a:xfrm>
+            <a:off x="1574040" y="5103674"/>
+            <a:ext cx="8921088" cy="1754326"/>
+          </a:xfrm>
+          <a:prstGeom prst="rect">
+            <a:avLst/>
+          </a:prstGeom>
+        </p:spPr>
+        <p:txBody>
+          <a:bodyPr wrap="square">
+            <a:spAutoFit/>
+          </a:bodyPr>
+          <a:lstStyle/>
+          <a:p>
+            <a:r>
+              <a:rPr lang="pl-PL" altLang="zh-CN" dirty="0" err="1">
+                <a:solidFill>
+                  <a:srgbClr val="DCDCAA"/>
+                </a:solidFill>
+                <a:latin typeface="Menlo" charset="0"/>
+              </a:rPr>
+              <a:t>getTopics</a:t>
+            </a:r>
+            <a:r>
+              <a:rPr lang="pl-PL" altLang="zh-CN" dirty="0">
+                <a:solidFill>
+                  <a:srgbClr val="D4D4D4"/>
+                </a:solidFill>
+                <a:latin typeface="Menlo" charset="0"/>
+              </a:rPr>
+              <a:t>().</a:t>
+            </a:r>
+            <a:r>
+              <a:rPr lang="pl-PL" altLang="zh-CN" dirty="0" err="1">
+                <a:solidFill>
+                  <a:srgbClr val="DCDCAA"/>
+                </a:solidFill>
+                <a:latin typeface="Menlo" charset="0"/>
+              </a:rPr>
+              <a:t>then</a:t>
+            </a:r>
+            <a:r>
+              <a:rPr lang="pl-PL" altLang="zh-CN" dirty="0">
+                <a:solidFill>
+                  <a:srgbClr val="D4D4D4"/>
+                </a:solidFill>
+                <a:latin typeface="Menlo" charset="0"/>
+              </a:rPr>
+              <a:t>(</a:t>
+            </a:r>
+            <a:r>
+              <a:rPr lang="pl-PL" altLang="zh-CN" dirty="0">
+                <a:solidFill>
+                  <a:srgbClr val="9CDCFE"/>
+                </a:solidFill>
+                <a:latin typeface="Menlo" charset="0"/>
+              </a:rPr>
+              <a:t>data</a:t>
+            </a:r>
+            <a:r>
+              <a:rPr lang="pl-PL" altLang="zh-CN" dirty="0">
+                <a:solidFill>
+                  <a:srgbClr val="D4D4D4"/>
+                </a:solidFill>
+                <a:latin typeface="Menlo" charset="0"/>
+              </a:rPr>
+              <a:t> </a:t>
+            </a:r>
+            <a:r>
+              <a:rPr lang="pl-PL" altLang="zh-CN" dirty="0">
+                <a:solidFill>
+                  <a:srgbClr val="569CD6"/>
+                </a:solidFill>
+                <a:latin typeface="Menlo" charset="0"/>
+              </a:rPr>
+              <a:t>=&gt;</a:t>
+            </a:r>
+            <a:r>
+              <a:rPr lang="pl-PL" altLang="zh-CN" dirty="0">
+                <a:solidFill>
+                  <a:srgbClr val="D4D4D4"/>
+                </a:solidFill>
+                <a:latin typeface="Menlo" charset="0"/>
+              </a:rPr>
+              <a:t> {</a:t>
+            </a:r>
+          </a:p>
+          <a:p>
+            <a:r>
+              <a:rPr lang="pl-PL" altLang="zh-CN" dirty="0">
+                <a:solidFill>
+                  <a:srgbClr val="D4D4D4"/>
+                </a:solidFill>
+                <a:latin typeface="Menlo" charset="0"/>
+              </a:rPr>
+              <a:t>      </a:t>
+            </a:r>
+            <a:r>
+              <a:rPr lang="pl-PL" altLang="zh-CN" dirty="0" err="1">
+                <a:solidFill>
+                  <a:srgbClr val="4EC9B0"/>
+                </a:solidFill>
+                <a:latin typeface="Menlo" charset="0"/>
+              </a:rPr>
+              <a:t>console</a:t>
+            </a:r>
+            <a:r>
+              <a:rPr lang="pl-PL" altLang="zh-CN" dirty="0" err="1">
+                <a:solidFill>
+                  <a:srgbClr val="D4D4D4"/>
+                </a:solidFill>
+                <a:latin typeface="Menlo" charset="0"/>
+              </a:rPr>
+              <a:t>.</a:t>
+            </a:r>
+            <a:r>
+              <a:rPr lang="pl-PL" altLang="zh-CN" dirty="0" err="1">
+                <a:solidFill>
+                  <a:srgbClr val="DCDCAA"/>
+                </a:solidFill>
+                <a:latin typeface="Menlo" charset="0"/>
+              </a:rPr>
+              <a:t>log</a:t>
+            </a:r>
+            <a:r>
+              <a:rPr lang="pl-PL" altLang="zh-CN" dirty="0">
+                <a:solidFill>
+                  <a:srgbClr val="D4D4D4"/>
+                </a:solidFill>
+                <a:latin typeface="Menlo" charset="0"/>
+              </a:rPr>
+              <a:t>(</a:t>
+            </a:r>
+            <a:r>
+              <a:rPr lang="pl-PL" altLang="zh-CN" dirty="0">
+                <a:solidFill>
+                  <a:srgbClr val="CE9178"/>
+                </a:solidFill>
+                <a:latin typeface="Menlo" charset="0"/>
+              </a:rPr>
+              <a:t>"</a:t>
+            </a:r>
+            <a:r>
+              <a:rPr lang="pl-PL" altLang="zh-CN" dirty="0" err="1">
+                <a:solidFill>
+                  <a:srgbClr val="CE9178"/>
+                </a:solidFill>
+                <a:latin typeface="Menlo" charset="0"/>
+              </a:rPr>
+              <a:t>home-main</a:t>
+            </a:r>
+            <a:r>
+              <a:rPr lang="pl-PL" altLang="zh-CN" dirty="0">
+                <a:solidFill>
+                  <a:srgbClr val="CE9178"/>
+                </a:solidFill>
+                <a:latin typeface="Menlo" charset="0"/>
+              </a:rPr>
+              <a:t> </a:t>
+            </a:r>
+            <a:r>
+              <a:rPr lang="pl-PL" altLang="zh-CN" dirty="0" err="1">
+                <a:solidFill>
+                  <a:srgbClr val="CE9178"/>
+                </a:solidFill>
+                <a:latin typeface="Menlo" charset="0"/>
+              </a:rPr>
+              <a:t>getTopics</a:t>
+            </a:r>
+            <a:r>
+              <a:rPr lang="pl-PL" altLang="zh-CN" dirty="0">
+                <a:solidFill>
+                  <a:srgbClr val="CE9178"/>
+                </a:solidFill>
+                <a:latin typeface="Menlo" charset="0"/>
+              </a:rPr>
+              <a:t>"</a:t>
+            </a:r>
+            <a:r>
+              <a:rPr lang="pl-PL" altLang="zh-CN" dirty="0">
+                <a:solidFill>
+                  <a:srgbClr val="D4D4D4"/>
+                </a:solidFill>
+                <a:latin typeface="Menlo" charset="0"/>
+              </a:rPr>
+              <a:t>, </a:t>
+            </a:r>
+            <a:r>
+              <a:rPr lang="pl-PL" altLang="zh-CN" dirty="0">
+                <a:solidFill>
+                  <a:srgbClr val="9CDCFE"/>
+                </a:solidFill>
+                <a:latin typeface="Menlo" charset="0"/>
+              </a:rPr>
+              <a:t>data</a:t>
+            </a:r>
+            <a:r>
+              <a:rPr lang="pl-PL" altLang="zh-CN" dirty="0">
+                <a:solidFill>
+                  <a:srgbClr val="D4D4D4"/>
+                </a:solidFill>
+                <a:latin typeface="Menlo" charset="0"/>
+              </a:rPr>
+              <a:t>);</a:t>
+            </a:r>
+          </a:p>
+          <a:p>
+            <a:r>
+              <a:rPr lang="pl-PL" altLang="zh-CN" dirty="0">
+                <a:solidFill>
+                  <a:srgbClr val="D4D4D4"/>
+                </a:solidFill>
+                <a:latin typeface="Menlo" charset="0"/>
+              </a:rPr>
+              <a:t>      </a:t>
+            </a:r>
+            <a:r>
+              <a:rPr lang="pl-PL" altLang="zh-CN" dirty="0" err="1">
+                <a:solidFill>
+                  <a:srgbClr val="C586C0"/>
+                </a:solidFill>
+                <a:latin typeface="Menlo" charset="0"/>
+              </a:rPr>
+              <a:t>if</a:t>
+            </a:r>
+            <a:r>
+              <a:rPr lang="pl-PL" altLang="zh-CN" dirty="0">
+                <a:solidFill>
+                  <a:srgbClr val="D4D4D4"/>
+                </a:solidFill>
+                <a:latin typeface="Menlo" charset="0"/>
+              </a:rPr>
+              <a:t> (</a:t>
+            </a:r>
+            <a:r>
+              <a:rPr lang="pl-PL" altLang="zh-CN" dirty="0" err="1">
+                <a:solidFill>
+                  <a:srgbClr val="9CDCFE"/>
+                </a:solidFill>
+                <a:latin typeface="Menlo" charset="0"/>
+              </a:rPr>
+              <a:t>data</a:t>
+            </a:r>
+            <a:r>
+              <a:rPr lang="pl-PL" altLang="zh-CN" dirty="0" err="1">
+                <a:solidFill>
+                  <a:srgbClr val="D4D4D4"/>
+                </a:solidFill>
+                <a:latin typeface="Menlo" charset="0"/>
+              </a:rPr>
+              <a:t>.</a:t>
+            </a:r>
+            <a:r>
+              <a:rPr lang="pl-PL" altLang="zh-CN" dirty="0" err="1">
+                <a:solidFill>
+                  <a:srgbClr val="9CDCFE"/>
+                </a:solidFill>
+                <a:latin typeface="Menlo" charset="0"/>
+              </a:rPr>
+              <a:t>success</a:t>
+            </a:r>
+            <a:r>
+              <a:rPr lang="pl-PL" altLang="zh-CN" dirty="0">
+                <a:solidFill>
+                  <a:srgbClr val="D4D4D4"/>
+                </a:solidFill>
+                <a:latin typeface="Menlo" charset="0"/>
+              </a:rPr>
+              <a:t>) {</a:t>
+            </a:r>
+          </a:p>
+          <a:p>
+            <a:r>
+              <a:rPr lang="pl-PL" altLang="zh-CN" dirty="0">
+                <a:solidFill>
+                  <a:srgbClr val="D4D4D4"/>
+                </a:solidFill>
+                <a:latin typeface="Menlo" charset="0"/>
+              </a:rPr>
+              <a:t>        </a:t>
+            </a:r>
+            <a:r>
+              <a:rPr lang="pl-PL" altLang="zh-CN" dirty="0" err="1">
+                <a:solidFill>
+                  <a:srgbClr val="569CD6"/>
+                </a:solidFill>
+                <a:latin typeface="Menlo" charset="0"/>
+              </a:rPr>
+              <a:t>this</a:t>
+            </a:r>
+            <a:r>
+              <a:rPr lang="pl-PL" altLang="zh-CN" dirty="0" err="1">
+                <a:solidFill>
+                  <a:srgbClr val="D4D4D4"/>
+                </a:solidFill>
+                <a:latin typeface="Menlo" charset="0"/>
+              </a:rPr>
+              <a:t>.</a:t>
+            </a:r>
+            <a:r>
+              <a:rPr lang="pl-PL" altLang="zh-CN" dirty="0" err="1">
+                <a:solidFill>
+                  <a:srgbClr val="DCDCAA"/>
+                </a:solidFill>
+                <a:latin typeface="Menlo" charset="0"/>
+              </a:rPr>
+              <a:t>dispatch</a:t>
+            </a:r>
+            <a:r>
+              <a:rPr lang="pl-PL" altLang="zh-CN" dirty="0">
+                <a:solidFill>
+                  <a:srgbClr val="D4D4D4"/>
+                </a:solidFill>
+                <a:latin typeface="Menlo" charset="0"/>
+              </a:rPr>
+              <a:t>(</a:t>
+            </a:r>
+            <a:r>
+              <a:rPr lang="pl-PL" altLang="zh-CN" dirty="0">
+                <a:solidFill>
+                  <a:srgbClr val="CE9178"/>
+                </a:solidFill>
+                <a:latin typeface="Menlo" charset="0"/>
+              </a:rPr>
+              <a:t>'</a:t>
+            </a:r>
+            <a:r>
+              <a:rPr lang="pl-PL" altLang="zh-CN" dirty="0" err="1">
+                <a:solidFill>
+                  <a:srgbClr val="CE9178"/>
+                </a:solidFill>
+                <a:latin typeface="Menlo" charset="0"/>
+              </a:rPr>
+              <a:t>home-main:setListData</a:t>
+            </a:r>
+            <a:r>
+              <a:rPr lang="pl-PL" altLang="zh-CN" dirty="0">
+                <a:solidFill>
+                  <a:srgbClr val="CE9178"/>
+                </a:solidFill>
+                <a:latin typeface="Menlo" charset="0"/>
+              </a:rPr>
+              <a:t>'</a:t>
+            </a:r>
+            <a:r>
+              <a:rPr lang="pl-PL" altLang="zh-CN" dirty="0">
+                <a:solidFill>
+                  <a:srgbClr val="D4D4D4"/>
+                </a:solidFill>
+                <a:latin typeface="Menlo" charset="0"/>
+              </a:rPr>
+              <a:t>, </a:t>
+            </a:r>
+            <a:r>
+              <a:rPr lang="pl-PL" altLang="zh-CN" dirty="0" err="1">
+                <a:solidFill>
+                  <a:srgbClr val="9CDCFE"/>
+                </a:solidFill>
+                <a:latin typeface="Menlo" charset="0"/>
+              </a:rPr>
+              <a:t>data</a:t>
+            </a:r>
+            <a:r>
+              <a:rPr lang="pl-PL" altLang="zh-CN" dirty="0" err="1">
+                <a:solidFill>
+                  <a:srgbClr val="D4D4D4"/>
+                </a:solidFill>
+                <a:latin typeface="Menlo" charset="0"/>
+              </a:rPr>
+              <a:t>.</a:t>
+            </a:r>
+            <a:r>
+              <a:rPr lang="pl-PL" altLang="zh-CN" dirty="0" err="1">
+                <a:solidFill>
+                  <a:srgbClr val="9CDCFE"/>
+                </a:solidFill>
+                <a:latin typeface="Menlo" charset="0"/>
+              </a:rPr>
+              <a:t>data</a:t>
+            </a:r>
+            <a:r>
+              <a:rPr lang="pl-PL" altLang="zh-CN" dirty="0">
+                <a:solidFill>
+                  <a:srgbClr val="D4D4D4"/>
+                </a:solidFill>
+                <a:latin typeface="Menlo" charset="0"/>
+              </a:rPr>
+              <a:t>)</a:t>
+            </a:r>
+          </a:p>
+          <a:p>
+            <a:r>
+              <a:rPr lang="pl-PL" altLang="zh-CN" dirty="0">
+                <a:solidFill>
+                  <a:srgbClr val="D4D4D4"/>
+                </a:solidFill>
+                <a:latin typeface="Menlo" charset="0"/>
+              </a:rPr>
+              <a:t>      }</a:t>
+            </a:r>
+          </a:p>
+          <a:p>
+            <a:r>
+              <a:rPr lang="pl-PL" altLang="zh-CN" dirty="0">
+                <a:solidFill>
+                  <a:srgbClr val="D4D4D4"/>
+                </a:solidFill>
+                <a:latin typeface="Menlo" charset="0"/>
+              </a:rPr>
+              <a:t>    });</a:t>
+            </a:r>
+            <a:endParaRPr lang="pl-PL" altLang="zh-CN" b="0" dirty="0">
               <a:solidFill>
                 <a:srgbClr val="D4D4D4"/>
               </a:solidFill>
@@ -8373,7 +9704,11 @@
             </a:r>
             <a:r>
               <a:rPr kumimoji="1" lang="en-US" altLang="zh-CN" dirty="0" smtClean="0"/>
-              <a:t>-typescript</a:t>
+              <a:t>-</a:t>
+            </a:r>
+            <a:r>
+              <a:rPr kumimoji="1" lang="zh-CN" altLang="en-US" dirty="0" smtClean="0"/>
+              <a:t>源码</a:t>
             </a:r>
             <a:endParaRPr kumimoji="1" lang="zh-CN" altLang="en-US" dirty="0"/>
           </a:p>
@@ -8381,20 +9716,46 @@
       </p:sp>
       <p:sp>
         <p:nvSpPr>
-          <p:cNvPr id="5" name="内容占位符 4"/>
-          <p:cNvSpPr>
-            <a:spLocks noGrp="1"/>
-          </p:cNvSpPr>
-          <p:nvPr>
-            <p:ph idx="1"/>
-          </p:nvPr>
+          <p:cNvPr id="3" name="矩形 2"/>
+          <p:cNvSpPr/>
+          <p:nvPr/>
         </p:nvSpPr>
-        <p:spPr/>
+        <p:spPr>
+          <a:xfrm>
+            <a:off x="1553535" y="2848549"/>
+            <a:ext cx="9629559" cy="646331"/>
+          </a:xfrm>
+          <a:prstGeom prst="rect">
+            <a:avLst/>
+          </a:prstGeom>
+        </p:spPr>
         <p:txBody>
-          <a:bodyPr/>
+          <a:bodyPr wrap="none">
+            <a:spAutoFit/>
+          </a:bodyPr>
           <a:lstStyle/>
           <a:p>
-            <a:endParaRPr kumimoji="1" lang="zh-CN" altLang="en-US" dirty="0"/>
+            <a:r>
+              <a:rPr kumimoji="1" lang="en-US" altLang="zh-CN" sz="3600" dirty="0"/>
+              <a:t>https://</a:t>
+            </a:r>
+            <a:r>
+              <a:rPr kumimoji="1" lang="en-US" altLang="zh-CN" sz="3600" dirty="0" err="1"/>
+              <a:t>github.com</a:t>
+            </a:r>
+            <a:r>
+              <a:rPr kumimoji="1" lang="en-US" altLang="zh-CN" sz="3600" dirty="0"/>
+              <a:t>/</a:t>
+            </a:r>
+            <a:r>
+              <a:rPr kumimoji="1" lang="en-US" altLang="zh-CN" sz="3600" dirty="0" err="1"/>
+              <a:t>hufeng</a:t>
+            </a:r>
+            <a:r>
+              <a:rPr kumimoji="1" lang="en-US" altLang="zh-CN" sz="3600" dirty="0"/>
+              <a:t>/plume2-starter</a:t>
+            </a:r>
+            <a:endParaRPr lang="zh-CN" altLang="en-US" sz="3600" dirty="0"/>
           </a:p>
         </p:txBody>
       </p:sp>
@@ -8402,6 +9763,66 @@
     <p:extLst>
       <p:ext uri="{BB962C8B-B14F-4D97-AF65-F5344CB8AC3E}">
         <p14:creationId xmlns:p14="http://schemas.microsoft.com/office/powerpoint/2010/main" val="1887110697"/>
+      </p:ext>
+    </p:extLst>
+  </p:cSld>
+  <p:clrMapOvr>
+    <a:masterClrMapping/>
+  </p:clrMapOvr>
+</p:sld>
+</file>
+
+<file path=ppt/slides/slide15.xml><?xml version="1.0" encoding="utf-8"?>
+<p:sld xmlns:a="http://schemas.openxmlformats.org/drawingml/2006/main" xmlns:r="http://schemas.openxmlformats.org/officeDocument/2006/relationships" xmlns:p="http://schemas.openxmlformats.org/presentationml/2006/main">
+  <p:cSld>
+    <p:spTree>
+      <p:nvGrpSpPr>
+        <p:cNvPr id="1" name=""/>
+        <p:cNvGrpSpPr/>
+        <p:nvPr/>
+      </p:nvGrpSpPr>
+      <p:grpSpPr>
+        <a:xfrm>
+          <a:off x="0" y="0"/>
+          <a:ext cx="0" cy="0"/>
+          <a:chOff x="0" y="0"/>
+          <a:chExt cx="0" cy="0"/>
+        </a:xfrm>
+      </p:grpSpPr>
+      <p:sp>
+        <p:nvSpPr>
+          <p:cNvPr id="4" name="文本框 3"/>
+          <p:cNvSpPr txBox="1"/>
+          <p:nvPr/>
+        </p:nvSpPr>
+        <p:spPr>
+          <a:xfrm>
+            <a:off x="4790364" y="1897039"/>
+            <a:ext cx="3220872" cy="1569660"/>
+          </a:xfrm>
+          <a:prstGeom prst="rect">
+            <a:avLst/>
+          </a:prstGeom>
+          <a:noFill/>
+        </p:spPr>
+        <p:txBody>
+          <a:bodyPr wrap="square" rtlCol="0">
+            <a:spAutoFit/>
+          </a:bodyPr>
+          <a:lstStyle/>
+          <a:p>
+            <a:r>
+              <a:rPr kumimoji="1" lang="zh-CN" altLang="en-US" sz="9600" dirty="0" smtClean="0"/>
+              <a:t>谢谢</a:t>
+            </a:r>
+            <a:endParaRPr kumimoji="1" lang="zh-CN" altLang="en-US" sz="9600" dirty="0"/>
+          </a:p>
+        </p:txBody>
+      </p:sp>
+    </p:spTree>
+    <p:extLst>
+      <p:ext uri="{BB962C8B-B14F-4D97-AF65-F5344CB8AC3E}">
+        <p14:creationId xmlns:p14="http://schemas.microsoft.com/office/powerpoint/2010/main" val="963080189"/>
       </p:ext>
     </p:extLst>
   </p:cSld>
@@ -8477,6 +9898,22 @@
             <a:r>
               <a:rPr lang="en-US" altLang="zh-CN" dirty="0" smtClean="0"/>
               <a:t>web</a:t>
+            </a:r>
+            <a:r>
+              <a:rPr lang="zh-CN" altLang="en-US" dirty="0" smtClean="0"/>
+              <a:t> </a:t>
+            </a:r>
+            <a:r>
+              <a:rPr lang="en-US" altLang="zh-CN" dirty="0" smtClean="0"/>
+              <a:t>and</a:t>
+            </a:r>
+            <a:r>
+              <a:rPr lang="zh-CN" altLang="en-US" dirty="0" smtClean="0"/>
+              <a:t> </a:t>
+            </a:r>
+            <a:r>
+              <a:rPr lang="en-US" altLang="zh-CN" dirty="0" smtClean="0"/>
+              <a:t>app</a:t>
             </a:r>
             <a:endParaRPr lang="zh-CN" altLang="en-US" dirty="0" smtClean="0"/>
           </a:p>
@@ -8662,8 +10099,13 @@
             </a:r>
             <a:r>
               <a:rPr lang="zh-CN" altLang="en-US" dirty="0" smtClean="0"/>
-              <a:t> 动作</a:t>
-            </a:r>
+              <a:t> </a:t>
+            </a:r>
+            <a:r>
+              <a:rPr lang="zh-CN" altLang="en-US" dirty="0" smtClean="0"/>
+              <a:t>数据转换层</a:t>
+            </a:r>
+            <a:endParaRPr lang="zh-CN" altLang="en-US" dirty="0" smtClean="0"/>
           </a:p>
           <a:p>
             <a:r>
@@ -8672,7 +10114,27 @@
             </a:r>
             <a:r>
               <a:rPr lang="zh-CN" altLang="en-US" dirty="0" smtClean="0"/>
-              <a:t> 数据提供者</a:t>
+              <a:t> </a:t>
+            </a:r>
+            <a:r>
+              <a:rPr lang="zh-CN" altLang="en-US" dirty="0" smtClean="0"/>
+              <a:t>桥接</a:t>
+            </a:r>
+            <a:r>
+              <a:rPr lang="en-US" altLang="zh-CN" dirty="0" smtClean="0"/>
+              <a:t>Store</a:t>
+            </a:r>
+            <a:r>
+              <a:rPr lang="zh-CN" altLang="en-US" dirty="0" smtClean="0"/>
+              <a:t>和</a:t>
+            </a:r>
+            <a:r>
+              <a:rPr lang="en-US" altLang="zh-CN" dirty="0" smtClean="0"/>
+              <a:t>react</a:t>
+            </a:r>
+            <a:r>
+              <a:rPr lang="zh-CN" altLang="en-US" dirty="0" smtClean="0"/>
+              <a:t>的关联</a:t>
             </a:r>
             <a:endParaRPr lang="en-US" altLang="zh-CN" dirty="0"/>
           </a:p>
@@ -8823,660 +10285,785 @@
           </a:p>
         </p:txBody>
       </p:sp>
-      <p:grpSp>
-        <p:nvGrpSpPr>
-          <p:cNvPr id="29" name="组 28"/>
-          <p:cNvGrpSpPr/>
+      <p:sp>
+        <p:nvSpPr>
+          <p:cNvPr id="6" name="圆角矩形 5"/>
+          <p:cNvSpPr/>
           <p:nvPr/>
-        </p:nvGrpSpPr>
-        <p:grpSpPr>
+        </p:nvSpPr>
+        <p:spPr>
           <a:xfrm>
-            <a:off x="2273239" y="2907712"/>
-            <a:ext cx="7930849" cy="2485891"/>
-            <a:chOff x="3333377" y="4285396"/>
-            <a:chExt cx="7930849" cy="2485891"/>
+            <a:off x="2273239" y="3668179"/>
+            <a:ext cx="1446663" cy="711694"/>
           </a:xfrm>
-        </p:grpSpPr>
-        <p:sp>
-          <p:nvSpPr>
-            <p:cNvPr id="6" name="圆角矩形 5"/>
-            <p:cNvSpPr/>
-            <p:nvPr/>
-          </p:nvSpPr>
-          <p:spPr>
-            <a:xfrm>
-              <a:off x="3333377" y="5045863"/>
-              <a:ext cx="1446663" cy="711694"/>
-            </a:xfrm>
-            <a:prstGeom prst="roundRect">
-              <a:avLst/>
-            </a:prstGeom>
+          <a:prstGeom prst="roundRect">
+            <a:avLst/>
+          </a:prstGeom>
+          <a:solidFill>
+            <a:schemeClr val="accent3">
+              <a:lumMod val="40000"/>
+              <a:lumOff val="60000"/>
+            </a:schemeClr>
+          </a:solidFill>
+          <a:ln w="50800">
             <a:solidFill>
-              <a:schemeClr val="accent3">
-                <a:lumMod val="40000"/>
-                <a:lumOff val="60000"/>
-              </a:schemeClr>
+              <a:schemeClr val="tx1"/>
             </a:solidFill>
-            <a:ln w="50800">
+          </a:ln>
+        </p:spPr>
+        <p:style>
+          <a:lnRef idx="2">
+            <a:schemeClr val="accent6"/>
+          </a:lnRef>
+          <a:fillRef idx="1">
+            <a:schemeClr val="lt1"/>
+          </a:fillRef>
+          <a:effectRef idx="0">
+            <a:schemeClr val="accent6"/>
+          </a:effectRef>
+          <a:fontRef idx="minor">
+            <a:schemeClr val="dk1"/>
+          </a:fontRef>
+        </p:style>
+        <p:txBody>
+          <a:bodyPr rtlCol="0" anchor="ctr"/>
+          <a:lstStyle/>
+          <a:p>
+            <a:pPr algn="ctr"/>
+            <a:r>
+              <a:rPr kumimoji="1" lang="en-US" altLang="zh-CN" sz="2000" b="1" dirty="0" smtClean="0">
+                <a:solidFill>
+                  <a:schemeClr val="tx1"/>
+                </a:solidFill>
+              </a:rPr>
+              <a:t>View</a:t>
+            </a:r>
+            <a:endParaRPr kumimoji="1" lang="zh-CN" altLang="en-US" sz="2000" b="1" dirty="0">
               <a:solidFill>
                 <a:schemeClr val="tx1"/>
               </a:solidFill>
-            </a:ln>
-          </p:spPr>
-          <p:style>
-            <a:lnRef idx="2">
-              <a:schemeClr val="accent6"/>
-            </a:lnRef>
-            <a:fillRef idx="1">
-              <a:schemeClr val="lt1"/>
-            </a:fillRef>
-            <a:effectRef idx="0">
-              <a:schemeClr val="accent6"/>
-            </a:effectRef>
-            <a:fontRef idx="minor">
-              <a:schemeClr val="dk1"/>
-            </a:fontRef>
-          </p:style>
-          <p:txBody>
-            <a:bodyPr rtlCol="0" anchor="ctr"/>
-            <a:lstStyle/>
-            <a:p>
-              <a:pPr algn="ctr"/>
-              <a:r>
-                <a:rPr kumimoji="1" lang="en-US" altLang="zh-CN" sz="2000" b="1" dirty="0" smtClean="0">
-                  <a:solidFill>
-                    <a:schemeClr val="tx1"/>
-                  </a:solidFill>
-                </a:rPr>
-                <a:t>View</a:t>
-              </a:r>
-              <a:endParaRPr kumimoji="1" lang="zh-CN" altLang="en-US" sz="2000" b="1" dirty="0">
+            </a:endParaRPr>
+          </a:p>
+        </p:txBody>
+      </p:sp>
+      <p:sp>
+        <p:nvSpPr>
+          <p:cNvPr id="7" name="圆角矩形 6"/>
+          <p:cNvSpPr/>
+          <p:nvPr/>
+        </p:nvSpPr>
+        <p:spPr>
+          <a:xfrm>
+            <a:off x="5631967" y="4681909"/>
+            <a:ext cx="1446663" cy="711694"/>
+          </a:xfrm>
+          <a:prstGeom prst="roundRect">
+            <a:avLst/>
+          </a:prstGeom>
+          <a:solidFill>
+            <a:schemeClr val="accent2"/>
+          </a:solidFill>
+          <a:ln w="50800">
+            <a:solidFill>
+              <a:schemeClr val="tx1"/>
+            </a:solidFill>
+          </a:ln>
+        </p:spPr>
+        <p:style>
+          <a:lnRef idx="2">
+            <a:schemeClr val="accent6"/>
+          </a:lnRef>
+          <a:fillRef idx="1">
+            <a:schemeClr val="lt1"/>
+          </a:fillRef>
+          <a:effectRef idx="0">
+            <a:schemeClr val="accent6"/>
+          </a:effectRef>
+          <a:fontRef idx="minor">
+            <a:schemeClr val="dk1"/>
+          </a:fontRef>
+        </p:style>
+        <p:txBody>
+          <a:bodyPr rtlCol="0" anchor="ctr"/>
+          <a:lstStyle/>
+          <a:p>
+            <a:pPr algn="ctr"/>
+            <a:r>
+              <a:rPr kumimoji="1" lang="en-US" altLang="zh-CN" sz="2000" b="1" dirty="0" smtClean="0">
                 <a:solidFill>
                   <a:schemeClr val="tx1"/>
                 </a:solidFill>
-              </a:endParaRPr>
-            </a:p>
-          </p:txBody>
-        </p:sp>
-        <p:sp>
-          <p:nvSpPr>
-            <p:cNvPr id="7" name="圆角矩形 6"/>
-            <p:cNvSpPr/>
-            <p:nvPr/>
-          </p:nvSpPr>
-          <p:spPr>
-            <a:xfrm>
-              <a:off x="6692105" y="6059593"/>
-              <a:ext cx="1446663" cy="711694"/>
-            </a:xfrm>
-            <a:prstGeom prst="roundRect">
-              <a:avLst/>
-            </a:prstGeom>
-            <a:solidFill>
-              <a:schemeClr val="accent2"/>
-            </a:solidFill>
-            <a:ln w="50800">
+              </a:rPr>
+              <a:t>Relax</a:t>
+            </a:r>
+            <a:endParaRPr kumimoji="1" lang="zh-CN" altLang="en-US" sz="2000" b="1" dirty="0">
               <a:solidFill>
                 <a:schemeClr val="tx1"/>
               </a:solidFill>
-            </a:ln>
-          </p:spPr>
-          <p:style>
-            <a:lnRef idx="2">
-              <a:schemeClr val="accent6"/>
-            </a:lnRef>
-            <a:fillRef idx="1">
-              <a:schemeClr val="lt1"/>
-            </a:fillRef>
-            <a:effectRef idx="0">
-              <a:schemeClr val="accent6"/>
-            </a:effectRef>
-            <a:fontRef idx="minor">
-              <a:schemeClr val="dk1"/>
-            </a:fontRef>
-          </p:style>
-          <p:txBody>
-            <a:bodyPr rtlCol="0" anchor="ctr"/>
-            <a:lstStyle/>
-            <a:p>
-              <a:pPr algn="ctr"/>
-              <a:r>
-                <a:rPr kumimoji="1" lang="en-US" altLang="zh-CN" sz="2000" b="1" dirty="0" smtClean="0">
-                  <a:solidFill>
-                    <a:schemeClr val="tx1"/>
-                  </a:solidFill>
-                </a:rPr>
-                <a:t>Relax</a:t>
-              </a:r>
-              <a:endParaRPr kumimoji="1" lang="zh-CN" altLang="en-US" sz="2000" b="1" dirty="0">
+            </a:endParaRPr>
+          </a:p>
+        </p:txBody>
+      </p:sp>
+      <p:sp>
+        <p:nvSpPr>
+          <p:cNvPr id="8" name="圆角矩形 7"/>
+          <p:cNvSpPr/>
+          <p:nvPr/>
+        </p:nvSpPr>
+        <p:spPr>
+          <a:xfrm>
+            <a:off x="8757425" y="3668179"/>
+            <a:ext cx="1446663" cy="711694"/>
+          </a:xfrm>
+          <a:prstGeom prst="roundRect">
+            <a:avLst/>
+          </a:prstGeom>
+          <a:solidFill>
+            <a:schemeClr val="accent4">
+              <a:lumMod val="75000"/>
+            </a:schemeClr>
+          </a:solidFill>
+          <a:ln w="50800">
+            <a:solidFill>
+              <a:schemeClr val="tx1"/>
+            </a:solidFill>
+          </a:ln>
+        </p:spPr>
+        <p:style>
+          <a:lnRef idx="2">
+            <a:schemeClr val="accent6"/>
+          </a:lnRef>
+          <a:fillRef idx="1">
+            <a:schemeClr val="lt1"/>
+          </a:fillRef>
+          <a:effectRef idx="0">
+            <a:schemeClr val="accent6"/>
+          </a:effectRef>
+          <a:fontRef idx="minor">
+            <a:schemeClr val="dk1"/>
+          </a:fontRef>
+        </p:style>
+        <p:txBody>
+          <a:bodyPr rtlCol="0" anchor="ctr"/>
+          <a:lstStyle/>
+          <a:p>
+            <a:pPr algn="ctr"/>
+            <a:r>
+              <a:rPr kumimoji="1" lang="en-US" altLang="zh-CN" sz="2000" b="1" dirty="0" smtClean="0">
                 <a:solidFill>
                   <a:schemeClr val="tx1"/>
                 </a:solidFill>
-              </a:endParaRPr>
-            </a:p>
-          </p:txBody>
-        </p:sp>
-        <p:sp>
-          <p:nvSpPr>
-            <p:cNvPr id="8" name="圆角矩形 7"/>
-            <p:cNvSpPr/>
-            <p:nvPr/>
-          </p:nvSpPr>
-          <p:spPr>
-            <a:xfrm>
-              <a:off x="9817563" y="5045863"/>
-              <a:ext cx="1446663" cy="711694"/>
-            </a:xfrm>
-            <a:prstGeom prst="roundRect">
-              <a:avLst/>
-            </a:prstGeom>
-            <a:solidFill>
-              <a:schemeClr val="accent4">
-                <a:lumMod val="75000"/>
-              </a:schemeClr>
-            </a:solidFill>
-            <a:ln w="50800">
+              </a:rPr>
+              <a:t>Actor</a:t>
+            </a:r>
+            <a:endParaRPr kumimoji="1" lang="zh-CN" altLang="en-US" sz="2000" b="1" dirty="0">
               <a:solidFill>
                 <a:schemeClr val="tx1"/>
               </a:solidFill>
-            </a:ln>
-          </p:spPr>
-          <p:style>
-            <a:lnRef idx="2">
-              <a:schemeClr val="accent6"/>
-            </a:lnRef>
-            <a:fillRef idx="1">
-              <a:schemeClr val="lt1"/>
-            </a:fillRef>
-            <a:effectRef idx="0">
-              <a:schemeClr val="accent6"/>
-            </a:effectRef>
-            <a:fontRef idx="minor">
-              <a:schemeClr val="dk1"/>
-            </a:fontRef>
-          </p:style>
-          <p:txBody>
-            <a:bodyPr rtlCol="0" anchor="ctr"/>
-            <a:lstStyle/>
-            <a:p>
-              <a:pPr algn="ctr"/>
-              <a:r>
-                <a:rPr kumimoji="1" lang="en-US" altLang="zh-CN" sz="2000" b="1" dirty="0" smtClean="0">
-                  <a:solidFill>
-                    <a:schemeClr val="tx1"/>
-                  </a:solidFill>
-                </a:rPr>
-                <a:t>Actor</a:t>
-              </a:r>
-              <a:endParaRPr kumimoji="1" lang="zh-CN" altLang="en-US" sz="2000" b="1" dirty="0">
+            </a:endParaRPr>
+          </a:p>
+        </p:txBody>
+      </p:sp>
+      <p:sp>
+        <p:nvSpPr>
+          <p:cNvPr id="9" name="圆角矩形 8"/>
+          <p:cNvSpPr/>
+          <p:nvPr/>
+        </p:nvSpPr>
+        <p:spPr>
+          <a:xfrm>
+            <a:off x="7568691" y="2907712"/>
+            <a:ext cx="1224856" cy="458431"/>
+          </a:xfrm>
+          <a:prstGeom prst="roundRect">
+            <a:avLst/>
+          </a:prstGeom>
+          <a:solidFill>
+            <a:schemeClr val="accent6">
+              <a:lumMod val="60000"/>
+              <a:lumOff val="40000"/>
+            </a:schemeClr>
+          </a:solidFill>
+          <a:ln w="50800">
+            <a:solidFill>
+              <a:schemeClr val="tx1"/>
+            </a:solidFill>
+          </a:ln>
+        </p:spPr>
+        <p:style>
+          <a:lnRef idx="2">
+            <a:schemeClr val="accent6"/>
+          </a:lnRef>
+          <a:fillRef idx="1">
+            <a:schemeClr val="lt1"/>
+          </a:fillRef>
+          <a:effectRef idx="0">
+            <a:schemeClr val="accent6"/>
+          </a:effectRef>
+          <a:fontRef idx="minor">
+            <a:schemeClr val="dk1"/>
+          </a:fontRef>
+        </p:style>
+        <p:txBody>
+          <a:bodyPr rtlCol="0" anchor="ctr"/>
+          <a:lstStyle/>
+          <a:p>
+            <a:pPr algn="ctr"/>
+            <a:r>
+              <a:rPr kumimoji="1" lang="en-US" altLang="zh-CN" sz="2000" b="1" dirty="0" smtClean="0">
                 <a:solidFill>
                   <a:schemeClr val="tx1"/>
                 </a:solidFill>
-              </a:endParaRPr>
-            </a:p>
-          </p:txBody>
-        </p:sp>
-        <p:sp>
-          <p:nvSpPr>
-            <p:cNvPr id="9" name="圆角矩形 8"/>
-            <p:cNvSpPr/>
-            <p:nvPr/>
-          </p:nvSpPr>
-          <p:spPr>
-            <a:xfrm>
-              <a:off x="8628829" y="4285396"/>
-              <a:ext cx="1224856" cy="458431"/>
-            </a:xfrm>
-            <a:prstGeom prst="roundRect">
-              <a:avLst/>
-            </a:prstGeom>
-            <a:solidFill>
-              <a:schemeClr val="accent6">
-                <a:lumMod val="60000"/>
-                <a:lumOff val="40000"/>
-              </a:schemeClr>
-            </a:solidFill>
-            <a:ln w="50800">
+              </a:rPr>
+              <a:t>Action</a:t>
+            </a:r>
+            <a:endParaRPr kumimoji="1" lang="zh-CN" altLang="en-US" sz="2000" b="1" dirty="0">
               <a:solidFill>
                 <a:schemeClr val="tx1"/>
               </a:solidFill>
-            </a:ln>
-          </p:spPr>
-          <p:style>
-            <a:lnRef idx="2">
-              <a:schemeClr val="accent6"/>
-            </a:lnRef>
-            <a:fillRef idx="1">
-              <a:schemeClr val="lt1"/>
-            </a:fillRef>
-            <a:effectRef idx="0">
-              <a:schemeClr val="accent6"/>
-            </a:effectRef>
-            <a:fontRef idx="minor">
-              <a:schemeClr val="dk1"/>
-            </a:fontRef>
-          </p:style>
-          <p:txBody>
-            <a:bodyPr rtlCol="0" anchor="ctr"/>
-            <a:lstStyle/>
-            <a:p>
-              <a:pPr algn="ctr"/>
-              <a:r>
-                <a:rPr kumimoji="1" lang="en-US" altLang="zh-CN" sz="2000" b="1" dirty="0" smtClean="0">
-                  <a:solidFill>
-                    <a:schemeClr val="tx1"/>
-                  </a:solidFill>
-                </a:rPr>
-                <a:t>Action</a:t>
-              </a:r>
-              <a:endParaRPr kumimoji="1" lang="zh-CN" altLang="en-US" sz="2000" b="1" dirty="0">
+            </a:endParaRPr>
+          </a:p>
+        </p:txBody>
+      </p:sp>
+      <p:sp>
+        <p:nvSpPr>
+          <p:cNvPr id="10" name="圆角矩形 9"/>
+          <p:cNvSpPr/>
+          <p:nvPr/>
+        </p:nvSpPr>
+        <p:spPr>
+          <a:xfrm>
+            <a:off x="4331587" y="3668179"/>
+            <a:ext cx="1446663" cy="711694"/>
+          </a:xfrm>
+          <a:prstGeom prst="roundRect">
+            <a:avLst/>
+          </a:prstGeom>
+          <a:solidFill>
+            <a:schemeClr val="bg2">
+              <a:lumMod val="40000"/>
+              <a:lumOff val="60000"/>
+            </a:schemeClr>
+          </a:solidFill>
+          <a:ln w="50800">
+            <a:solidFill>
+              <a:schemeClr val="tx1"/>
+            </a:solidFill>
+          </a:ln>
+        </p:spPr>
+        <p:style>
+          <a:lnRef idx="2">
+            <a:schemeClr val="accent6"/>
+          </a:lnRef>
+          <a:fillRef idx="1">
+            <a:schemeClr val="lt1"/>
+          </a:fillRef>
+          <a:effectRef idx="0">
+            <a:schemeClr val="accent6"/>
+          </a:effectRef>
+          <a:fontRef idx="minor">
+            <a:schemeClr val="dk1"/>
+          </a:fontRef>
+        </p:style>
+        <p:txBody>
+          <a:bodyPr rtlCol="0" anchor="ctr"/>
+          <a:lstStyle/>
+          <a:p>
+            <a:pPr algn="ctr"/>
+            <a:r>
+              <a:rPr kumimoji="1" lang="en-US" altLang="zh-CN" sz="2000" b="1" dirty="0" smtClean="0">
                 <a:solidFill>
                   <a:schemeClr val="tx1"/>
                 </a:solidFill>
-              </a:endParaRPr>
-            </a:p>
-          </p:txBody>
-        </p:sp>
-        <p:sp>
-          <p:nvSpPr>
-            <p:cNvPr id="10" name="圆角矩形 9"/>
-            <p:cNvSpPr/>
-            <p:nvPr/>
-          </p:nvSpPr>
-          <p:spPr>
-            <a:xfrm>
-              <a:off x="5391725" y="5045863"/>
-              <a:ext cx="1446663" cy="711694"/>
-            </a:xfrm>
-            <a:prstGeom prst="roundRect">
-              <a:avLst/>
-            </a:prstGeom>
-            <a:solidFill>
-              <a:schemeClr val="bg2">
-                <a:lumMod val="40000"/>
-                <a:lumOff val="60000"/>
-              </a:schemeClr>
-            </a:solidFill>
-            <a:ln w="50800">
+              </a:rPr>
+              <a:t>Store</a:t>
+            </a:r>
+            <a:endParaRPr kumimoji="1" lang="zh-CN" altLang="en-US" sz="2000" b="1" dirty="0">
               <a:solidFill>
                 <a:schemeClr val="tx1"/>
               </a:solidFill>
-            </a:ln>
-          </p:spPr>
-          <p:style>
-            <a:lnRef idx="2">
-              <a:schemeClr val="accent6"/>
-            </a:lnRef>
-            <a:fillRef idx="1">
-              <a:schemeClr val="lt1"/>
-            </a:fillRef>
-            <a:effectRef idx="0">
-              <a:schemeClr val="accent6"/>
-            </a:effectRef>
-            <a:fontRef idx="minor">
-              <a:schemeClr val="dk1"/>
-            </a:fontRef>
-          </p:style>
-          <p:txBody>
-            <a:bodyPr rtlCol="0" anchor="ctr"/>
-            <a:lstStyle/>
-            <a:p>
-              <a:pPr algn="ctr"/>
-              <a:r>
-                <a:rPr kumimoji="1" lang="en-US" altLang="zh-CN" sz="2000" b="1" dirty="0" smtClean="0">
-                  <a:solidFill>
-                    <a:schemeClr val="tx1"/>
-                  </a:solidFill>
-                </a:rPr>
-                <a:t>Store</a:t>
-              </a:r>
-              <a:endParaRPr kumimoji="1" lang="zh-CN" altLang="en-US" sz="2000" b="1" dirty="0">
+            </a:endParaRPr>
+          </a:p>
+        </p:txBody>
+      </p:sp>
+      <p:sp>
+        <p:nvSpPr>
+          <p:cNvPr id="11" name="圆角矩形 10"/>
+          <p:cNvSpPr/>
+          <p:nvPr/>
+        </p:nvSpPr>
+        <p:spPr>
+          <a:xfrm>
+            <a:off x="6355299" y="3668179"/>
+            <a:ext cx="1446663" cy="711694"/>
+          </a:xfrm>
+          <a:prstGeom prst="roundRect">
+            <a:avLst/>
+          </a:prstGeom>
+          <a:solidFill>
+            <a:schemeClr val="accent1">
+              <a:lumMod val="40000"/>
+              <a:lumOff val="60000"/>
+            </a:schemeClr>
+          </a:solidFill>
+          <a:ln w="50800">
+            <a:solidFill>
+              <a:schemeClr val="tx1"/>
+            </a:solidFill>
+          </a:ln>
+        </p:spPr>
+        <p:style>
+          <a:lnRef idx="2">
+            <a:schemeClr val="accent6"/>
+          </a:lnRef>
+          <a:fillRef idx="1">
+            <a:schemeClr val="lt1"/>
+          </a:fillRef>
+          <a:effectRef idx="0">
+            <a:schemeClr val="accent6"/>
+          </a:effectRef>
+          <a:fontRef idx="minor">
+            <a:schemeClr val="dk1"/>
+          </a:fontRef>
+        </p:style>
+        <p:txBody>
+          <a:bodyPr rtlCol="0" anchor="ctr"/>
+          <a:lstStyle/>
+          <a:p>
+            <a:pPr algn="ctr"/>
+            <a:r>
+              <a:rPr kumimoji="1" lang="en-US" altLang="zh-CN" sz="2000" b="1" dirty="0" smtClean="0">
                 <a:solidFill>
                   <a:schemeClr val="tx1"/>
                 </a:solidFill>
-              </a:endParaRPr>
-            </a:p>
-          </p:txBody>
-        </p:sp>
-        <p:sp>
-          <p:nvSpPr>
-            <p:cNvPr id="11" name="圆角矩形 10"/>
-            <p:cNvSpPr/>
-            <p:nvPr/>
-          </p:nvSpPr>
-          <p:spPr>
-            <a:xfrm>
-              <a:off x="7415437" y="5045863"/>
-              <a:ext cx="1446663" cy="711694"/>
-            </a:xfrm>
-            <a:prstGeom prst="roundRect">
-              <a:avLst/>
-            </a:prstGeom>
-            <a:solidFill>
-              <a:schemeClr val="accent1">
-                <a:lumMod val="40000"/>
-                <a:lumOff val="60000"/>
-              </a:schemeClr>
-            </a:solidFill>
-            <a:ln w="50800">
+              </a:rPr>
+              <a:t>Dispatch</a:t>
+            </a:r>
+            <a:endParaRPr kumimoji="1" lang="zh-CN" altLang="en-US" sz="2000" b="1" dirty="0">
               <a:solidFill>
                 <a:schemeClr val="tx1"/>
               </a:solidFill>
-            </a:ln>
-          </p:spPr>
-          <p:style>
-            <a:lnRef idx="2">
-              <a:schemeClr val="accent6"/>
-            </a:lnRef>
-            <a:fillRef idx="1">
-              <a:schemeClr val="lt1"/>
-            </a:fillRef>
-            <a:effectRef idx="0">
-              <a:schemeClr val="accent6"/>
-            </a:effectRef>
-            <a:fontRef idx="minor">
-              <a:schemeClr val="dk1"/>
-            </a:fontRef>
-          </p:style>
-          <p:txBody>
-            <a:bodyPr rtlCol="0" anchor="ctr"/>
-            <a:lstStyle/>
-            <a:p>
-              <a:pPr algn="ctr"/>
-              <a:r>
-                <a:rPr kumimoji="1" lang="en-US" altLang="zh-CN" sz="2000" b="1" dirty="0" smtClean="0">
-                  <a:solidFill>
-                    <a:schemeClr val="tx1"/>
-                  </a:solidFill>
-                </a:rPr>
-                <a:t>Dispatch</a:t>
-              </a:r>
-              <a:endParaRPr kumimoji="1" lang="zh-CN" altLang="en-US" sz="2000" b="1" dirty="0">
+            </a:endParaRPr>
+          </a:p>
+        </p:txBody>
+      </p:sp>
+      <p:cxnSp>
+        <p:nvCxnSpPr>
+          <p:cNvPr id="13" name="直线箭头连接符 12"/>
+          <p:cNvCxnSpPr>
+            <a:stCxn id="6" idx="3"/>
+            <a:endCxn id="10" idx="1"/>
+          </p:cNvCxnSpPr>
+          <p:nvPr/>
+        </p:nvCxnSpPr>
+        <p:spPr>
+          <a:xfrm>
+            <a:off x="3719902" y="4024026"/>
+            <a:ext cx="611685" cy="0"/>
+          </a:xfrm>
+          <a:prstGeom prst="straightConnector1">
+            <a:avLst/>
+          </a:prstGeom>
+          <a:ln w="25400">
+            <a:solidFill>
+              <a:srgbClr val="FFFF00"/>
+            </a:solidFill>
+            <a:headEnd type="none" w="lg" len="lg"/>
+            <a:tailEnd type="triangle" w="lg" len="lg"/>
+          </a:ln>
+        </p:spPr>
+        <p:style>
+          <a:lnRef idx="1">
+            <a:schemeClr val="accent1"/>
+          </a:lnRef>
+          <a:fillRef idx="0">
+            <a:schemeClr val="accent1"/>
+          </a:fillRef>
+          <a:effectRef idx="0">
+            <a:schemeClr val="accent1"/>
+          </a:effectRef>
+          <a:fontRef idx="minor">
+            <a:schemeClr val="tx1"/>
+          </a:fontRef>
+        </p:style>
+      </p:cxnSp>
+      <p:cxnSp>
+        <p:nvCxnSpPr>
+          <p:cNvPr id="14" name="直线箭头连接符 13"/>
+          <p:cNvCxnSpPr/>
+          <p:nvPr/>
+        </p:nvCxnSpPr>
+        <p:spPr>
+          <a:xfrm>
+            <a:off x="5778250" y="4024026"/>
+            <a:ext cx="611685" cy="0"/>
+          </a:xfrm>
+          <a:prstGeom prst="straightConnector1">
+            <a:avLst/>
+          </a:prstGeom>
+          <a:ln w="25400">
+            <a:solidFill>
+              <a:srgbClr val="FFFF00"/>
+            </a:solidFill>
+            <a:headEnd type="none" w="lg" len="lg"/>
+            <a:tailEnd type="triangle" w="lg" len="lg"/>
+          </a:ln>
+        </p:spPr>
+        <p:style>
+          <a:lnRef idx="1">
+            <a:schemeClr val="accent1"/>
+          </a:lnRef>
+          <a:fillRef idx="0">
+            <a:schemeClr val="accent1"/>
+          </a:fillRef>
+          <a:effectRef idx="0">
+            <a:schemeClr val="accent1"/>
+          </a:effectRef>
+          <a:fontRef idx="minor">
+            <a:schemeClr val="tx1"/>
+          </a:fontRef>
+        </p:style>
+      </p:cxnSp>
+      <p:cxnSp>
+        <p:nvCxnSpPr>
+          <p:cNvPr id="15" name="直线箭头连接符 14"/>
+          <p:cNvCxnSpPr>
+            <a:stCxn id="11" idx="3"/>
+            <a:endCxn id="8" idx="1"/>
+          </p:cNvCxnSpPr>
+          <p:nvPr/>
+        </p:nvCxnSpPr>
+        <p:spPr>
+          <a:xfrm>
+            <a:off x="7801962" y="4024026"/>
+            <a:ext cx="955463" cy="0"/>
+          </a:xfrm>
+          <a:prstGeom prst="straightConnector1">
+            <a:avLst/>
+          </a:prstGeom>
+          <a:ln w="25400">
+            <a:solidFill>
+              <a:srgbClr val="FFFF00"/>
+            </a:solidFill>
+            <a:headEnd type="none" w="lg" len="lg"/>
+            <a:tailEnd type="triangle" w="lg" len="lg"/>
+          </a:ln>
+        </p:spPr>
+        <p:style>
+          <a:lnRef idx="1">
+            <a:schemeClr val="accent1"/>
+          </a:lnRef>
+          <a:fillRef idx="0">
+            <a:schemeClr val="accent1"/>
+          </a:fillRef>
+          <a:effectRef idx="0">
+            <a:schemeClr val="accent1"/>
+          </a:effectRef>
+          <a:fontRef idx="minor">
+            <a:schemeClr val="tx1"/>
+          </a:fontRef>
+        </p:style>
+      </p:cxnSp>
+      <p:cxnSp>
+        <p:nvCxnSpPr>
+          <p:cNvPr id="21" name="肘形连接符 20"/>
+          <p:cNvCxnSpPr>
+            <a:stCxn id="11" idx="0"/>
+            <a:endCxn id="9" idx="1"/>
+          </p:cNvCxnSpPr>
+          <p:nvPr/>
+        </p:nvCxnSpPr>
+        <p:spPr>
+          <a:xfrm rot="5400000" flipH="1" flipV="1">
+            <a:off x="7058036" y="3157524"/>
+            <a:ext cx="531251" cy="490060"/>
+          </a:xfrm>
+          <a:prstGeom prst="bentConnector2">
+            <a:avLst/>
+          </a:prstGeom>
+          <a:ln w="25400">
+            <a:solidFill>
+              <a:srgbClr val="FFFF00"/>
+            </a:solidFill>
+            <a:headEnd type="none" w="lg" len="lg"/>
+            <a:tailEnd type="triangle" w="lg" len="lg"/>
+          </a:ln>
+        </p:spPr>
+        <p:style>
+          <a:lnRef idx="1">
+            <a:schemeClr val="accent1"/>
+          </a:lnRef>
+          <a:fillRef idx="0">
+            <a:schemeClr val="accent1"/>
+          </a:fillRef>
+          <a:effectRef idx="0">
+            <a:schemeClr val="accent1"/>
+          </a:effectRef>
+          <a:fontRef idx="minor">
+            <a:schemeClr val="tx1"/>
+          </a:fontRef>
+        </p:style>
+      </p:cxnSp>
+      <p:cxnSp>
+        <p:nvCxnSpPr>
+          <p:cNvPr id="23" name="肘形连接符 22"/>
+          <p:cNvCxnSpPr>
+            <a:stCxn id="9" idx="3"/>
+            <a:endCxn id="8" idx="0"/>
+          </p:cNvCxnSpPr>
+          <p:nvPr/>
+        </p:nvCxnSpPr>
+        <p:spPr>
+          <a:xfrm>
+            <a:off x="8793547" y="3136928"/>
+            <a:ext cx="687210" cy="531251"/>
+          </a:xfrm>
+          <a:prstGeom prst="bentConnector2">
+            <a:avLst/>
+          </a:prstGeom>
+          <a:ln w="25400">
+            <a:solidFill>
+              <a:srgbClr val="FFFF00"/>
+            </a:solidFill>
+            <a:headEnd type="none" w="lg" len="lg"/>
+            <a:tailEnd type="triangle" w="lg" len="lg"/>
+          </a:ln>
+        </p:spPr>
+        <p:style>
+          <a:lnRef idx="1">
+            <a:schemeClr val="accent1"/>
+          </a:lnRef>
+          <a:fillRef idx="0">
+            <a:schemeClr val="accent1"/>
+          </a:fillRef>
+          <a:effectRef idx="0">
+            <a:schemeClr val="accent1"/>
+          </a:effectRef>
+          <a:fontRef idx="minor">
+            <a:schemeClr val="tx1"/>
+          </a:fontRef>
+        </p:style>
+      </p:cxnSp>
+      <p:cxnSp>
+        <p:nvCxnSpPr>
+          <p:cNvPr id="25" name="肘形连接符 24"/>
+          <p:cNvCxnSpPr>
+            <a:stCxn id="8" idx="2"/>
+            <a:endCxn id="7" idx="3"/>
+          </p:cNvCxnSpPr>
+          <p:nvPr/>
+        </p:nvCxnSpPr>
+        <p:spPr>
+          <a:xfrm rot="5400000">
+            <a:off x="7950753" y="3507751"/>
+            <a:ext cx="657883" cy="2402127"/>
+          </a:xfrm>
+          <a:prstGeom prst="bentConnector2">
+            <a:avLst/>
+          </a:prstGeom>
+          <a:ln w="25400">
+            <a:solidFill>
+              <a:srgbClr val="FFFF00"/>
+            </a:solidFill>
+            <a:headEnd type="none" w="lg" len="lg"/>
+            <a:tailEnd type="triangle" w="lg" len="lg"/>
+          </a:ln>
+        </p:spPr>
+        <p:style>
+          <a:lnRef idx="1">
+            <a:schemeClr val="accent1"/>
+          </a:lnRef>
+          <a:fillRef idx="0">
+            <a:schemeClr val="accent1"/>
+          </a:fillRef>
+          <a:effectRef idx="0">
+            <a:schemeClr val="accent1"/>
+          </a:effectRef>
+          <a:fontRef idx="minor">
+            <a:schemeClr val="tx1"/>
+          </a:fontRef>
+        </p:style>
+      </p:cxnSp>
+      <p:cxnSp>
+        <p:nvCxnSpPr>
+          <p:cNvPr id="27" name="肘形连接符 26"/>
+          <p:cNvCxnSpPr>
+            <a:stCxn id="7" idx="1"/>
+            <a:endCxn id="6" idx="2"/>
+          </p:cNvCxnSpPr>
+          <p:nvPr/>
+        </p:nvCxnSpPr>
+        <p:spPr>
+          <a:xfrm rot="10800000">
+            <a:off x="2996571" y="4379874"/>
+            <a:ext cx="2635396" cy="657883"/>
+          </a:xfrm>
+          <a:prstGeom prst="bentConnector2">
+            <a:avLst/>
+          </a:prstGeom>
+          <a:ln w="25400">
+            <a:solidFill>
+              <a:srgbClr val="FFFF00"/>
+            </a:solidFill>
+            <a:headEnd type="none" w="lg" len="lg"/>
+            <a:tailEnd type="triangle" w="lg" len="lg"/>
+          </a:ln>
+        </p:spPr>
+        <p:style>
+          <a:lnRef idx="1">
+            <a:schemeClr val="accent1"/>
+          </a:lnRef>
+          <a:fillRef idx="0">
+            <a:schemeClr val="accent1"/>
+          </a:fillRef>
+          <a:effectRef idx="0">
+            <a:schemeClr val="accent1"/>
+          </a:effectRef>
+          <a:fontRef idx="minor">
+            <a:schemeClr val="tx1"/>
+          </a:fontRef>
+        </p:style>
+      </p:cxnSp>
+      <p:sp>
+        <p:nvSpPr>
+          <p:cNvPr id="22" name="圆角矩形 21"/>
+          <p:cNvSpPr/>
+          <p:nvPr/>
+        </p:nvSpPr>
+        <p:spPr>
+          <a:xfrm>
+            <a:off x="3368798" y="2907712"/>
+            <a:ext cx="1224856" cy="458431"/>
+          </a:xfrm>
+          <a:prstGeom prst="roundRect">
+            <a:avLst/>
+          </a:prstGeom>
+          <a:solidFill>
+            <a:schemeClr val="accent6">
+              <a:lumMod val="60000"/>
+              <a:lumOff val="40000"/>
+            </a:schemeClr>
+          </a:solidFill>
+          <a:ln w="50800">
+            <a:solidFill>
+              <a:schemeClr val="tx1"/>
+            </a:solidFill>
+          </a:ln>
+        </p:spPr>
+        <p:style>
+          <a:lnRef idx="2">
+            <a:schemeClr val="accent6"/>
+          </a:lnRef>
+          <a:fillRef idx="1">
+            <a:schemeClr val="lt1"/>
+          </a:fillRef>
+          <a:effectRef idx="0">
+            <a:schemeClr val="accent6"/>
+          </a:effectRef>
+          <a:fontRef idx="minor">
+            <a:schemeClr val="dk1"/>
+          </a:fontRef>
+        </p:style>
+        <p:txBody>
+          <a:bodyPr rtlCol="0" anchor="ctr"/>
+          <a:lstStyle/>
+          <a:p>
+            <a:pPr algn="ctr"/>
+            <a:r>
+              <a:rPr kumimoji="1" lang="en-US" altLang="zh-CN" sz="1200" b="1" dirty="0" err="1" smtClean="0">
                 <a:solidFill>
                   <a:schemeClr val="tx1"/>
                 </a:solidFill>
-              </a:endParaRPr>
-            </a:p>
-          </p:txBody>
-        </p:sp>
-        <p:cxnSp>
-          <p:nvCxnSpPr>
-            <p:cNvPr id="13" name="直线箭头连接符 12"/>
-            <p:cNvCxnSpPr>
-              <a:stCxn id="6" idx="3"/>
-              <a:endCxn id="10" idx="1"/>
-            </p:cNvCxnSpPr>
-            <p:nvPr/>
-          </p:nvCxnSpPr>
-          <p:spPr>
-            <a:xfrm>
-              <a:off x="4780040" y="5401710"/>
-              <a:ext cx="611685" cy="0"/>
-            </a:xfrm>
-            <a:prstGeom prst="straightConnector1">
-              <a:avLst/>
-            </a:prstGeom>
-            <a:ln w="25400">
+              </a:rPr>
+              <a:t>StroeProvider</a:t>
+            </a:r>
+            <a:endParaRPr kumimoji="1" lang="zh-CN" altLang="en-US" sz="1200" b="1" dirty="0">
               <a:solidFill>
-                <a:srgbClr val="FFFF00"/>
+                <a:schemeClr val="tx1"/>
               </a:solidFill>
-              <a:headEnd type="none" w="lg" len="lg"/>
-              <a:tailEnd type="triangle" w="lg" len="lg"/>
-            </a:ln>
-          </p:spPr>
-          <p:style>
-            <a:lnRef idx="1">
-              <a:schemeClr val="accent1"/>
-            </a:lnRef>
-            <a:fillRef idx="0">
-              <a:schemeClr val="accent1"/>
-            </a:fillRef>
-            <a:effectRef idx="0">
-              <a:schemeClr val="accent1"/>
-            </a:effectRef>
-            <a:fontRef idx="minor">
-              <a:schemeClr val="tx1"/>
-            </a:fontRef>
-          </p:style>
-        </p:cxnSp>
-        <p:cxnSp>
-          <p:nvCxnSpPr>
-            <p:cNvPr id="14" name="直线箭头连接符 13"/>
-            <p:cNvCxnSpPr/>
-            <p:nvPr/>
-          </p:nvCxnSpPr>
-          <p:spPr>
-            <a:xfrm>
-              <a:off x="6838388" y="5401710"/>
-              <a:ext cx="611685" cy="0"/>
-            </a:xfrm>
-            <a:prstGeom prst="straightConnector1">
-              <a:avLst/>
-            </a:prstGeom>
-            <a:ln w="25400">
-              <a:solidFill>
-                <a:srgbClr val="FFFF00"/>
-              </a:solidFill>
-              <a:headEnd type="none" w="lg" len="lg"/>
-              <a:tailEnd type="triangle" w="lg" len="lg"/>
-            </a:ln>
-          </p:spPr>
-          <p:style>
-            <a:lnRef idx="1">
-              <a:schemeClr val="accent1"/>
-            </a:lnRef>
-            <a:fillRef idx="0">
-              <a:schemeClr val="accent1"/>
-            </a:fillRef>
-            <a:effectRef idx="0">
-              <a:schemeClr val="accent1"/>
-            </a:effectRef>
-            <a:fontRef idx="minor">
-              <a:schemeClr val="tx1"/>
-            </a:fontRef>
-          </p:style>
-        </p:cxnSp>
-        <p:cxnSp>
-          <p:nvCxnSpPr>
-            <p:cNvPr id="15" name="直线箭头连接符 14"/>
-            <p:cNvCxnSpPr>
-              <a:stCxn id="11" idx="3"/>
-              <a:endCxn id="8" idx="1"/>
-            </p:cNvCxnSpPr>
-            <p:nvPr/>
-          </p:nvCxnSpPr>
-          <p:spPr>
-            <a:xfrm>
-              <a:off x="8862100" y="5401710"/>
-              <a:ext cx="955463" cy="0"/>
-            </a:xfrm>
-            <a:prstGeom prst="straightConnector1">
-              <a:avLst/>
-            </a:prstGeom>
-            <a:ln w="25400">
-              <a:solidFill>
-                <a:srgbClr val="FFFF00"/>
-              </a:solidFill>
-              <a:headEnd type="none" w="lg" len="lg"/>
-              <a:tailEnd type="triangle" w="lg" len="lg"/>
-            </a:ln>
-          </p:spPr>
-          <p:style>
-            <a:lnRef idx="1">
-              <a:schemeClr val="accent1"/>
-            </a:lnRef>
-            <a:fillRef idx="0">
-              <a:schemeClr val="accent1"/>
-            </a:fillRef>
-            <a:effectRef idx="0">
-              <a:schemeClr val="accent1"/>
-            </a:effectRef>
-            <a:fontRef idx="minor">
-              <a:schemeClr val="tx1"/>
-            </a:fontRef>
-          </p:style>
-        </p:cxnSp>
-        <p:cxnSp>
-          <p:nvCxnSpPr>
-            <p:cNvPr id="21" name="肘形连接符 20"/>
-            <p:cNvCxnSpPr>
-              <a:stCxn id="11" idx="0"/>
-              <a:endCxn id="9" idx="1"/>
-            </p:cNvCxnSpPr>
-            <p:nvPr/>
-          </p:nvCxnSpPr>
-          <p:spPr>
-            <a:xfrm rot="5400000" flipH="1" flipV="1">
-              <a:off x="8118174" y="4535208"/>
-              <a:ext cx="531251" cy="490060"/>
-            </a:xfrm>
-            <a:prstGeom prst="bentConnector2">
-              <a:avLst/>
-            </a:prstGeom>
-            <a:ln w="25400">
-              <a:solidFill>
-                <a:srgbClr val="FFFF00"/>
-              </a:solidFill>
-              <a:headEnd type="none" w="lg" len="lg"/>
-              <a:tailEnd type="triangle" w="lg" len="lg"/>
-            </a:ln>
-          </p:spPr>
-          <p:style>
-            <a:lnRef idx="1">
-              <a:schemeClr val="accent1"/>
-            </a:lnRef>
-            <a:fillRef idx="0">
-              <a:schemeClr val="accent1"/>
-            </a:fillRef>
-            <a:effectRef idx="0">
-              <a:schemeClr val="accent1"/>
-            </a:effectRef>
-            <a:fontRef idx="minor">
-              <a:schemeClr val="tx1"/>
-            </a:fontRef>
-          </p:style>
-        </p:cxnSp>
-        <p:cxnSp>
-          <p:nvCxnSpPr>
-            <p:cNvPr id="23" name="肘形连接符 22"/>
-            <p:cNvCxnSpPr>
-              <a:stCxn id="9" idx="3"/>
-              <a:endCxn id="8" idx="0"/>
-            </p:cNvCxnSpPr>
-            <p:nvPr/>
-          </p:nvCxnSpPr>
-          <p:spPr>
-            <a:xfrm>
-              <a:off x="9853685" y="4514612"/>
-              <a:ext cx="687210" cy="531251"/>
-            </a:xfrm>
-            <a:prstGeom prst="bentConnector2">
-              <a:avLst/>
-            </a:prstGeom>
-            <a:ln w="25400">
-              <a:solidFill>
-                <a:srgbClr val="FFFF00"/>
-              </a:solidFill>
-              <a:headEnd type="none" w="lg" len="lg"/>
-              <a:tailEnd type="triangle" w="lg" len="lg"/>
-            </a:ln>
-          </p:spPr>
-          <p:style>
-            <a:lnRef idx="1">
-              <a:schemeClr val="accent1"/>
-            </a:lnRef>
-            <a:fillRef idx="0">
-              <a:schemeClr val="accent1"/>
-            </a:fillRef>
-            <a:effectRef idx="0">
-              <a:schemeClr val="accent1"/>
-            </a:effectRef>
-            <a:fontRef idx="minor">
-              <a:schemeClr val="tx1"/>
-            </a:fontRef>
-          </p:style>
-        </p:cxnSp>
-        <p:cxnSp>
-          <p:nvCxnSpPr>
-            <p:cNvPr id="25" name="肘形连接符 24"/>
-            <p:cNvCxnSpPr>
-              <a:stCxn id="8" idx="2"/>
-              <a:endCxn id="7" idx="3"/>
-            </p:cNvCxnSpPr>
-            <p:nvPr/>
-          </p:nvCxnSpPr>
-          <p:spPr>
-            <a:xfrm rot="5400000">
-              <a:off x="9010891" y="4885435"/>
-              <a:ext cx="657883" cy="2402127"/>
-            </a:xfrm>
-            <a:prstGeom prst="bentConnector2">
-              <a:avLst/>
-            </a:prstGeom>
-            <a:ln w="25400">
-              <a:solidFill>
-                <a:srgbClr val="FFFF00"/>
-              </a:solidFill>
-              <a:headEnd type="none" w="lg" len="lg"/>
-              <a:tailEnd type="triangle" w="lg" len="lg"/>
-            </a:ln>
-          </p:spPr>
-          <p:style>
-            <a:lnRef idx="1">
-              <a:schemeClr val="accent1"/>
-            </a:lnRef>
-            <a:fillRef idx="0">
-              <a:schemeClr val="accent1"/>
-            </a:fillRef>
-            <a:effectRef idx="0">
-              <a:schemeClr val="accent1"/>
-            </a:effectRef>
-            <a:fontRef idx="minor">
-              <a:schemeClr val="tx1"/>
-            </a:fontRef>
-          </p:style>
-        </p:cxnSp>
-        <p:cxnSp>
-          <p:nvCxnSpPr>
-            <p:cNvPr id="27" name="肘形连接符 26"/>
-            <p:cNvCxnSpPr>
-              <a:stCxn id="7" idx="1"/>
-              <a:endCxn id="6" idx="2"/>
-            </p:cNvCxnSpPr>
-            <p:nvPr/>
-          </p:nvCxnSpPr>
-          <p:spPr>
-            <a:xfrm rot="10800000">
-              <a:off x="4056709" y="5757558"/>
-              <a:ext cx="2635396" cy="657883"/>
-            </a:xfrm>
-            <a:prstGeom prst="bentConnector2">
-              <a:avLst/>
-            </a:prstGeom>
-            <a:ln w="25400">
-              <a:solidFill>
-                <a:srgbClr val="FFFF00"/>
-              </a:solidFill>
-              <a:headEnd type="none" w="lg" len="lg"/>
-              <a:tailEnd type="triangle" w="lg" len="lg"/>
-            </a:ln>
-          </p:spPr>
-          <p:style>
-            <a:lnRef idx="1">
-              <a:schemeClr val="accent1"/>
-            </a:lnRef>
-            <a:fillRef idx="0">
-              <a:schemeClr val="accent1"/>
-            </a:fillRef>
-            <a:effectRef idx="0">
-              <a:schemeClr val="accent1"/>
-            </a:effectRef>
-            <a:fontRef idx="minor">
-              <a:schemeClr val="tx1"/>
-            </a:fontRef>
-          </p:style>
-        </p:cxnSp>
-      </p:grpSp>
+            </a:endParaRPr>
+          </a:p>
+        </p:txBody>
+      </p:sp>
+      <p:cxnSp>
+        <p:nvCxnSpPr>
+          <p:cNvPr id="24" name="肘形连接符 23"/>
+          <p:cNvCxnSpPr>
+            <a:endCxn id="22" idx="3"/>
+          </p:cNvCxnSpPr>
+          <p:nvPr/>
+        </p:nvCxnSpPr>
+        <p:spPr>
+          <a:xfrm rot="16200000" flipV="1">
+            <a:off x="4576867" y="3153715"/>
+            <a:ext cx="494840" cy="461265"/>
+          </a:xfrm>
+          <a:prstGeom prst="bentConnector2">
+            <a:avLst/>
+          </a:prstGeom>
+          <a:ln w="25400">
+            <a:solidFill>
+              <a:srgbClr val="FFFF00"/>
+            </a:solidFill>
+            <a:headEnd type="none" w="lg" len="lg"/>
+            <a:tailEnd type="triangle" w="lg" len="lg"/>
+          </a:ln>
+        </p:spPr>
+        <p:style>
+          <a:lnRef idx="1">
+            <a:schemeClr val="accent1"/>
+          </a:lnRef>
+          <a:fillRef idx="0">
+            <a:schemeClr val="accent1"/>
+          </a:fillRef>
+          <a:effectRef idx="0">
+            <a:schemeClr val="accent1"/>
+          </a:effectRef>
+          <a:fontRef idx="minor">
+            <a:schemeClr val="tx1"/>
+          </a:fontRef>
+        </p:style>
+      </p:cxnSp>
+      <p:cxnSp>
+        <p:nvCxnSpPr>
+          <p:cNvPr id="26" name="肘形连接符 25"/>
+          <p:cNvCxnSpPr>
+            <a:stCxn id="22" idx="1"/>
+            <a:endCxn id="6" idx="0"/>
+          </p:cNvCxnSpPr>
+          <p:nvPr/>
+        </p:nvCxnSpPr>
+        <p:spPr>
+          <a:xfrm rot="10800000" flipV="1">
+            <a:off x="2996572" y="3136927"/>
+            <a:ext cx="372227" cy="531251"/>
+          </a:xfrm>
+          <a:prstGeom prst="bentConnector2">
+            <a:avLst/>
+          </a:prstGeom>
+          <a:ln w="25400">
+            <a:solidFill>
+              <a:srgbClr val="FFFF00"/>
+            </a:solidFill>
+            <a:headEnd type="none" w="lg" len="lg"/>
+            <a:tailEnd type="triangle" w="lg" len="lg"/>
+          </a:ln>
+        </p:spPr>
+        <p:style>
+          <a:lnRef idx="1">
+            <a:schemeClr val="accent1"/>
+          </a:lnRef>
+          <a:fillRef idx="0">
+            <a:schemeClr val="accent1"/>
+          </a:fillRef>
+          <a:effectRef idx="0">
+            <a:schemeClr val="accent1"/>
+          </a:effectRef>
+          <a:fontRef idx="minor">
+            <a:schemeClr val="tx1"/>
+          </a:fontRef>
+        </p:style>
+      </p:cxnSp>
     </p:spTree>
     <p:extLst>
       <p:ext uri="{BB962C8B-B14F-4D97-AF65-F5344CB8AC3E}">

--- a/docs/plume2-starter项目实战.pptx
+++ b/docs/plume2-starter项目实战.pptx
@@ -312,7 +312,7 @@
           <a:p>
             <a:fld id="{752AB273-F3C6-F149-BADA-FAD1CD740AF8}" type="datetimeFigureOut">
               <a:rPr kumimoji="1" lang="zh-CN" altLang="en-US" smtClean="0"/>
-              <a:t>2017/3/14</a:t>
+              <a:t>2017/3/16</a:t>
             </a:fld>
             <a:endParaRPr kumimoji="1" lang="zh-CN" altLang="en-US"/>
           </a:p>
@@ -587,7 +587,7 @@
           <a:p>
             <a:fld id="{752AB273-F3C6-F149-BADA-FAD1CD740AF8}" type="datetimeFigureOut">
               <a:rPr kumimoji="1" lang="zh-CN" altLang="en-US" smtClean="0"/>
-              <a:t>2017/3/14</a:t>
+              <a:t>2017/3/16</a:t>
             </a:fld>
             <a:endParaRPr kumimoji="1" lang="zh-CN" altLang="en-US"/>
           </a:p>
@@ -781,7 +781,7 @@
           <a:p>
             <a:fld id="{752AB273-F3C6-F149-BADA-FAD1CD740AF8}" type="datetimeFigureOut">
               <a:rPr kumimoji="1" lang="zh-CN" altLang="en-US" smtClean="0"/>
-              <a:t>2017/3/14</a:t>
+              <a:t>2017/3/16</a:t>
             </a:fld>
             <a:endParaRPr kumimoji="1" lang="zh-CN" altLang="en-US"/>
           </a:p>
@@ -1054,7 +1054,7 @@
           <a:p>
             <a:fld id="{752AB273-F3C6-F149-BADA-FAD1CD740AF8}" type="datetimeFigureOut">
               <a:rPr kumimoji="1" lang="zh-CN" altLang="en-US" smtClean="0"/>
-              <a:t>2017/3/14</a:t>
+              <a:t>2017/3/16</a:t>
             </a:fld>
             <a:endParaRPr kumimoji="1" lang="zh-CN" altLang="en-US"/>
           </a:p>
@@ -1395,7 +1395,7 @@
           <a:p>
             <a:fld id="{752AB273-F3C6-F149-BADA-FAD1CD740AF8}" type="datetimeFigureOut">
               <a:rPr kumimoji="1" lang="zh-CN" altLang="en-US" smtClean="0"/>
-              <a:t>2017/3/14</a:t>
+              <a:t>2017/3/16</a:t>
             </a:fld>
             <a:endParaRPr kumimoji="1" lang="zh-CN" altLang="en-US"/>
           </a:p>
@@ -2018,7 +2018,7 @@
           <a:p>
             <a:fld id="{752AB273-F3C6-F149-BADA-FAD1CD740AF8}" type="datetimeFigureOut">
               <a:rPr kumimoji="1" lang="zh-CN" altLang="en-US" smtClean="0"/>
-              <a:t>2017/3/14</a:t>
+              <a:t>2017/3/16</a:t>
             </a:fld>
             <a:endParaRPr kumimoji="1" lang="zh-CN" altLang="en-US"/>
           </a:p>
@@ -2878,7 +2878,7 @@
           <a:p>
             <a:fld id="{752AB273-F3C6-F149-BADA-FAD1CD740AF8}" type="datetimeFigureOut">
               <a:rPr kumimoji="1" lang="zh-CN" altLang="en-US" smtClean="0"/>
-              <a:t>2017/3/14</a:t>
+              <a:t>2017/3/16</a:t>
             </a:fld>
             <a:endParaRPr kumimoji="1" lang="zh-CN" altLang="en-US"/>
           </a:p>
@@ -3048,7 +3048,7 @@
           <a:p>
             <a:fld id="{752AB273-F3C6-F149-BADA-FAD1CD740AF8}" type="datetimeFigureOut">
               <a:rPr kumimoji="1" lang="zh-CN" altLang="en-US" smtClean="0"/>
-              <a:t>2017/3/14</a:t>
+              <a:t>2017/3/16</a:t>
             </a:fld>
             <a:endParaRPr kumimoji="1" lang="zh-CN" altLang="en-US"/>
           </a:p>
@@ -3228,7 +3228,7 @@
           <a:p>
             <a:fld id="{752AB273-F3C6-F149-BADA-FAD1CD740AF8}" type="datetimeFigureOut">
               <a:rPr kumimoji="1" lang="zh-CN" altLang="en-US" smtClean="0"/>
-              <a:t>2017/3/14</a:t>
+              <a:t>2017/3/16</a:t>
             </a:fld>
             <a:endParaRPr kumimoji="1" lang="zh-CN" altLang="en-US"/>
           </a:p>
@@ -3398,7 +3398,7 @@
           <a:p>
             <a:fld id="{752AB273-F3C6-F149-BADA-FAD1CD740AF8}" type="datetimeFigureOut">
               <a:rPr kumimoji="1" lang="zh-CN" altLang="en-US" smtClean="0"/>
-              <a:t>2017/3/14</a:t>
+              <a:t>2017/3/16</a:t>
             </a:fld>
             <a:endParaRPr kumimoji="1" lang="zh-CN" altLang="en-US"/>
           </a:p>
@@ -3645,7 +3645,7 @@
           <a:p>
             <a:fld id="{752AB273-F3C6-F149-BADA-FAD1CD740AF8}" type="datetimeFigureOut">
               <a:rPr kumimoji="1" lang="zh-CN" altLang="en-US" smtClean="0"/>
-              <a:t>2017/3/14</a:t>
+              <a:t>2017/3/16</a:t>
             </a:fld>
             <a:endParaRPr kumimoji="1" lang="zh-CN" altLang="en-US"/>
           </a:p>
@@ -3937,7 +3937,7 @@
           <a:p>
             <a:fld id="{752AB273-F3C6-F149-BADA-FAD1CD740AF8}" type="datetimeFigureOut">
               <a:rPr kumimoji="1" lang="zh-CN" altLang="en-US" smtClean="0"/>
-              <a:t>2017/3/14</a:t>
+              <a:t>2017/3/16</a:t>
             </a:fld>
             <a:endParaRPr kumimoji="1" lang="zh-CN" altLang="en-US"/>
           </a:p>
@@ -4381,7 +4381,7 @@
           <a:p>
             <a:fld id="{752AB273-F3C6-F149-BADA-FAD1CD740AF8}" type="datetimeFigureOut">
               <a:rPr kumimoji="1" lang="zh-CN" altLang="en-US" smtClean="0"/>
-              <a:t>2017/3/14</a:t>
+              <a:t>2017/3/16</a:t>
             </a:fld>
             <a:endParaRPr kumimoji="1" lang="zh-CN" altLang="en-US"/>
           </a:p>
@@ -4499,7 +4499,7 @@
           <a:p>
             <a:fld id="{752AB273-F3C6-F149-BADA-FAD1CD740AF8}" type="datetimeFigureOut">
               <a:rPr kumimoji="1" lang="zh-CN" altLang="en-US" smtClean="0"/>
-              <a:t>2017/3/14</a:t>
+              <a:t>2017/3/16</a:t>
             </a:fld>
             <a:endParaRPr kumimoji="1" lang="zh-CN" altLang="en-US"/>
           </a:p>
@@ -4594,7 +4594,7 @@
           <a:p>
             <a:fld id="{752AB273-F3C6-F149-BADA-FAD1CD740AF8}" type="datetimeFigureOut">
               <a:rPr kumimoji="1" lang="zh-CN" altLang="en-US" smtClean="0"/>
-              <a:t>2017/3/14</a:t>
+              <a:t>2017/3/16</a:t>
             </a:fld>
             <a:endParaRPr kumimoji="1" lang="zh-CN" altLang="en-US"/>
           </a:p>
@@ -4873,7 +4873,7 @@
           <a:p>
             <a:fld id="{752AB273-F3C6-F149-BADA-FAD1CD740AF8}" type="datetimeFigureOut">
               <a:rPr kumimoji="1" lang="zh-CN" altLang="en-US" smtClean="0"/>
-              <a:t>2017/3/14</a:t>
+              <a:t>2017/3/16</a:t>
             </a:fld>
             <a:endParaRPr kumimoji="1" lang="zh-CN" altLang="en-US"/>
           </a:p>
@@ -5148,7 +5148,7 @@
           <a:p>
             <a:fld id="{752AB273-F3C6-F149-BADA-FAD1CD740AF8}" type="datetimeFigureOut">
               <a:rPr kumimoji="1" lang="zh-CN" altLang="en-US" smtClean="0"/>
-              <a:t>2017/3/14</a:t>
+              <a:t>2017/3/16</a:t>
             </a:fld>
             <a:endParaRPr kumimoji="1" lang="zh-CN" altLang="en-US"/>
           </a:p>
@@ -5577,7 +5577,7 @@
           <a:p>
             <a:fld id="{752AB273-F3C6-F149-BADA-FAD1CD740AF8}" type="datetimeFigureOut">
               <a:rPr kumimoji="1" lang="zh-CN" altLang="en-US" smtClean="0"/>
-              <a:t>2017/3/14</a:t>
+              <a:t>2017/3/16</a:t>
             </a:fld>
             <a:endParaRPr kumimoji="1" lang="zh-CN" altLang="en-US"/>
           </a:p>
@@ -8284,11 +8284,7 @@
             </a:r>
             <a:r>
               <a:rPr lang="zh-CN" altLang="en-US" dirty="0" smtClean="0"/>
-              <a:t>  </a:t>
-            </a:r>
-            <a:r>
-              <a:rPr lang="zh-CN" altLang="en-US" dirty="0" smtClean="0"/>
-              <a:t>自由组合</a:t>
+              <a:t>  自由组合</a:t>
             </a:r>
             <a:r>
               <a:rPr lang="en-US" altLang="zh-CN" dirty="0" err="1" smtClean="0"/>
@@ -8553,11 +8549,7 @@
           <a:p>
             <a:r>
               <a:rPr kumimoji="1" lang="en-US" altLang="zh-CN" dirty="0" err="1" smtClean="0"/>
-              <a:t>Webap</a:t>
-            </a:r>
-            <a:r>
-              <a:rPr kumimoji="1" lang="en-US" altLang="zh-CN" dirty="0" err="1" smtClean="0"/>
-              <a:t>i</a:t>
+              <a:t>Webapi</a:t>
             </a:r>
             <a:r>
               <a:rPr kumimoji="1" lang="zh-CN" altLang="en-US" dirty="0" smtClean="0"/>
@@ -9797,7 +9789,7 @@
         </p:nvSpPr>
         <p:spPr>
           <a:xfrm>
-            <a:off x="4790364" y="1897039"/>
+            <a:off x="4778489" y="2003917"/>
             <a:ext cx="3220872" cy="1569660"/>
           </a:xfrm>
           <a:prstGeom prst="rect">
@@ -10099,13 +10091,8 @@
             </a:r>
             <a:r>
               <a:rPr lang="zh-CN" altLang="en-US" dirty="0" smtClean="0"/>
-              <a:t> </a:t>
-            </a:r>
-            <a:r>
-              <a:rPr lang="zh-CN" altLang="en-US" dirty="0" smtClean="0"/>
-              <a:t>数据转换层</a:t>
-            </a:r>
-            <a:endParaRPr lang="zh-CN" altLang="en-US" dirty="0" smtClean="0"/>
+              <a:t> 数据转换层</a:t>
+            </a:r>
           </a:p>
           <a:p>
             <a:r>
@@ -10114,11 +10101,7 @@
             </a:r>
             <a:r>
               <a:rPr lang="zh-CN" altLang="en-US" dirty="0" smtClean="0"/>
-              <a:t> </a:t>
-            </a:r>
-            <a:r>
-              <a:rPr lang="zh-CN" altLang="en-US" dirty="0" smtClean="0"/>
-              <a:t>桥接</a:t>
+              <a:t> 桥接</a:t>
             </a:r>
             <a:r>
               <a:rPr lang="en-US" altLang="zh-CN" dirty="0" smtClean="0"/>

--- a/docs/plume2-starter项目实战.pptx
+++ b/docs/plume2-starter项目实战.pptx
@@ -11440,1633 +11440,53 @@
           </a:p>
           <a:p>
             <a:r>
+              <a:rPr kumimoji="1" lang="en-US" altLang="zh-CN" dirty="0" err="1" smtClean="0"/>
+              <a:t>Airbnb</a:t>
+            </a:r>
+            <a:r>
               <a:rPr kumimoji="1" lang="zh-CN" altLang="en-US" dirty="0" smtClean="0"/>
-              <a:t>项目代码约束</a:t>
-            </a:r>
-            <a:endParaRPr kumimoji="1" lang="zh-CN" altLang="en-US" dirty="0"/>
-          </a:p>
-        </p:txBody>
-      </p:sp>
-      <p:graphicFrame>
-        <p:nvGraphicFramePr>
-          <p:cNvPr id="6" name="表格 5"/>
-          <p:cNvGraphicFramePr>
-            <a:graphicFrameLocks noGrp="1"/>
-          </p:cNvGraphicFramePr>
-          <p:nvPr>
-            <p:extLst>
-              <p:ext uri="{D42A27DB-BD31-4B8C-83A1-F6EECF244321}">
-                <p14:modId xmlns:p14="http://schemas.microsoft.com/office/powerpoint/2010/main" val="1921332385"/>
-              </p:ext>
-            </p:extLst>
-          </p:nvPr>
-        </p:nvGraphicFramePr>
-        <p:xfrm>
-          <a:off x="8098223" y="1459205"/>
-          <a:ext cx="3903260" cy="5382906"/>
-        </p:xfrm>
-        <a:graphic>
-          <a:graphicData uri="http://schemas.openxmlformats.org/drawingml/2006/table">
-            <a:tbl>
-              <a:tblPr/>
-              <a:tblGrid>
-                <a:gridCol w="735732"/>
-                <a:gridCol w="3167528"/>
-              </a:tblGrid>
-              <a:tr h="264612">
-                <a:tc>
-                  <a:txBody>
-                    <a:bodyPr/>
-                    <a:lstStyle/>
-                    <a:p>
-                      <a:pPr algn="r" fontAlgn="t"/>
-                      <a:endParaRPr lang="zh-CN" altLang="en-US" sz="1400" dirty="0">
-                        <a:effectLst/>
-                        <a:latin typeface="SFMono-Regular" charset="0"/>
-                      </a:endParaRPr>
-                    </a:p>
-                  </a:txBody>
-                  <a:tcPr marL="59464" marR="59464" marT="21407" marB="21407">
-                    <a:lnL>
-                      <a:noFill/>
-                    </a:lnL>
-                    <a:lnR>
-                      <a:noFill/>
-                    </a:lnR>
-                    <a:lnT>
-                      <a:noFill/>
-                    </a:lnT>
-                    <a:lnB>
-                      <a:noFill/>
-                    </a:lnB>
-                    <a:solidFill>
-                      <a:srgbClr val="FFFFFF"/>
-                    </a:solidFill>
-                  </a:tcPr>
-                </a:tc>
-                <a:tc>
-                  <a:txBody>
-                    <a:bodyPr/>
-                    <a:lstStyle/>
-                    <a:p>
-                      <a:pPr fontAlgn="t"/>
-                      <a:r>
-                        <a:rPr lang="en-US" altLang="zh-CN" sz="1400" dirty="0">
-                          <a:solidFill>
-                            <a:srgbClr val="24292E"/>
-                          </a:solidFill>
-                          <a:effectLst/>
-                          <a:latin typeface="SFMono-Regular" charset="0"/>
-                        </a:rPr>
-                        <a:t>{</a:t>
-                      </a:r>
-                    </a:p>
-                  </a:txBody>
-                  <a:tcPr marL="59464" marR="59464" marT="21407" marB="21407">
-                    <a:lnL>
-                      <a:noFill/>
-                    </a:lnL>
-                    <a:lnR>
-                      <a:noFill/>
-                    </a:lnR>
-                    <a:lnT>
-                      <a:noFill/>
-                    </a:lnT>
-                    <a:lnB>
-                      <a:noFill/>
-                    </a:lnB>
-                    <a:solidFill>
-                      <a:srgbClr val="FFFFFF"/>
-                    </a:solidFill>
-                  </a:tcPr>
-                </a:tc>
-              </a:tr>
-              <a:tr h="309568">
-                <a:tc>
-                  <a:txBody>
-                    <a:bodyPr/>
-                    <a:lstStyle/>
-                    <a:p>
-                      <a:pPr algn="r" fontAlgn="t"/>
-                      <a:endParaRPr lang="zh-CN" altLang="en-US" sz="1400">
-                        <a:effectLst/>
-                        <a:latin typeface="SFMono-Regular" charset="0"/>
-                      </a:endParaRPr>
-                    </a:p>
-                  </a:txBody>
-                  <a:tcPr marL="59464" marR="59464" marT="21407" marB="21407">
-                    <a:lnL>
-                      <a:noFill/>
-                    </a:lnL>
-                    <a:lnR>
-                      <a:noFill/>
-                    </a:lnR>
-                    <a:lnT>
-                      <a:noFill/>
-                    </a:lnT>
-                    <a:lnB>
-                      <a:noFill/>
-                    </a:lnB>
-                    <a:solidFill>
-                      <a:srgbClr val="FFFFFF"/>
-                    </a:solidFill>
-                  </a:tcPr>
-                </a:tc>
-                <a:tc>
-                  <a:txBody>
-                    <a:bodyPr/>
-                    <a:lstStyle/>
-                    <a:p>
-                      <a:pPr fontAlgn="t"/>
-                      <a:r>
-                        <a:rPr lang="en-US" sz="1400">
-                          <a:solidFill>
-                            <a:srgbClr val="183691"/>
-                          </a:solidFill>
-                          <a:effectLst/>
-                          <a:latin typeface="SFMono-Regular" charset="0"/>
-                        </a:rPr>
-                        <a:t>"vsicons.presets.angular"</a:t>
-                      </a:r>
-                      <a:r>
-                        <a:rPr lang="en-US" sz="1400">
-                          <a:solidFill>
-                            <a:srgbClr val="24292E"/>
-                          </a:solidFill>
-                          <a:effectLst/>
-                          <a:latin typeface="SFMono-Regular" charset="0"/>
-                        </a:rPr>
-                        <a:t>: </a:t>
-                      </a:r>
-                      <a:r>
-                        <a:rPr lang="en-US" sz="1400">
-                          <a:solidFill>
-                            <a:srgbClr val="0086B3"/>
-                          </a:solidFill>
-                          <a:effectLst/>
-                          <a:latin typeface="SFMono-Regular" charset="0"/>
-                        </a:rPr>
-                        <a:t>false</a:t>
-                      </a:r>
-                      <a:r>
-                        <a:rPr lang="en-US" sz="1400">
-                          <a:solidFill>
-                            <a:srgbClr val="24292E"/>
-                          </a:solidFill>
-                          <a:effectLst/>
-                          <a:latin typeface="SFMono-Regular" charset="0"/>
-                        </a:rPr>
-                        <a:t>,</a:t>
-                      </a:r>
-                    </a:p>
-                  </a:txBody>
-                  <a:tcPr marL="59464" marR="59464" marT="21407" marB="21407">
-                    <a:lnL>
-                      <a:noFill/>
-                    </a:lnL>
-                    <a:lnR>
-                      <a:noFill/>
-                    </a:lnR>
-                    <a:lnT>
-                      <a:noFill/>
-                    </a:lnT>
-                    <a:lnB>
-                      <a:noFill/>
-                    </a:lnB>
-                    <a:solidFill>
-                      <a:srgbClr val="FFFFFF"/>
-                    </a:solidFill>
-                  </a:tcPr>
-                </a:tc>
-              </a:tr>
-              <a:tr h="264612">
-                <a:tc>
-                  <a:txBody>
-                    <a:bodyPr/>
-                    <a:lstStyle/>
-                    <a:p>
-                      <a:pPr algn="r" fontAlgn="t"/>
-                      <a:endParaRPr lang="zh-CN" altLang="en-US" sz="1400">
-                        <a:effectLst/>
-                        <a:latin typeface="SFMono-Regular" charset="0"/>
-                      </a:endParaRPr>
-                    </a:p>
-                  </a:txBody>
-                  <a:tcPr marL="59464" marR="59464" marT="21407" marB="21407">
-                    <a:lnL>
-                      <a:noFill/>
-                    </a:lnL>
-                    <a:lnR>
-                      <a:noFill/>
-                    </a:lnR>
-                    <a:lnT>
-                      <a:noFill/>
-                    </a:lnT>
-                    <a:lnB>
-                      <a:noFill/>
-                    </a:lnB>
-                    <a:solidFill>
-                      <a:srgbClr val="FFFFFF"/>
-                    </a:solidFill>
-                  </a:tcPr>
-                </a:tc>
-                <a:tc>
-                  <a:txBody>
-                    <a:bodyPr/>
-                    <a:lstStyle/>
-                    <a:p>
-                      <a:pPr fontAlgn="t"/>
-                      <a:r>
-                        <a:rPr lang="en-US" sz="1400" dirty="0">
-                          <a:solidFill>
-                            <a:srgbClr val="183691"/>
-                          </a:solidFill>
-                          <a:effectLst/>
-                          <a:latin typeface="SFMono-Regular" charset="0"/>
-                        </a:rPr>
-                        <a:t>"</a:t>
-                      </a:r>
-                      <a:r>
-                        <a:rPr lang="en-US" sz="1400" dirty="0" err="1">
-                          <a:solidFill>
-                            <a:srgbClr val="183691"/>
-                          </a:solidFill>
-                          <a:effectLst/>
-                          <a:latin typeface="SFMono-Regular" charset="0"/>
-                        </a:rPr>
-                        <a:t>editor.fontSize</a:t>
-                      </a:r>
-                      <a:r>
-                        <a:rPr lang="en-US" sz="1400" dirty="0">
-                          <a:solidFill>
-                            <a:srgbClr val="183691"/>
-                          </a:solidFill>
-                          <a:effectLst/>
-                          <a:latin typeface="SFMono-Regular" charset="0"/>
-                        </a:rPr>
-                        <a:t>"</a:t>
-                      </a:r>
-                      <a:r>
-                        <a:rPr lang="en-US" sz="1400" dirty="0">
-                          <a:solidFill>
-                            <a:srgbClr val="24292E"/>
-                          </a:solidFill>
-                          <a:effectLst/>
-                          <a:latin typeface="SFMono-Regular" charset="0"/>
-                        </a:rPr>
-                        <a:t>: </a:t>
-                      </a:r>
-                      <a:r>
-                        <a:rPr lang="en-US" sz="1400" dirty="0">
-                          <a:solidFill>
-                            <a:srgbClr val="0086B3"/>
-                          </a:solidFill>
-                          <a:effectLst/>
-                          <a:latin typeface="SFMono-Regular" charset="0"/>
-                        </a:rPr>
-                        <a:t>14</a:t>
-                      </a:r>
-                      <a:r>
-                        <a:rPr lang="en-US" sz="1400" dirty="0">
-                          <a:solidFill>
-                            <a:srgbClr val="24292E"/>
-                          </a:solidFill>
-                          <a:effectLst/>
-                          <a:latin typeface="SFMono-Regular" charset="0"/>
-                        </a:rPr>
-                        <a:t>,</a:t>
-                      </a:r>
-                    </a:p>
-                  </a:txBody>
-                  <a:tcPr marL="59464" marR="59464" marT="21407" marB="21407">
-                    <a:lnL>
-                      <a:noFill/>
-                    </a:lnL>
-                    <a:lnR>
-                      <a:noFill/>
-                    </a:lnR>
-                    <a:lnT>
-                      <a:noFill/>
-                    </a:lnT>
-                    <a:lnB>
-                      <a:noFill/>
-                    </a:lnB>
-                    <a:solidFill>
-                      <a:srgbClr val="FFFFFF"/>
-                    </a:solidFill>
-                  </a:tcPr>
-                </a:tc>
-              </a:tr>
-              <a:tr h="264612">
-                <a:tc>
-                  <a:txBody>
-                    <a:bodyPr/>
-                    <a:lstStyle/>
-                    <a:p>
-                      <a:pPr algn="r" fontAlgn="t"/>
-                      <a:endParaRPr lang="zh-CN" altLang="en-US" sz="1400" dirty="0">
-                        <a:effectLst/>
-                        <a:latin typeface="SFMono-Regular" charset="0"/>
-                      </a:endParaRPr>
-                    </a:p>
-                  </a:txBody>
-                  <a:tcPr marL="59464" marR="59464" marT="21407" marB="21407">
-                    <a:lnL>
-                      <a:noFill/>
-                    </a:lnL>
-                    <a:lnR>
-                      <a:noFill/>
-                    </a:lnR>
-                    <a:lnT>
-                      <a:noFill/>
-                    </a:lnT>
-                    <a:lnB>
-                      <a:noFill/>
-                    </a:lnB>
-                    <a:solidFill>
-                      <a:srgbClr val="FFFFFF"/>
-                    </a:solidFill>
-                  </a:tcPr>
-                </a:tc>
-                <a:tc>
-                  <a:txBody>
-                    <a:bodyPr/>
-                    <a:lstStyle/>
-                    <a:p>
-                      <a:pPr fontAlgn="t"/>
-                      <a:r>
-                        <a:rPr lang="en-US" sz="1400">
-                          <a:solidFill>
-                            <a:srgbClr val="183691"/>
-                          </a:solidFill>
-                          <a:effectLst/>
-                          <a:latin typeface="SFMono-Regular" charset="0"/>
-                        </a:rPr>
-                        <a:t>"window.zoomLevel"</a:t>
-                      </a:r>
-                      <a:r>
-                        <a:rPr lang="en-US" sz="1400">
-                          <a:solidFill>
-                            <a:srgbClr val="24292E"/>
-                          </a:solidFill>
-                          <a:effectLst/>
-                          <a:latin typeface="SFMono-Regular" charset="0"/>
-                        </a:rPr>
-                        <a:t>: </a:t>
-                      </a:r>
-                      <a:r>
-                        <a:rPr lang="en-US" sz="1400">
-                          <a:solidFill>
-                            <a:srgbClr val="0086B3"/>
-                          </a:solidFill>
-                          <a:effectLst/>
-                          <a:latin typeface="SFMono-Regular" charset="0"/>
-                        </a:rPr>
-                        <a:t>0</a:t>
-                      </a:r>
-                      <a:r>
-                        <a:rPr lang="en-US" sz="1400">
-                          <a:solidFill>
-                            <a:srgbClr val="24292E"/>
-                          </a:solidFill>
-                          <a:effectLst/>
-                          <a:latin typeface="SFMono-Regular" charset="0"/>
-                        </a:rPr>
-                        <a:t>,</a:t>
-                      </a:r>
-                    </a:p>
-                  </a:txBody>
-                  <a:tcPr marL="59464" marR="59464" marT="21407" marB="21407">
-                    <a:lnL>
-                      <a:noFill/>
-                    </a:lnL>
-                    <a:lnR>
-                      <a:noFill/>
-                    </a:lnR>
-                    <a:lnT>
-                      <a:noFill/>
-                    </a:lnT>
-                    <a:lnB>
-                      <a:noFill/>
-                    </a:lnB>
-                    <a:solidFill>
-                      <a:srgbClr val="FFFFFF"/>
-                    </a:solidFill>
-                  </a:tcPr>
-                </a:tc>
-              </a:tr>
-              <a:tr h="264612">
-                <a:tc>
-                  <a:txBody>
-                    <a:bodyPr/>
-                    <a:lstStyle/>
-                    <a:p>
-                      <a:pPr algn="r" fontAlgn="t"/>
-                      <a:endParaRPr lang="zh-CN" altLang="en-US" sz="1400">
-                        <a:effectLst/>
-                        <a:latin typeface="SFMono-Regular" charset="0"/>
-                      </a:endParaRPr>
-                    </a:p>
-                  </a:txBody>
-                  <a:tcPr marL="59464" marR="59464" marT="21407" marB="21407">
-                    <a:lnL>
-                      <a:noFill/>
-                    </a:lnL>
-                    <a:lnR>
-                      <a:noFill/>
-                    </a:lnR>
-                    <a:lnT>
-                      <a:noFill/>
-                    </a:lnT>
-                    <a:lnB>
-                      <a:noFill/>
-                    </a:lnB>
-                    <a:solidFill>
-                      <a:srgbClr val="FFFFFF"/>
-                    </a:solidFill>
-                  </a:tcPr>
-                </a:tc>
-                <a:tc>
-                  <a:txBody>
-                    <a:bodyPr/>
-                    <a:lstStyle/>
-                    <a:p>
-                      <a:pPr fontAlgn="t"/>
-                      <a:r>
-                        <a:rPr lang="en-US" sz="1400">
-                          <a:solidFill>
-                            <a:srgbClr val="183691"/>
-                          </a:solidFill>
-                          <a:effectLst/>
-                          <a:latin typeface="SFMono-Regular" charset="0"/>
-                        </a:rPr>
-                        <a:t>"editor.tabSize"</a:t>
-                      </a:r>
-                      <a:r>
-                        <a:rPr lang="en-US" sz="1400">
-                          <a:solidFill>
-                            <a:srgbClr val="24292E"/>
-                          </a:solidFill>
-                          <a:effectLst/>
-                          <a:latin typeface="SFMono-Regular" charset="0"/>
-                        </a:rPr>
-                        <a:t>: </a:t>
-                      </a:r>
-                      <a:r>
-                        <a:rPr lang="en-US" sz="1400">
-                          <a:solidFill>
-                            <a:srgbClr val="0086B3"/>
-                          </a:solidFill>
-                          <a:effectLst/>
-                          <a:latin typeface="SFMono-Regular" charset="0"/>
-                        </a:rPr>
-                        <a:t>2</a:t>
-                      </a:r>
-                      <a:r>
-                        <a:rPr lang="en-US" sz="1400">
-                          <a:solidFill>
-                            <a:srgbClr val="24292E"/>
-                          </a:solidFill>
-                          <a:effectLst/>
-                          <a:latin typeface="SFMono-Regular" charset="0"/>
-                        </a:rPr>
-                        <a:t>,</a:t>
-                      </a:r>
-                    </a:p>
-                  </a:txBody>
-                  <a:tcPr marL="59464" marR="59464" marT="21407" marB="21407">
-                    <a:lnL>
-                      <a:noFill/>
-                    </a:lnL>
-                    <a:lnR>
-                      <a:noFill/>
-                    </a:lnR>
-                    <a:lnT>
-                      <a:noFill/>
-                    </a:lnT>
-                    <a:lnB>
-                      <a:noFill/>
-                    </a:lnB>
-                    <a:solidFill>
-                      <a:srgbClr val="FFFFFF"/>
-                    </a:solidFill>
-                  </a:tcPr>
-                </a:tc>
-              </a:tr>
-              <a:tr h="264612">
-                <a:tc>
-                  <a:txBody>
-                    <a:bodyPr/>
-                    <a:lstStyle/>
-                    <a:p>
-                      <a:pPr algn="r" fontAlgn="t"/>
-                      <a:endParaRPr lang="zh-CN" altLang="en-US" sz="1400">
-                        <a:effectLst/>
-                        <a:latin typeface="SFMono-Regular" charset="0"/>
-                      </a:endParaRPr>
-                    </a:p>
-                  </a:txBody>
-                  <a:tcPr marL="59464" marR="59464" marT="21407" marB="21407">
-                    <a:lnL>
-                      <a:noFill/>
-                    </a:lnL>
-                    <a:lnR>
-                      <a:noFill/>
-                    </a:lnR>
-                    <a:lnT>
-                      <a:noFill/>
-                    </a:lnT>
-                    <a:lnB>
-                      <a:noFill/>
-                    </a:lnB>
-                    <a:solidFill>
-                      <a:srgbClr val="FFFFFF"/>
-                    </a:solidFill>
-                  </a:tcPr>
-                </a:tc>
-                <a:tc>
-                  <a:txBody>
-                    <a:bodyPr/>
-                    <a:lstStyle/>
-                    <a:p>
-                      <a:pPr fontAlgn="t"/>
-                      <a:r>
-                        <a:rPr lang="en-US" sz="1400">
-                          <a:solidFill>
-                            <a:srgbClr val="183691"/>
-                          </a:solidFill>
-                          <a:effectLst/>
-                          <a:latin typeface="SFMono-Regular" charset="0"/>
-                        </a:rPr>
-                        <a:t>"editor.rulers"</a:t>
-                      </a:r>
-                      <a:r>
-                        <a:rPr lang="en-US" sz="1400">
-                          <a:solidFill>
-                            <a:srgbClr val="24292E"/>
-                          </a:solidFill>
-                          <a:effectLst/>
-                          <a:latin typeface="SFMono-Regular" charset="0"/>
-                        </a:rPr>
-                        <a:t>: [</a:t>
-                      </a:r>
-                    </a:p>
-                  </a:txBody>
-                  <a:tcPr marL="59464" marR="59464" marT="21407" marB="21407">
-                    <a:lnL>
-                      <a:noFill/>
-                    </a:lnL>
-                    <a:lnR>
-                      <a:noFill/>
-                    </a:lnR>
-                    <a:lnT>
-                      <a:noFill/>
-                    </a:lnT>
-                    <a:lnB>
-                      <a:noFill/>
-                    </a:lnB>
-                    <a:solidFill>
-                      <a:srgbClr val="FFFFFF"/>
-                    </a:solidFill>
-                  </a:tcPr>
-                </a:tc>
-              </a:tr>
-              <a:tr h="264612">
-                <a:tc>
-                  <a:txBody>
-                    <a:bodyPr/>
-                    <a:lstStyle/>
-                    <a:p>
-                      <a:pPr algn="r" fontAlgn="t"/>
-                      <a:endParaRPr lang="zh-CN" altLang="en-US" sz="1400">
-                        <a:effectLst/>
-                        <a:latin typeface="SFMono-Regular" charset="0"/>
-                      </a:endParaRPr>
-                    </a:p>
-                  </a:txBody>
-                  <a:tcPr marL="59464" marR="59464" marT="21407" marB="21407">
-                    <a:lnL>
-                      <a:noFill/>
-                    </a:lnL>
-                    <a:lnR>
-                      <a:noFill/>
-                    </a:lnR>
-                    <a:lnT>
-                      <a:noFill/>
-                    </a:lnT>
-                    <a:lnB>
-                      <a:noFill/>
-                    </a:lnB>
-                    <a:solidFill>
-                      <a:srgbClr val="FFFFFF"/>
-                    </a:solidFill>
-                  </a:tcPr>
-                </a:tc>
-                <a:tc>
-                  <a:txBody>
-                    <a:bodyPr/>
-                    <a:lstStyle/>
-                    <a:p>
-                      <a:pPr fontAlgn="t"/>
-                      <a:r>
-                        <a:rPr lang="en-US" altLang="zh-CN" sz="1400">
-                          <a:solidFill>
-                            <a:srgbClr val="0086B3"/>
-                          </a:solidFill>
-                          <a:effectLst/>
-                          <a:latin typeface="SFMono-Regular" charset="0"/>
-                        </a:rPr>
-                        <a:t>80</a:t>
-                      </a:r>
-                      <a:endParaRPr lang="zh-CN" altLang="en-US" sz="1400">
-                        <a:solidFill>
-                          <a:srgbClr val="24292E"/>
-                        </a:solidFill>
-                        <a:effectLst/>
-                        <a:latin typeface="SFMono-Regular" charset="0"/>
-                      </a:endParaRPr>
-                    </a:p>
-                  </a:txBody>
-                  <a:tcPr marL="59464" marR="59464" marT="21407" marB="21407">
-                    <a:lnL>
-                      <a:noFill/>
-                    </a:lnL>
-                    <a:lnR>
-                      <a:noFill/>
-                    </a:lnR>
-                    <a:lnT>
-                      <a:noFill/>
-                    </a:lnT>
-                    <a:lnB>
-                      <a:noFill/>
-                    </a:lnB>
-                    <a:solidFill>
-                      <a:srgbClr val="FFFFFF"/>
-                    </a:solidFill>
-                  </a:tcPr>
-                </a:tc>
-              </a:tr>
-              <a:tr h="264612">
-                <a:tc>
-                  <a:txBody>
-                    <a:bodyPr/>
-                    <a:lstStyle/>
-                    <a:p>
-                      <a:pPr algn="r" fontAlgn="t"/>
-                      <a:endParaRPr lang="zh-CN" altLang="en-US" sz="1400">
-                        <a:effectLst/>
-                        <a:latin typeface="SFMono-Regular" charset="0"/>
-                      </a:endParaRPr>
-                    </a:p>
-                  </a:txBody>
-                  <a:tcPr marL="59464" marR="59464" marT="21407" marB="21407">
-                    <a:lnL>
-                      <a:noFill/>
-                    </a:lnL>
-                    <a:lnR>
-                      <a:noFill/>
-                    </a:lnR>
-                    <a:lnT>
-                      <a:noFill/>
-                    </a:lnT>
-                    <a:lnB>
-                      <a:noFill/>
-                    </a:lnB>
-                    <a:solidFill>
-                      <a:srgbClr val="FFFFFF"/>
-                    </a:solidFill>
-                  </a:tcPr>
-                </a:tc>
-                <a:tc>
-                  <a:txBody>
-                    <a:bodyPr/>
-                    <a:lstStyle/>
-                    <a:p>
-                      <a:pPr fontAlgn="t"/>
-                      <a:r>
-                        <a:rPr lang="mr-IN" sz="1400">
-                          <a:solidFill>
-                            <a:srgbClr val="24292E"/>
-                          </a:solidFill>
-                          <a:effectLst/>
-                          <a:latin typeface="SFMono-Regular" charset="0"/>
-                        </a:rPr>
-                        <a:t>],</a:t>
-                      </a:r>
-                    </a:p>
-                  </a:txBody>
-                  <a:tcPr marL="59464" marR="59464" marT="21407" marB="21407">
-                    <a:lnL>
-                      <a:noFill/>
-                    </a:lnL>
-                    <a:lnR>
-                      <a:noFill/>
-                    </a:lnR>
-                    <a:lnT>
-                      <a:noFill/>
-                    </a:lnT>
-                    <a:lnB>
-                      <a:noFill/>
-                    </a:lnB>
-                    <a:solidFill>
-                      <a:srgbClr val="FFFFFF"/>
-                    </a:solidFill>
-                  </a:tcPr>
-                </a:tc>
-              </a:tr>
-              <a:tr h="309568">
-                <a:tc>
-                  <a:txBody>
-                    <a:bodyPr/>
-                    <a:lstStyle/>
-                    <a:p>
-                      <a:pPr algn="r" fontAlgn="t"/>
-                      <a:endParaRPr lang="zh-CN" altLang="en-US" sz="1400">
-                        <a:effectLst/>
-                        <a:latin typeface="SFMono-Regular" charset="0"/>
-                      </a:endParaRPr>
-                    </a:p>
-                  </a:txBody>
-                  <a:tcPr marL="59464" marR="59464" marT="21407" marB="21407">
-                    <a:lnL>
-                      <a:noFill/>
-                    </a:lnL>
-                    <a:lnR>
-                      <a:noFill/>
-                    </a:lnR>
-                    <a:lnT>
-                      <a:noFill/>
-                    </a:lnT>
-                    <a:lnB>
-                      <a:noFill/>
-                    </a:lnB>
-                    <a:solidFill>
-                      <a:srgbClr val="FFFFFF"/>
-                    </a:solidFill>
-                  </a:tcPr>
-                </a:tc>
-                <a:tc>
-                  <a:txBody>
-                    <a:bodyPr/>
-                    <a:lstStyle/>
-                    <a:p>
-                      <a:pPr fontAlgn="t"/>
-                      <a:r>
-                        <a:rPr lang="en-US" sz="1400">
-                          <a:solidFill>
-                            <a:srgbClr val="183691"/>
-                          </a:solidFill>
-                          <a:effectLst/>
-                          <a:latin typeface="SFMono-Regular" charset="0"/>
-                        </a:rPr>
-                        <a:t>"editor.tabCompletion"</a:t>
-                      </a:r>
-                      <a:r>
-                        <a:rPr lang="en-US" sz="1400">
-                          <a:solidFill>
-                            <a:srgbClr val="24292E"/>
-                          </a:solidFill>
-                          <a:effectLst/>
-                          <a:latin typeface="SFMono-Regular" charset="0"/>
-                        </a:rPr>
-                        <a:t>: </a:t>
-                      </a:r>
-                      <a:r>
-                        <a:rPr lang="en-US" sz="1400">
-                          <a:solidFill>
-                            <a:srgbClr val="0086B3"/>
-                          </a:solidFill>
-                          <a:effectLst/>
-                          <a:latin typeface="SFMono-Regular" charset="0"/>
-                        </a:rPr>
-                        <a:t>true</a:t>
-                      </a:r>
-                      <a:r>
-                        <a:rPr lang="en-US" sz="1400">
-                          <a:solidFill>
-                            <a:srgbClr val="24292E"/>
-                          </a:solidFill>
-                          <a:effectLst/>
-                          <a:latin typeface="SFMono-Regular" charset="0"/>
-                        </a:rPr>
-                        <a:t>,</a:t>
-                      </a:r>
-                    </a:p>
-                  </a:txBody>
-                  <a:tcPr marL="59464" marR="59464" marT="21407" marB="21407">
-                    <a:lnL>
-                      <a:noFill/>
-                    </a:lnL>
-                    <a:lnR>
-                      <a:noFill/>
-                    </a:lnR>
-                    <a:lnT>
-                      <a:noFill/>
-                    </a:lnT>
-                    <a:lnB>
-                      <a:noFill/>
-                    </a:lnB>
-                    <a:solidFill>
-                      <a:srgbClr val="FFFFFF"/>
-                    </a:solidFill>
-                  </a:tcPr>
-                </a:tc>
-              </a:tr>
-              <a:tr h="309568">
-                <a:tc>
-                  <a:txBody>
-                    <a:bodyPr/>
-                    <a:lstStyle/>
-                    <a:p>
-                      <a:pPr algn="r" fontAlgn="t"/>
-                      <a:endParaRPr lang="zh-CN" altLang="en-US" sz="1400">
-                        <a:effectLst/>
-                        <a:latin typeface="SFMono-Regular" charset="0"/>
-                      </a:endParaRPr>
-                    </a:p>
-                  </a:txBody>
-                  <a:tcPr marL="59464" marR="59464" marT="21407" marB="21407">
-                    <a:lnL>
-                      <a:noFill/>
-                    </a:lnL>
-                    <a:lnR>
-                      <a:noFill/>
-                    </a:lnR>
-                    <a:lnT>
-                      <a:noFill/>
-                    </a:lnT>
-                    <a:lnB>
-                      <a:noFill/>
-                    </a:lnB>
-                    <a:solidFill>
-                      <a:srgbClr val="FFFFFF"/>
-                    </a:solidFill>
-                  </a:tcPr>
-                </a:tc>
-                <a:tc>
-                  <a:txBody>
-                    <a:bodyPr/>
-                    <a:lstStyle/>
-                    <a:p>
-                      <a:pPr fontAlgn="t"/>
-                      <a:r>
-                        <a:rPr lang="en-US" sz="1400">
-                          <a:solidFill>
-                            <a:srgbClr val="183691"/>
-                          </a:solidFill>
-                          <a:effectLst/>
-                          <a:latin typeface="SFMono-Regular" charset="0"/>
-                        </a:rPr>
-                        <a:t>"editor.formatOnSave"</a:t>
-                      </a:r>
-                      <a:r>
-                        <a:rPr lang="en-US" sz="1400">
-                          <a:solidFill>
-                            <a:srgbClr val="24292E"/>
-                          </a:solidFill>
-                          <a:effectLst/>
-                          <a:latin typeface="SFMono-Regular" charset="0"/>
-                        </a:rPr>
-                        <a:t>: </a:t>
-                      </a:r>
-                      <a:r>
-                        <a:rPr lang="en-US" sz="1400">
-                          <a:solidFill>
-                            <a:srgbClr val="0086B3"/>
-                          </a:solidFill>
-                          <a:effectLst/>
-                          <a:latin typeface="SFMono-Regular" charset="0"/>
-                        </a:rPr>
-                        <a:t>true</a:t>
-                      </a:r>
-                      <a:r>
-                        <a:rPr lang="en-US" sz="1400">
-                          <a:solidFill>
-                            <a:srgbClr val="24292E"/>
-                          </a:solidFill>
-                          <a:effectLst/>
-                          <a:latin typeface="SFMono-Regular" charset="0"/>
-                        </a:rPr>
-                        <a:t>,</a:t>
-                      </a:r>
-                    </a:p>
-                  </a:txBody>
-                  <a:tcPr marL="59464" marR="59464" marT="21407" marB="21407">
-                    <a:lnL>
-                      <a:noFill/>
-                    </a:lnL>
-                    <a:lnR>
-                      <a:noFill/>
-                    </a:lnR>
-                    <a:lnT>
-                      <a:noFill/>
-                    </a:lnT>
-                    <a:lnB>
-                      <a:noFill/>
-                    </a:lnB>
-                    <a:solidFill>
-                      <a:srgbClr val="FFFFFF"/>
-                    </a:solidFill>
-                  </a:tcPr>
-                </a:tc>
-              </a:tr>
-              <a:tr h="309568">
-                <a:tc>
-                  <a:txBody>
-                    <a:bodyPr/>
-                    <a:lstStyle/>
-                    <a:p>
-                      <a:pPr algn="r" fontAlgn="t"/>
-                      <a:endParaRPr lang="zh-CN" altLang="en-US" sz="1400">
-                        <a:effectLst/>
-                        <a:latin typeface="SFMono-Regular" charset="0"/>
-                      </a:endParaRPr>
-                    </a:p>
-                  </a:txBody>
-                  <a:tcPr marL="59464" marR="59464" marT="21407" marB="21407">
-                    <a:lnL>
-                      <a:noFill/>
-                    </a:lnL>
-                    <a:lnR>
-                      <a:noFill/>
-                    </a:lnR>
-                    <a:lnT>
-                      <a:noFill/>
-                    </a:lnT>
-                    <a:lnB>
-                      <a:noFill/>
-                    </a:lnB>
-                    <a:solidFill>
-                      <a:srgbClr val="FFFFFF"/>
-                    </a:solidFill>
-                  </a:tcPr>
-                </a:tc>
-                <a:tc>
-                  <a:txBody>
-                    <a:bodyPr/>
-                    <a:lstStyle/>
-                    <a:p>
-                      <a:pPr fontAlgn="t"/>
-                      <a:r>
-                        <a:rPr lang="en-US" sz="1400">
-                          <a:solidFill>
-                            <a:srgbClr val="183691"/>
-                          </a:solidFill>
-                          <a:effectLst/>
-                          <a:latin typeface="SFMono-Regular" charset="0"/>
-                        </a:rPr>
-                        <a:t>"editor.formatOnPaste"</a:t>
-                      </a:r>
-                      <a:r>
-                        <a:rPr lang="en-US" sz="1400">
-                          <a:solidFill>
-                            <a:srgbClr val="24292E"/>
-                          </a:solidFill>
-                          <a:effectLst/>
-                          <a:latin typeface="SFMono-Regular" charset="0"/>
-                        </a:rPr>
-                        <a:t>: </a:t>
-                      </a:r>
-                      <a:r>
-                        <a:rPr lang="en-US" sz="1400">
-                          <a:solidFill>
-                            <a:srgbClr val="0086B3"/>
-                          </a:solidFill>
-                          <a:effectLst/>
-                          <a:latin typeface="SFMono-Regular" charset="0"/>
-                        </a:rPr>
-                        <a:t>true</a:t>
-                      </a:r>
-                      <a:r>
-                        <a:rPr lang="en-US" sz="1400">
-                          <a:solidFill>
-                            <a:srgbClr val="24292E"/>
-                          </a:solidFill>
-                          <a:effectLst/>
-                          <a:latin typeface="SFMono-Regular" charset="0"/>
-                        </a:rPr>
-                        <a:t>,</a:t>
-                      </a:r>
-                    </a:p>
-                  </a:txBody>
-                  <a:tcPr marL="59464" marR="59464" marT="21407" marB="21407">
-                    <a:lnL>
-                      <a:noFill/>
-                    </a:lnL>
-                    <a:lnR>
-                      <a:noFill/>
-                    </a:lnR>
-                    <a:lnT>
-                      <a:noFill/>
-                    </a:lnT>
-                    <a:lnB>
-                      <a:noFill/>
-                    </a:lnB>
-                    <a:solidFill>
-                      <a:srgbClr val="FFFFFF"/>
-                    </a:solidFill>
-                  </a:tcPr>
-                </a:tc>
-              </a:tr>
-              <a:tr h="309568">
-                <a:tc>
-                  <a:txBody>
-                    <a:bodyPr/>
-                    <a:lstStyle/>
-                    <a:p>
-                      <a:pPr algn="r" fontAlgn="t"/>
-                      <a:endParaRPr lang="zh-CN" altLang="en-US" sz="1400">
-                        <a:effectLst/>
-                        <a:latin typeface="SFMono-Regular" charset="0"/>
-                      </a:endParaRPr>
-                    </a:p>
-                  </a:txBody>
-                  <a:tcPr marL="59464" marR="59464" marT="21407" marB="21407">
-                    <a:lnL>
-                      <a:noFill/>
-                    </a:lnL>
-                    <a:lnR>
-                      <a:noFill/>
-                    </a:lnR>
-                    <a:lnT>
-                      <a:noFill/>
-                    </a:lnT>
-                    <a:lnB>
-                      <a:noFill/>
-                    </a:lnB>
-                    <a:solidFill>
-                      <a:srgbClr val="FFFFFF"/>
-                    </a:solidFill>
-                  </a:tcPr>
-                </a:tc>
-                <a:tc>
-                  <a:txBody>
-                    <a:bodyPr/>
-                    <a:lstStyle/>
-                    <a:p>
-                      <a:pPr fontAlgn="t"/>
-                      <a:r>
-                        <a:rPr lang="en-US" sz="1400">
-                          <a:solidFill>
-                            <a:srgbClr val="183691"/>
-                          </a:solidFill>
-                          <a:effectLst/>
-                          <a:latin typeface="SFMono-Regular" charset="0"/>
-                        </a:rPr>
-                        <a:t>"editor.formatOnType"</a:t>
-                      </a:r>
-                      <a:r>
-                        <a:rPr lang="en-US" sz="1400">
-                          <a:solidFill>
-                            <a:srgbClr val="24292E"/>
-                          </a:solidFill>
-                          <a:effectLst/>
-                          <a:latin typeface="SFMono-Regular" charset="0"/>
-                        </a:rPr>
-                        <a:t>: </a:t>
-                      </a:r>
-                      <a:r>
-                        <a:rPr lang="en-US" sz="1400">
-                          <a:solidFill>
-                            <a:srgbClr val="0086B3"/>
-                          </a:solidFill>
-                          <a:effectLst/>
-                          <a:latin typeface="SFMono-Regular" charset="0"/>
-                        </a:rPr>
-                        <a:t>true</a:t>
-                      </a:r>
-                      <a:r>
-                        <a:rPr lang="en-US" sz="1400">
-                          <a:solidFill>
-                            <a:srgbClr val="24292E"/>
-                          </a:solidFill>
-                          <a:effectLst/>
-                          <a:latin typeface="SFMono-Regular" charset="0"/>
-                        </a:rPr>
-                        <a:t>,</a:t>
-                      </a:r>
-                    </a:p>
-                  </a:txBody>
-                  <a:tcPr marL="59464" marR="59464" marT="21407" marB="21407">
-                    <a:lnL>
-                      <a:noFill/>
-                    </a:lnL>
-                    <a:lnR>
-                      <a:noFill/>
-                    </a:lnR>
-                    <a:lnT>
-                      <a:noFill/>
-                    </a:lnT>
-                    <a:lnB>
-                      <a:noFill/>
-                    </a:lnB>
-                    <a:solidFill>
-                      <a:srgbClr val="FFFFFF"/>
-                    </a:solidFill>
-                  </a:tcPr>
-                </a:tc>
-              </a:tr>
-              <a:tr h="309568">
-                <a:tc>
-                  <a:txBody>
-                    <a:bodyPr/>
-                    <a:lstStyle/>
-                    <a:p>
-                      <a:pPr algn="r" fontAlgn="t"/>
-                      <a:endParaRPr lang="zh-CN" altLang="en-US" sz="1400">
-                        <a:effectLst/>
-                        <a:latin typeface="SFMono-Regular" charset="0"/>
-                      </a:endParaRPr>
-                    </a:p>
-                  </a:txBody>
-                  <a:tcPr marL="59464" marR="59464" marT="21407" marB="21407">
-                    <a:lnL>
-                      <a:noFill/>
-                    </a:lnL>
-                    <a:lnR>
-                      <a:noFill/>
-                    </a:lnR>
-                    <a:lnT>
-                      <a:noFill/>
-                    </a:lnT>
-                    <a:lnB>
-                      <a:noFill/>
-                    </a:lnB>
-                    <a:solidFill>
-                      <a:srgbClr val="FFFFFF"/>
-                    </a:solidFill>
-                  </a:tcPr>
-                </a:tc>
-                <a:tc>
-                  <a:txBody>
-                    <a:bodyPr/>
-                    <a:lstStyle/>
-                    <a:p>
-                      <a:pPr fontAlgn="t"/>
-                      <a:r>
-                        <a:rPr lang="en-US" sz="1400">
-                          <a:solidFill>
-                            <a:srgbClr val="183691"/>
-                          </a:solidFill>
-                          <a:effectLst/>
-                          <a:latin typeface="SFMono-Regular" charset="0"/>
-                        </a:rPr>
-                        <a:t>"vsicons.dontShowNewVersionMessage"</a:t>
-                      </a:r>
-                      <a:r>
-                        <a:rPr lang="en-US" sz="1400">
-                          <a:solidFill>
-                            <a:srgbClr val="24292E"/>
-                          </a:solidFill>
-                          <a:effectLst/>
-                          <a:latin typeface="SFMono-Regular" charset="0"/>
-                        </a:rPr>
-                        <a:t>: </a:t>
-                      </a:r>
-                      <a:r>
-                        <a:rPr lang="en-US" sz="1400">
-                          <a:solidFill>
-                            <a:srgbClr val="0086B3"/>
-                          </a:solidFill>
-                          <a:effectLst/>
-                          <a:latin typeface="SFMono-Regular" charset="0"/>
-                        </a:rPr>
-                        <a:t>true</a:t>
-                      </a:r>
-                      <a:r>
-                        <a:rPr lang="en-US" sz="1400">
-                          <a:solidFill>
-                            <a:srgbClr val="24292E"/>
-                          </a:solidFill>
-                          <a:effectLst/>
-                          <a:latin typeface="SFMono-Regular" charset="0"/>
-                        </a:rPr>
-                        <a:t>,</a:t>
-                      </a:r>
-                    </a:p>
-                  </a:txBody>
-                  <a:tcPr marL="59464" marR="59464" marT="21407" marB="21407">
-                    <a:lnL>
-                      <a:noFill/>
-                    </a:lnL>
-                    <a:lnR>
-                      <a:noFill/>
-                    </a:lnR>
-                    <a:lnT>
-                      <a:noFill/>
-                    </a:lnT>
-                    <a:lnB>
-                      <a:noFill/>
-                    </a:lnB>
-                    <a:solidFill>
-                      <a:srgbClr val="FFFFFF"/>
-                    </a:solidFill>
-                  </a:tcPr>
-                </a:tc>
-              </a:tr>
-              <a:tr h="309568">
-                <a:tc>
-                  <a:txBody>
-                    <a:bodyPr/>
-                    <a:lstStyle/>
-                    <a:p>
-                      <a:pPr algn="r" fontAlgn="t"/>
-                      <a:endParaRPr lang="zh-CN" altLang="en-US" sz="1400">
-                        <a:effectLst/>
-                        <a:latin typeface="SFMono-Regular" charset="0"/>
-                      </a:endParaRPr>
-                    </a:p>
-                  </a:txBody>
-                  <a:tcPr marL="59464" marR="59464" marT="21407" marB="21407">
-                    <a:lnL>
-                      <a:noFill/>
-                    </a:lnL>
-                    <a:lnR>
-                      <a:noFill/>
-                    </a:lnR>
-                    <a:lnT>
-                      <a:noFill/>
-                    </a:lnT>
-                    <a:lnB>
-                      <a:noFill/>
-                    </a:lnB>
-                    <a:solidFill>
-                      <a:srgbClr val="FFFFFF"/>
-                    </a:solidFill>
-                  </a:tcPr>
-                </a:tc>
-                <a:tc>
-                  <a:txBody>
-                    <a:bodyPr/>
-                    <a:lstStyle/>
-                    <a:p>
-                      <a:pPr fontAlgn="t"/>
-                      <a:r>
-                        <a:rPr lang="en-US" sz="1400">
-                          <a:solidFill>
-                            <a:srgbClr val="183691"/>
-                          </a:solidFill>
-                          <a:effectLst/>
-                          <a:latin typeface="SFMono-Regular" charset="0"/>
-                        </a:rPr>
-                        <a:t>"vsicons.projectDetection.autoReload"</a:t>
-                      </a:r>
-                      <a:r>
-                        <a:rPr lang="en-US" sz="1400">
-                          <a:solidFill>
-                            <a:srgbClr val="24292E"/>
-                          </a:solidFill>
-                          <a:effectLst/>
-                          <a:latin typeface="SFMono-Regular" charset="0"/>
-                        </a:rPr>
-                        <a:t>: </a:t>
-                      </a:r>
-                      <a:r>
-                        <a:rPr lang="en-US" sz="1400">
-                          <a:solidFill>
-                            <a:srgbClr val="0086B3"/>
-                          </a:solidFill>
-                          <a:effectLst/>
-                          <a:latin typeface="SFMono-Regular" charset="0"/>
-                        </a:rPr>
-                        <a:t>true</a:t>
-                      </a:r>
-                      <a:r>
-                        <a:rPr lang="en-US" sz="1400">
-                          <a:solidFill>
-                            <a:srgbClr val="24292E"/>
-                          </a:solidFill>
-                          <a:effectLst/>
-                          <a:latin typeface="SFMono-Regular" charset="0"/>
-                        </a:rPr>
-                        <a:t>,</a:t>
-                      </a:r>
-                    </a:p>
-                  </a:txBody>
-                  <a:tcPr marL="59464" marR="59464" marT="21407" marB="21407">
-                    <a:lnL>
-                      <a:noFill/>
-                    </a:lnL>
-                    <a:lnR>
-                      <a:noFill/>
-                    </a:lnR>
-                    <a:lnT>
-                      <a:noFill/>
-                    </a:lnT>
-                    <a:lnB>
-                      <a:noFill/>
-                    </a:lnB>
-                    <a:solidFill>
-                      <a:srgbClr val="FFFFFF"/>
-                    </a:solidFill>
-                  </a:tcPr>
-                </a:tc>
-              </a:tr>
-              <a:tr h="309568">
-                <a:tc>
-                  <a:txBody>
-                    <a:bodyPr/>
-                    <a:lstStyle/>
-                    <a:p>
-                      <a:pPr algn="r" fontAlgn="t"/>
-                      <a:endParaRPr lang="zh-CN" altLang="en-US" sz="1400">
-                        <a:effectLst/>
-                        <a:latin typeface="SFMono-Regular" charset="0"/>
-                      </a:endParaRPr>
-                    </a:p>
-                  </a:txBody>
-                  <a:tcPr marL="59464" marR="59464" marT="21407" marB="21407">
-                    <a:lnL>
-                      <a:noFill/>
-                    </a:lnL>
-                    <a:lnR>
-                      <a:noFill/>
-                    </a:lnR>
-                    <a:lnT>
-                      <a:noFill/>
-                    </a:lnT>
-                    <a:lnB>
-                      <a:noFill/>
-                    </a:lnB>
-                    <a:solidFill>
-                      <a:srgbClr val="FFFFFF"/>
-                    </a:solidFill>
-                  </a:tcPr>
-                </a:tc>
-                <a:tc>
-                  <a:txBody>
-                    <a:bodyPr/>
-                    <a:lstStyle/>
-                    <a:p>
-                      <a:pPr fontAlgn="t"/>
-                      <a:r>
-                        <a:rPr lang="en-US" sz="1400">
-                          <a:solidFill>
-                            <a:srgbClr val="183691"/>
-                          </a:solidFill>
-                          <a:effectLst/>
-                          <a:latin typeface="SFMono-Regular" charset="0"/>
-                        </a:rPr>
-                        <a:t>"zenMode.hideStatusBar"</a:t>
-                      </a:r>
-                      <a:r>
-                        <a:rPr lang="en-US" sz="1400">
-                          <a:solidFill>
-                            <a:srgbClr val="24292E"/>
-                          </a:solidFill>
-                          <a:effectLst/>
-                          <a:latin typeface="SFMono-Regular" charset="0"/>
-                        </a:rPr>
-                        <a:t>: </a:t>
-                      </a:r>
-                      <a:r>
-                        <a:rPr lang="en-US" sz="1400">
-                          <a:solidFill>
-                            <a:srgbClr val="0086B3"/>
-                          </a:solidFill>
-                          <a:effectLst/>
-                          <a:latin typeface="SFMono-Regular" charset="0"/>
-                        </a:rPr>
-                        <a:t>false</a:t>
-                      </a:r>
-                      <a:r>
-                        <a:rPr lang="en-US" sz="1400">
-                          <a:solidFill>
-                            <a:srgbClr val="24292E"/>
-                          </a:solidFill>
-                          <a:effectLst/>
-                          <a:latin typeface="SFMono-Regular" charset="0"/>
-                        </a:rPr>
-                        <a:t>,</a:t>
-                      </a:r>
-                    </a:p>
-                  </a:txBody>
-                  <a:tcPr marL="59464" marR="59464" marT="21407" marB="21407">
-                    <a:lnL>
-                      <a:noFill/>
-                    </a:lnL>
-                    <a:lnR>
-                      <a:noFill/>
-                    </a:lnR>
-                    <a:lnT>
-                      <a:noFill/>
-                    </a:lnT>
-                    <a:lnB>
-                      <a:noFill/>
-                    </a:lnB>
-                    <a:solidFill>
-                      <a:srgbClr val="FFFFFF"/>
-                    </a:solidFill>
-                  </a:tcPr>
-                </a:tc>
-              </a:tr>
-              <a:tr h="442241">
-                <a:tc>
-                  <a:txBody>
-                    <a:bodyPr/>
-                    <a:lstStyle/>
-                    <a:p>
-                      <a:pPr algn="r" fontAlgn="t"/>
-                      <a:endParaRPr lang="zh-CN" altLang="en-US" sz="1400">
-                        <a:effectLst/>
-                        <a:latin typeface="SFMono-Regular" charset="0"/>
-                      </a:endParaRPr>
-                    </a:p>
-                  </a:txBody>
-                  <a:tcPr marL="59464" marR="59464" marT="21407" marB="21407">
-                    <a:lnL>
-                      <a:noFill/>
-                    </a:lnL>
-                    <a:lnR>
-                      <a:noFill/>
-                    </a:lnR>
-                    <a:lnT>
-                      <a:noFill/>
-                    </a:lnT>
-                    <a:lnB>
-                      <a:noFill/>
-                    </a:lnB>
-                    <a:solidFill>
-                      <a:srgbClr val="FFFFFF"/>
-                    </a:solidFill>
-                  </a:tcPr>
-                </a:tc>
-                <a:tc>
-                  <a:txBody>
-                    <a:bodyPr/>
-                    <a:lstStyle/>
-                    <a:p>
-                      <a:pPr fontAlgn="t"/>
-                      <a:r>
-                        <a:rPr lang="en-US" sz="1400" dirty="0">
-                          <a:solidFill>
-                            <a:srgbClr val="183691"/>
-                          </a:solidFill>
-                          <a:effectLst/>
-                          <a:latin typeface="SFMono-Regular" charset="0"/>
-                        </a:rPr>
-                        <a:t>"</a:t>
-                      </a:r>
-                      <a:r>
-                        <a:rPr lang="en-US" sz="1400" dirty="0" err="1">
-                          <a:solidFill>
-                            <a:srgbClr val="183691"/>
-                          </a:solidFill>
-                          <a:effectLst/>
-                          <a:latin typeface="SFMono-Regular" charset="0"/>
-                        </a:rPr>
-                        <a:t>typescript.tsdk</a:t>
-                      </a:r>
-                      <a:r>
-                        <a:rPr lang="en-US" sz="1400" dirty="0">
-                          <a:solidFill>
-                            <a:srgbClr val="183691"/>
-                          </a:solidFill>
-                          <a:effectLst/>
-                          <a:latin typeface="SFMono-Regular" charset="0"/>
-                        </a:rPr>
-                        <a:t>"</a:t>
-                      </a:r>
-                      <a:r>
-                        <a:rPr lang="en-US" sz="1400" dirty="0">
-                          <a:solidFill>
-                            <a:srgbClr val="24292E"/>
-                          </a:solidFill>
-                          <a:effectLst/>
-                          <a:latin typeface="SFMono-Regular" charset="0"/>
-                        </a:rPr>
-                        <a:t>: </a:t>
-                      </a:r>
-                      <a:r>
-                        <a:rPr lang="en-US" sz="1400" dirty="0">
-                          <a:solidFill>
-                            <a:srgbClr val="183691"/>
-                          </a:solidFill>
-                          <a:effectLst/>
-                          <a:latin typeface="SFMono-Regular" charset="0"/>
-                        </a:rPr>
-                        <a:t>"./</a:t>
-                      </a:r>
-                      <a:r>
-                        <a:rPr lang="en-US" sz="1400" dirty="0" err="1">
-                          <a:solidFill>
-                            <a:srgbClr val="183691"/>
-                          </a:solidFill>
-                          <a:effectLst/>
-                          <a:latin typeface="SFMono-Regular" charset="0"/>
-                        </a:rPr>
-                        <a:t>node_modules</a:t>
-                      </a:r>
-                      <a:r>
-                        <a:rPr lang="en-US" sz="1400" dirty="0">
-                          <a:solidFill>
-                            <a:srgbClr val="183691"/>
-                          </a:solidFill>
-                          <a:effectLst/>
-                          <a:latin typeface="SFMono-Regular" charset="0"/>
-                        </a:rPr>
-                        <a:t>/typescript/lib"</a:t>
-                      </a:r>
-                      <a:endParaRPr lang="en-US" sz="1400" dirty="0">
-                        <a:solidFill>
-                          <a:srgbClr val="24292E"/>
-                        </a:solidFill>
-                        <a:effectLst/>
-                        <a:latin typeface="SFMono-Regular" charset="0"/>
-                      </a:endParaRPr>
-                    </a:p>
-                  </a:txBody>
-                  <a:tcPr marL="59464" marR="59464" marT="21407" marB="21407">
-                    <a:lnL>
-                      <a:noFill/>
-                    </a:lnL>
-                    <a:lnR>
-                      <a:noFill/>
-                    </a:lnR>
-                    <a:lnT>
-                      <a:noFill/>
-                    </a:lnT>
-                    <a:lnB>
-                      <a:noFill/>
-                    </a:lnB>
-                    <a:solidFill>
-                      <a:srgbClr val="FFFFFF"/>
-                    </a:solidFill>
-                  </a:tcPr>
-                </a:tc>
-              </a:tr>
-              <a:tr h="264612">
-                <a:tc>
-                  <a:txBody>
-                    <a:bodyPr/>
-                    <a:lstStyle/>
-                    <a:p>
-                      <a:pPr algn="r" fontAlgn="t"/>
-                      <a:endParaRPr lang="zh-CN" altLang="en-US" sz="1400">
-                        <a:effectLst/>
-                        <a:latin typeface="SFMono-Regular" charset="0"/>
-                      </a:endParaRPr>
-                    </a:p>
-                  </a:txBody>
-                  <a:tcPr marL="59464" marR="59464" marT="21407" marB="21407">
-                    <a:lnL>
-                      <a:noFill/>
-                    </a:lnL>
-                    <a:lnR>
-                      <a:noFill/>
-                    </a:lnR>
-                    <a:lnT>
-                      <a:noFill/>
-                    </a:lnT>
-                    <a:lnB>
-                      <a:noFill/>
-                    </a:lnB>
-                    <a:solidFill>
-                      <a:srgbClr val="FFFFFF"/>
-                    </a:solidFill>
-                  </a:tcPr>
-                </a:tc>
-                <a:tc>
-                  <a:txBody>
-                    <a:bodyPr/>
-                    <a:lstStyle/>
-                    <a:p>
-                      <a:pPr fontAlgn="t"/>
-                      <a:r>
-                        <a:rPr lang="en-US" altLang="zh-CN" sz="1400" dirty="0">
-                          <a:solidFill>
-                            <a:srgbClr val="24292E"/>
-                          </a:solidFill>
-                          <a:effectLst/>
-                          <a:latin typeface="SFMono-Regular" charset="0"/>
-                        </a:rPr>
-                        <a:t>}</a:t>
-                      </a:r>
-                    </a:p>
-                  </a:txBody>
-                  <a:tcPr marL="59464" marR="59464" marT="21407" marB="21407">
-                    <a:lnL>
-                      <a:noFill/>
-                    </a:lnL>
-                    <a:lnR>
-                      <a:noFill/>
-                    </a:lnR>
-                    <a:lnT>
-                      <a:noFill/>
-                    </a:lnT>
-                    <a:lnB>
-                      <a:noFill/>
-                    </a:lnB>
-                    <a:solidFill>
-                      <a:srgbClr val="FFFFFF"/>
-                    </a:solidFill>
-                  </a:tcPr>
-                </a:tc>
-              </a:tr>
-            </a:tbl>
-          </a:graphicData>
-        </a:graphic>
-      </p:graphicFrame>
+              <a:t>的</a:t>
+            </a:r>
+            <a:r>
+              <a:rPr kumimoji="1" lang="en-US" altLang="zh-CN" dirty="0" smtClean="0"/>
+              <a:t>es6</a:t>
+            </a:r>
+            <a:r>
+              <a:rPr kumimoji="1" lang="zh-CN" altLang="en-US" dirty="0" smtClean="0"/>
+              <a:t>编码规范 </a:t>
+            </a:r>
+          </a:p>
+          <a:p>
+            <a:pPr lvl="1"/>
+            <a:r>
+              <a:rPr kumimoji="1" lang="en-US" altLang="zh-CN" dirty="0">
+                <a:hlinkClick r:id="rId2"/>
+              </a:rPr>
+              <a:t>http://</a:t>
+            </a:r>
+            <a:r>
+              <a:rPr kumimoji="1" lang="en-US" altLang="zh-CN" dirty="0" smtClean="0">
+                <a:hlinkClick r:id="rId2"/>
+              </a:rPr>
+              <a:t>www.kancloud.cn/kancloud/javascript-style-guide/43119</a:t>
+            </a:r>
+            <a:endParaRPr kumimoji="1" lang="zh-CN" altLang="en-US" dirty="0" smtClean="0"/>
+          </a:p>
+          <a:p>
+            <a:r>
+              <a:rPr kumimoji="1" lang="en-US" altLang="zh-CN" dirty="0" smtClean="0"/>
+              <a:t>Plume2</a:t>
+            </a:r>
+            <a:r>
+              <a:rPr kumimoji="1" lang="zh-CN" altLang="en-US" smtClean="0"/>
+              <a:t>的编码规范</a:t>
+            </a:r>
+          </a:p>
+          <a:p>
+            <a:endParaRPr kumimoji="1" lang="zh-CN" altLang="en-US" smtClean="0"/>
+          </a:p>
+        </p:txBody>
+      </p:sp>
       <p:sp>
         <p:nvSpPr>
           <p:cNvPr id="7" name="Rectangle 1"/>
@@ -13178,1076 +11598,6 @@
               </a:solidFill>
               <a:effectLst/>
               <a:latin typeface="Arial" charset="0"/>
-            </a:endParaRPr>
-          </a:p>
-        </p:txBody>
-      </p:sp>
-      <p:sp>
-        <p:nvSpPr>
-          <p:cNvPr id="8" name="矩形 7"/>
-          <p:cNvSpPr/>
-          <p:nvPr/>
-        </p:nvSpPr>
-        <p:spPr>
-          <a:xfrm>
-            <a:off x="2673667" y="1458100"/>
-            <a:ext cx="5805830" cy="5078313"/>
-          </a:xfrm>
-          <a:prstGeom prst="rect">
-            <a:avLst/>
-          </a:prstGeom>
-        </p:spPr>
-        <p:txBody>
-          <a:bodyPr wrap="square">
-            <a:spAutoFit/>
-          </a:bodyPr>
-          <a:lstStyle/>
-          <a:p>
-            <a:r>
-              <a:rPr lang="zh-CN" altLang="en-US" dirty="0" smtClean="0">
-                <a:solidFill>
-                  <a:srgbClr val="D4D4D4"/>
-                </a:solidFill>
-                <a:latin typeface="Menlo" charset="0"/>
-              </a:rPr>
-              <a:t>	</a:t>
-            </a:r>
-            <a:r>
-              <a:rPr lang="pl-PL" altLang="zh-CN" dirty="0" smtClean="0">
-                <a:solidFill>
-                  <a:srgbClr val="D4D4D4"/>
-                </a:solidFill>
-                <a:latin typeface="Menlo" charset="0"/>
-              </a:rPr>
-              <a:t>{</a:t>
-            </a:r>
-            <a:r>
-              <a:rPr lang="pl-PL" altLang="zh-CN" dirty="0" smtClean="0">
-                <a:solidFill>
-                  <a:srgbClr val="9CDCFE"/>
-                </a:solidFill>
-                <a:latin typeface="Menlo" charset="0"/>
-              </a:rPr>
-              <a:t>"</a:t>
-            </a:r>
-            <a:r>
-              <a:rPr lang="pl-PL" altLang="zh-CN" dirty="0" err="1">
-                <a:solidFill>
-                  <a:srgbClr val="9CDCFE"/>
-                </a:solidFill>
-                <a:latin typeface="Menlo" charset="0"/>
-              </a:rPr>
-              <a:t>compilerOptions</a:t>
-            </a:r>
-            <a:r>
-              <a:rPr lang="pl-PL" altLang="zh-CN" dirty="0">
-                <a:solidFill>
-                  <a:srgbClr val="9CDCFE"/>
-                </a:solidFill>
-                <a:latin typeface="Menlo" charset="0"/>
-              </a:rPr>
-              <a:t>"</a:t>
-            </a:r>
-            <a:r>
-              <a:rPr lang="pl-PL" altLang="zh-CN" dirty="0">
-                <a:solidFill>
-                  <a:srgbClr val="D4D4D4"/>
-                </a:solidFill>
-                <a:latin typeface="Menlo" charset="0"/>
-              </a:rPr>
-              <a:t>: {</a:t>
-            </a:r>
-          </a:p>
-          <a:p>
-            <a:r>
-              <a:rPr lang="pl-PL" altLang="zh-CN" dirty="0">
-                <a:solidFill>
-                  <a:srgbClr val="D4D4D4"/>
-                </a:solidFill>
-                <a:latin typeface="Menlo" charset="0"/>
-              </a:rPr>
-              <a:t>        </a:t>
-            </a:r>
-            <a:r>
-              <a:rPr lang="pl-PL" altLang="zh-CN" dirty="0">
-                <a:solidFill>
-                  <a:srgbClr val="9CDCFE"/>
-                </a:solidFill>
-                <a:latin typeface="Menlo" charset="0"/>
-              </a:rPr>
-              <a:t>"module"</a:t>
-            </a:r>
-            <a:r>
-              <a:rPr lang="pl-PL" altLang="zh-CN" dirty="0">
-                <a:solidFill>
-                  <a:srgbClr val="D4D4D4"/>
-                </a:solidFill>
-                <a:latin typeface="Menlo" charset="0"/>
-              </a:rPr>
-              <a:t>: </a:t>
-            </a:r>
-            <a:r>
-              <a:rPr lang="pl-PL" altLang="zh-CN" dirty="0">
-                <a:solidFill>
-                  <a:srgbClr val="CE9178"/>
-                </a:solidFill>
-                <a:latin typeface="Menlo" charset="0"/>
-              </a:rPr>
-              <a:t>"</a:t>
-            </a:r>
-            <a:r>
-              <a:rPr lang="pl-PL" altLang="zh-CN" dirty="0" err="1">
-                <a:solidFill>
-                  <a:srgbClr val="CE9178"/>
-                </a:solidFill>
-                <a:latin typeface="Menlo" charset="0"/>
-              </a:rPr>
-              <a:t>commonjs</a:t>
-            </a:r>
-            <a:r>
-              <a:rPr lang="pl-PL" altLang="zh-CN" dirty="0">
-                <a:solidFill>
-                  <a:srgbClr val="CE9178"/>
-                </a:solidFill>
-                <a:latin typeface="Menlo" charset="0"/>
-              </a:rPr>
-              <a:t>"</a:t>
-            </a:r>
-            <a:r>
-              <a:rPr lang="pl-PL" altLang="zh-CN" dirty="0">
-                <a:solidFill>
-                  <a:srgbClr val="D4D4D4"/>
-                </a:solidFill>
-                <a:latin typeface="Menlo" charset="0"/>
-              </a:rPr>
-              <a:t>,</a:t>
-            </a:r>
-          </a:p>
-          <a:p>
-            <a:r>
-              <a:rPr lang="pl-PL" altLang="zh-CN" dirty="0">
-                <a:solidFill>
-                  <a:srgbClr val="D4D4D4"/>
-                </a:solidFill>
-                <a:latin typeface="Menlo" charset="0"/>
-              </a:rPr>
-              <a:t>        </a:t>
-            </a:r>
-            <a:r>
-              <a:rPr lang="pl-PL" altLang="zh-CN" dirty="0">
-                <a:solidFill>
-                  <a:srgbClr val="9CDCFE"/>
-                </a:solidFill>
-                <a:latin typeface="Menlo" charset="0"/>
-              </a:rPr>
-              <a:t>"target"</a:t>
-            </a:r>
-            <a:r>
-              <a:rPr lang="pl-PL" altLang="zh-CN" dirty="0">
-                <a:solidFill>
-                  <a:srgbClr val="D4D4D4"/>
-                </a:solidFill>
-                <a:latin typeface="Menlo" charset="0"/>
-              </a:rPr>
-              <a:t>: </a:t>
-            </a:r>
-            <a:r>
-              <a:rPr lang="pl-PL" altLang="zh-CN" dirty="0">
-                <a:solidFill>
-                  <a:srgbClr val="CE9178"/>
-                </a:solidFill>
-                <a:latin typeface="Menlo" charset="0"/>
-              </a:rPr>
-              <a:t>"es6"</a:t>
-            </a:r>
-            <a:r>
-              <a:rPr lang="pl-PL" altLang="zh-CN" dirty="0">
-                <a:solidFill>
-                  <a:srgbClr val="D4D4D4"/>
-                </a:solidFill>
-                <a:latin typeface="Menlo" charset="0"/>
-              </a:rPr>
-              <a:t>,</a:t>
-            </a:r>
-          </a:p>
-          <a:p>
-            <a:r>
-              <a:rPr lang="pl-PL" altLang="zh-CN" dirty="0">
-                <a:solidFill>
-                  <a:srgbClr val="D4D4D4"/>
-                </a:solidFill>
-                <a:latin typeface="Menlo" charset="0"/>
-              </a:rPr>
-              <a:t>        </a:t>
-            </a:r>
-            <a:r>
-              <a:rPr lang="pl-PL" altLang="zh-CN" dirty="0">
-                <a:solidFill>
-                  <a:srgbClr val="9CDCFE"/>
-                </a:solidFill>
-                <a:latin typeface="Menlo" charset="0"/>
-              </a:rPr>
-              <a:t>"</a:t>
-            </a:r>
-            <a:r>
-              <a:rPr lang="pl-PL" altLang="zh-CN" dirty="0" err="1">
-                <a:solidFill>
-                  <a:srgbClr val="9CDCFE"/>
-                </a:solidFill>
-                <a:latin typeface="Menlo" charset="0"/>
-              </a:rPr>
-              <a:t>noImplicitAny</a:t>
-            </a:r>
-            <a:r>
-              <a:rPr lang="pl-PL" altLang="zh-CN" dirty="0">
-                <a:solidFill>
-                  <a:srgbClr val="9CDCFE"/>
-                </a:solidFill>
-                <a:latin typeface="Menlo" charset="0"/>
-              </a:rPr>
-              <a:t>"</a:t>
-            </a:r>
-            <a:r>
-              <a:rPr lang="pl-PL" altLang="zh-CN" dirty="0">
-                <a:solidFill>
-                  <a:srgbClr val="D4D4D4"/>
-                </a:solidFill>
-                <a:latin typeface="Menlo" charset="0"/>
-              </a:rPr>
-              <a:t>: </a:t>
-            </a:r>
-            <a:r>
-              <a:rPr lang="pl-PL" altLang="zh-CN" dirty="0" err="1">
-                <a:solidFill>
-                  <a:srgbClr val="569CD6"/>
-                </a:solidFill>
-                <a:latin typeface="Menlo" charset="0"/>
-              </a:rPr>
-              <a:t>false</a:t>
-            </a:r>
-            <a:r>
-              <a:rPr lang="pl-PL" altLang="zh-CN" dirty="0">
-                <a:solidFill>
-                  <a:srgbClr val="D4D4D4"/>
-                </a:solidFill>
-                <a:latin typeface="Menlo" charset="0"/>
-              </a:rPr>
-              <a:t>,</a:t>
-            </a:r>
-          </a:p>
-          <a:p>
-            <a:r>
-              <a:rPr lang="pl-PL" altLang="zh-CN" dirty="0">
-                <a:solidFill>
-                  <a:srgbClr val="D4D4D4"/>
-                </a:solidFill>
-                <a:latin typeface="Menlo" charset="0"/>
-              </a:rPr>
-              <a:t>        </a:t>
-            </a:r>
-            <a:r>
-              <a:rPr lang="pl-PL" altLang="zh-CN" dirty="0">
-                <a:solidFill>
-                  <a:srgbClr val="9CDCFE"/>
-                </a:solidFill>
-                <a:latin typeface="Menlo" charset="0"/>
-              </a:rPr>
-              <a:t>"</a:t>
-            </a:r>
-            <a:r>
-              <a:rPr lang="pl-PL" altLang="zh-CN" dirty="0" err="1">
-                <a:solidFill>
-                  <a:srgbClr val="9CDCFE"/>
-                </a:solidFill>
-                <a:latin typeface="Menlo" charset="0"/>
-              </a:rPr>
-              <a:t>sourceMap</a:t>
-            </a:r>
-            <a:r>
-              <a:rPr lang="pl-PL" altLang="zh-CN" dirty="0">
-                <a:solidFill>
-                  <a:srgbClr val="9CDCFE"/>
-                </a:solidFill>
-                <a:latin typeface="Menlo" charset="0"/>
-              </a:rPr>
-              <a:t>"</a:t>
-            </a:r>
-            <a:r>
-              <a:rPr lang="pl-PL" altLang="zh-CN" dirty="0">
-                <a:solidFill>
-                  <a:srgbClr val="D4D4D4"/>
-                </a:solidFill>
-                <a:latin typeface="Menlo" charset="0"/>
-              </a:rPr>
-              <a:t>: </a:t>
-            </a:r>
-            <a:r>
-              <a:rPr lang="pl-PL" altLang="zh-CN" dirty="0" err="1">
-                <a:solidFill>
-                  <a:srgbClr val="569CD6"/>
-                </a:solidFill>
-                <a:latin typeface="Menlo" charset="0"/>
-              </a:rPr>
-              <a:t>false</a:t>
-            </a:r>
-            <a:r>
-              <a:rPr lang="pl-PL" altLang="zh-CN" dirty="0">
-                <a:solidFill>
-                  <a:srgbClr val="D4D4D4"/>
-                </a:solidFill>
-                <a:latin typeface="Menlo" charset="0"/>
-              </a:rPr>
-              <a:t>,</a:t>
-            </a:r>
-          </a:p>
-          <a:p>
-            <a:r>
-              <a:rPr lang="pl-PL" altLang="zh-CN" dirty="0">
-                <a:solidFill>
-                  <a:srgbClr val="D4D4D4"/>
-                </a:solidFill>
-                <a:latin typeface="Menlo" charset="0"/>
-              </a:rPr>
-              <a:t>        </a:t>
-            </a:r>
-            <a:r>
-              <a:rPr lang="pl-PL" altLang="zh-CN" dirty="0">
-                <a:solidFill>
-                  <a:srgbClr val="9CDCFE"/>
-                </a:solidFill>
-                <a:latin typeface="Menlo" charset="0"/>
-              </a:rPr>
-              <a:t>"</a:t>
-            </a:r>
-            <a:r>
-              <a:rPr lang="pl-PL" altLang="zh-CN" dirty="0" err="1">
-                <a:solidFill>
-                  <a:srgbClr val="9CDCFE"/>
-                </a:solidFill>
-                <a:latin typeface="Menlo" charset="0"/>
-              </a:rPr>
-              <a:t>experimentalDecorators</a:t>
-            </a:r>
-            <a:r>
-              <a:rPr lang="pl-PL" altLang="zh-CN" dirty="0">
-                <a:solidFill>
-                  <a:srgbClr val="9CDCFE"/>
-                </a:solidFill>
-                <a:latin typeface="Menlo" charset="0"/>
-              </a:rPr>
-              <a:t>"</a:t>
-            </a:r>
-            <a:r>
-              <a:rPr lang="pl-PL" altLang="zh-CN" dirty="0">
-                <a:solidFill>
-                  <a:srgbClr val="D4D4D4"/>
-                </a:solidFill>
-                <a:latin typeface="Menlo" charset="0"/>
-              </a:rPr>
-              <a:t>: </a:t>
-            </a:r>
-            <a:r>
-              <a:rPr lang="pl-PL" altLang="zh-CN" dirty="0" err="1">
-                <a:solidFill>
-                  <a:srgbClr val="569CD6"/>
-                </a:solidFill>
-                <a:latin typeface="Menlo" charset="0"/>
-              </a:rPr>
-              <a:t>true</a:t>
-            </a:r>
-            <a:r>
-              <a:rPr lang="pl-PL" altLang="zh-CN" dirty="0">
-                <a:solidFill>
-                  <a:srgbClr val="D4D4D4"/>
-                </a:solidFill>
-                <a:latin typeface="Menlo" charset="0"/>
-              </a:rPr>
-              <a:t>,</a:t>
-            </a:r>
-          </a:p>
-          <a:p>
-            <a:r>
-              <a:rPr lang="pl-PL" altLang="zh-CN" dirty="0">
-                <a:solidFill>
-                  <a:srgbClr val="D4D4D4"/>
-                </a:solidFill>
-                <a:latin typeface="Menlo" charset="0"/>
-              </a:rPr>
-              <a:t>        </a:t>
-            </a:r>
-            <a:r>
-              <a:rPr lang="pl-PL" altLang="zh-CN" dirty="0">
-                <a:solidFill>
-                  <a:srgbClr val="9CDCFE"/>
-                </a:solidFill>
-                <a:latin typeface="Menlo" charset="0"/>
-              </a:rPr>
-              <a:t>"</a:t>
-            </a:r>
-            <a:r>
-              <a:rPr lang="pl-PL" altLang="zh-CN" dirty="0" err="1">
-                <a:solidFill>
-                  <a:srgbClr val="9CDCFE"/>
-                </a:solidFill>
-                <a:latin typeface="Menlo" charset="0"/>
-              </a:rPr>
-              <a:t>jsx</a:t>
-            </a:r>
-            <a:r>
-              <a:rPr lang="pl-PL" altLang="zh-CN" dirty="0">
-                <a:solidFill>
-                  <a:srgbClr val="9CDCFE"/>
-                </a:solidFill>
-                <a:latin typeface="Menlo" charset="0"/>
-              </a:rPr>
-              <a:t>"</a:t>
-            </a:r>
-            <a:r>
-              <a:rPr lang="pl-PL" altLang="zh-CN" dirty="0">
-                <a:solidFill>
-                  <a:srgbClr val="D4D4D4"/>
-                </a:solidFill>
-                <a:latin typeface="Menlo" charset="0"/>
-              </a:rPr>
-              <a:t>: </a:t>
-            </a:r>
-            <a:r>
-              <a:rPr lang="pl-PL" altLang="zh-CN" dirty="0">
-                <a:solidFill>
-                  <a:srgbClr val="CE9178"/>
-                </a:solidFill>
-                <a:latin typeface="Menlo" charset="0"/>
-              </a:rPr>
-              <a:t>"</a:t>
-            </a:r>
-            <a:r>
-              <a:rPr lang="pl-PL" altLang="zh-CN" dirty="0" err="1">
-                <a:solidFill>
-                  <a:srgbClr val="CE9178"/>
-                </a:solidFill>
-                <a:latin typeface="Menlo" charset="0"/>
-              </a:rPr>
-              <a:t>react</a:t>
-            </a:r>
-            <a:r>
-              <a:rPr lang="pl-PL" altLang="zh-CN" dirty="0">
-                <a:solidFill>
-                  <a:srgbClr val="CE9178"/>
-                </a:solidFill>
-                <a:latin typeface="Menlo" charset="0"/>
-              </a:rPr>
-              <a:t>"</a:t>
-            </a:r>
-            <a:r>
-              <a:rPr lang="pl-PL" altLang="zh-CN" dirty="0">
-                <a:solidFill>
-                  <a:srgbClr val="D4D4D4"/>
-                </a:solidFill>
-                <a:latin typeface="Menlo" charset="0"/>
-              </a:rPr>
-              <a:t>,</a:t>
-            </a:r>
-          </a:p>
-          <a:p>
-            <a:r>
-              <a:rPr lang="pl-PL" altLang="zh-CN" dirty="0">
-                <a:solidFill>
-                  <a:srgbClr val="D4D4D4"/>
-                </a:solidFill>
-                <a:latin typeface="Menlo" charset="0"/>
-              </a:rPr>
-              <a:t>        </a:t>
-            </a:r>
-            <a:r>
-              <a:rPr lang="pl-PL" altLang="zh-CN" dirty="0">
-                <a:solidFill>
-                  <a:srgbClr val="9CDCFE"/>
-                </a:solidFill>
-                <a:latin typeface="Menlo" charset="0"/>
-              </a:rPr>
-              <a:t>"</a:t>
-            </a:r>
-            <a:r>
-              <a:rPr lang="pl-PL" altLang="zh-CN" dirty="0" err="1">
-                <a:solidFill>
-                  <a:srgbClr val="9CDCFE"/>
-                </a:solidFill>
-                <a:latin typeface="Menlo" charset="0"/>
-              </a:rPr>
-              <a:t>baseUrl</a:t>
-            </a:r>
-            <a:r>
-              <a:rPr lang="pl-PL" altLang="zh-CN" dirty="0">
-                <a:solidFill>
-                  <a:srgbClr val="9CDCFE"/>
-                </a:solidFill>
-                <a:latin typeface="Menlo" charset="0"/>
-              </a:rPr>
-              <a:t>"</a:t>
-            </a:r>
-            <a:r>
-              <a:rPr lang="pl-PL" altLang="zh-CN" dirty="0">
-                <a:solidFill>
-                  <a:srgbClr val="D4D4D4"/>
-                </a:solidFill>
-                <a:latin typeface="Menlo" charset="0"/>
-              </a:rPr>
-              <a:t>: </a:t>
-            </a:r>
-            <a:r>
-              <a:rPr lang="pl-PL" altLang="zh-CN" dirty="0">
-                <a:solidFill>
-                  <a:srgbClr val="CE9178"/>
-                </a:solidFill>
-                <a:latin typeface="Menlo" charset="0"/>
-              </a:rPr>
-              <a:t>"."</a:t>
-            </a:r>
-            <a:r>
-              <a:rPr lang="pl-PL" altLang="zh-CN" dirty="0">
-                <a:solidFill>
-                  <a:srgbClr val="D4D4D4"/>
-                </a:solidFill>
-                <a:latin typeface="Menlo" charset="0"/>
-              </a:rPr>
-              <a:t>,</a:t>
-            </a:r>
-          </a:p>
-          <a:p>
-            <a:r>
-              <a:rPr lang="pl-PL" altLang="zh-CN" dirty="0">
-                <a:solidFill>
-                  <a:srgbClr val="D4D4D4"/>
-                </a:solidFill>
-                <a:latin typeface="Menlo" charset="0"/>
-              </a:rPr>
-              <a:t>        </a:t>
-            </a:r>
-            <a:r>
-              <a:rPr lang="pl-PL" altLang="zh-CN" dirty="0">
-                <a:solidFill>
-                  <a:srgbClr val="9CDCFE"/>
-                </a:solidFill>
-                <a:latin typeface="Menlo" charset="0"/>
-              </a:rPr>
-              <a:t>"</a:t>
-            </a:r>
-            <a:r>
-              <a:rPr lang="pl-PL" altLang="zh-CN" dirty="0" err="1">
-                <a:solidFill>
-                  <a:srgbClr val="9CDCFE"/>
-                </a:solidFill>
-                <a:latin typeface="Menlo" charset="0"/>
-              </a:rPr>
-              <a:t>rootDir</a:t>
-            </a:r>
-            <a:r>
-              <a:rPr lang="pl-PL" altLang="zh-CN" dirty="0">
-                <a:solidFill>
-                  <a:srgbClr val="9CDCFE"/>
-                </a:solidFill>
-                <a:latin typeface="Menlo" charset="0"/>
-              </a:rPr>
-              <a:t>"</a:t>
-            </a:r>
-            <a:r>
-              <a:rPr lang="pl-PL" altLang="zh-CN" dirty="0">
-                <a:solidFill>
-                  <a:srgbClr val="D4D4D4"/>
-                </a:solidFill>
-                <a:latin typeface="Menlo" charset="0"/>
-              </a:rPr>
-              <a:t>: </a:t>
-            </a:r>
-            <a:r>
-              <a:rPr lang="pl-PL" altLang="zh-CN" dirty="0">
-                <a:solidFill>
-                  <a:srgbClr val="CE9178"/>
-                </a:solidFill>
-                <a:latin typeface="Menlo" charset="0"/>
-              </a:rPr>
-              <a:t>"</a:t>
-            </a:r>
-            <a:r>
-              <a:rPr lang="pl-PL" altLang="zh-CN" dirty="0" err="1">
-                <a:solidFill>
-                  <a:srgbClr val="CE9178"/>
-                </a:solidFill>
-                <a:latin typeface="Menlo" charset="0"/>
-              </a:rPr>
-              <a:t>apps</a:t>
-            </a:r>
-            <a:r>
-              <a:rPr lang="pl-PL" altLang="zh-CN" dirty="0">
-                <a:solidFill>
-                  <a:srgbClr val="CE9178"/>
-                </a:solidFill>
-                <a:latin typeface="Menlo" charset="0"/>
-              </a:rPr>
-              <a:t>"</a:t>
-            </a:r>
-            <a:r>
-              <a:rPr lang="pl-PL" altLang="zh-CN" dirty="0">
-                <a:solidFill>
-                  <a:srgbClr val="D4D4D4"/>
-                </a:solidFill>
-                <a:latin typeface="Menlo" charset="0"/>
-              </a:rPr>
-              <a:t>,</a:t>
-            </a:r>
-          </a:p>
-          <a:p>
-            <a:r>
-              <a:rPr lang="pl-PL" altLang="zh-CN" dirty="0">
-                <a:solidFill>
-                  <a:srgbClr val="D4D4D4"/>
-                </a:solidFill>
-                <a:latin typeface="Menlo" charset="0"/>
-              </a:rPr>
-              <a:t>        </a:t>
-            </a:r>
-            <a:r>
-              <a:rPr lang="pl-PL" altLang="zh-CN" dirty="0">
-                <a:solidFill>
-                  <a:srgbClr val="9CDCFE"/>
-                </a:solidFill>
-                <a:latin typeface="Menlo" charset="0"/>
-              </a:rPr>
-              <a:t>"</a:t>
-            </a:r>
-            <a:r>
-              <a:rPr lang="pl-PL" altLang="zh-CN" dirty="0" err="1">
-                <a:solidFill>
-                  <a:srgbClr val="9CDCFE"/>
-                </a:solidFill>
-                <a:latin typeface="Menlo" charset="0"/>
-              </a:rPr>
-              <a:t>outDir</a:t>
-            </a:r>
-            <a:r>
-              <a:rPr lang="pl-PL" altLang="zh-CN" dirty="0">
-                <a:solidFill>
-                  <a:srgbClr val="9CDCFE"/>
-                </a:solidFill>
-                <a:latin typeface="Menlo" charset="0"/>
-              </a:rPr>
-              <a:t>"</a:t>
-            </a:r>
-            <a:r>
-              <a:rPr lang="pl-PL" altLang="zh-CN" dirty="0">
-                <a:solidFill>
-                  <a:srgbClr val="D4D4D4"/>
-                </a:solidFill>
-                <a:latin typeface="Menlo" charset="0"/>
-              </a:rPr>
-              <a:t>: </a:t>
-            </a:r>
-            <a:r>
-              <a:rPr lang="pl-PL" altLang="zh-CN" dirty="0">
-                <a:solidFill>
-                  <a:srgbClr val="CE9178"/>
-                </a:solidFill>
-                <a:latin typeface="Menlo" charset="0"/>
-              </a:rPr>
-              <a:t>"</a:t>
-            </a:r>
-            <a:r>
-              <a:rPr lang="pl-PL" altLang="zh-CN" dirty="0" err="1">
-                <a:solidFill>
-                  <a:srgbClr val="CE9178"/>
-                </a:solidFill>
-                <a:latin typeface="Menlo" charset="0"/>
-              </a:rPr>
-              <a:t>build</a:t>
-            </a:r>
-            <a:r>
-              <a:rPr lang="pl-PL" altLang="zh-CN" dirty="0">
-                <a:solidFill>
-                  <a:srgbClr val="CE9178"/>
-                </a:solidFill>
-                <a:latin typeface="Menlo" charset="0"/>
-              </a:rPr>
-              <a:t>"</a:t>
-            </a:r>
-            <a:r>
-              <a:rPr lang="pl-PL" altLang="zh-CN" dirty="0">
-                <a:solidFill>
-                  <a:srgbClr val="D4D4D4"/>
-                </a:solidFill>
-                <a:latin typeface="Menlo" charset="0"/>
-              </a:rPr>
-              <a:t>,</a:t>
-            </a:r>
-          </a:p>
-          <a:p>
-            <a:r>
-              <a:rPr lang="pl-PL" altLang="zh-CN" dirty="0">
-                <a:solidFill>
-                  <a:srgbClr val="D4D4D4"/>
-                </a:solidFill>
-                <a:latin typeface="Menlo" charset="0"/>
-              </a:rPr>
-              <a:t>        </a:t>
-            </a:r>
-            <a:r>
-              <a:rPr lang="pl-PL" altLang="zh-CN" dirty="0">
-                <a:solidFill>
-                  <a:srgbClr val="9CDCFE"/>
-                </a:solidFill>
-                <a:latin typeface="Menlo" charset="0"/>
-              </a:rPr>
-              <a:t>"</a:t>
-            </a:r>
-            <a:r>
-              <a:rPr lang="pl-PL" altLang="zh-CN" dirty="0" err="1">
-                <a:solidFill>
-                  <a:srgbClr val="9CDCFE"/>
-                </a:solidFill>
-                <a:latin typeface="Menlo" charset="0"/>
-              </a:rPr>
-              <a:t>importHelpers</a:t>
-            </a:r>
-            <a:r>
-              <a:rPr lang="pl-PL" altLang="zh-CN" dirty="0">
-                <a:solidFill>
-                  <a:srgbClr val="9CDCFE"/>
-                </a:solidFill>
-                <a:latin typeface="Menlo" charset="0"/>
-              </a:rPr>
-              <a:t>"</a:t>
-            </a:r>
-            <a:r>
-              <a:rPr lang="pl-PL" altLang="zh-CN" dirty="0">
-                <a:solidFill>
-                  <a:srgbClr val="D4D4D4"/>
-                </a:solidFill>
-                <a:latin typeface="Menlo" charset="0"/>
-              </a:rPr>
-              <a:t>: </a:t>
-            </a:r>
-            <a:r>
-              <a:rPr lang="pl-PL" altLang="zh-CN" dirty="0" err="1">
-                <a:solidFill>
-                  <a:srgbClr val="569CD6"/>
-                </a:solidFill>
-                <a:latin typeface="Menlo" charset="0"/>
-              </a:rPr>
-              <a:t>true</a:t>
-            </a:r>
-            <a:r>
-              <a:rPr lang="pl-PL" altLang="zh-CN" dirty="0">
-                <a:solidFill>
-                  <a:srgbClr val="D4D4D4"/>
-                </a:solidFill>
-                <a:latin typeface="Menlo" charset="0"/>
-              </a:rPr>
-              <a:t>,</a:t>
-            </a:r>
-          </a:p>
-          <a:p>
-            <a:r>
-              <a:rPr lang="pl-PL" altLang="zh-CN" dirty="0">
-                <a:solidFill>
-                  <a:srgbClr val="D4D4D4"/>
-                </a:solidFill>
-                <a:latin typeface="Menlo" charset="0"/>
-              </a:rPr>
-              <a:t>        </a:t>
-            </a:r>
-            <a:r>
-              <a:rPr lang="pl-PL" altLang="zh-CN" dirty="0">
-                <a:solidFill>
-                  <a:srgbClr val="9CDCFE"/>
-                </a:solidFill>
-                <a:latin typeface="Menlo" charset="0"/>
-              </a:rPr>
-              <a:t>"</a:t>
-            </a:r>
-            <a:r>
-              <a:rPr lang="pl-PL" altLang="zh-CN" dirty="0" err="1">
-                <a:solidFill>
-                  <a:srgbClr val="9CDCFE"/>
-                </a:solidFill>
-                <a:latin typeface="Menlo" charset="0"/>
-              </a:rPr>
-              <a:t>noUnusedLocals</a:t>
-            </a:r>
-            <a:r>
-              <a:rPr lang="pl-PL" altLang="zh-CN" dirty="0">
-                <a:solidFill>
-                  <a:srgbClr val="9CDCFE"/>
-                </a:solidFill>
-                <a:latin typeface="Menlo" charset="0"/>
-              </a:rPr>
-              <a:t>"</a:t>
-            </a:r>
-            <a:r>
-              <a:rPr lang="pl-PL" altLang="zh-CN" dirty="0">
-                <a:solidFill>
-                  <a:srgbClr val="D4D4D4"/>
-                </a:solidFill>
-                <a:latin typeface="Menlo" charset="0"/>
-              </a:rPr>
-              <a:t>: </a:t>
-            </a:r>
-            <a:r>
-              <a:rPr lang="pl-PL" altLang="zh-CN" dirty="0" err="1">
-                <a:solidFill>
-                  <a:srgbClr val="569CD6"/>
-                </a:solidFill>
-                <a:latin typeface="Menlo" charset="0"/>
-              </a:rPr>
-              <a:t>true</a:t>
-            </a:r>
-            <a:r>
-              <a:rPr lang="pl-PL" altLang="zh-CN" dirty="0">
-                <a:solidFill>
-                  <a:srgbClr val="D4D4D4"/>
-                </a:solidFill>
-                <a:latin typeface="Menlo" charset="0"/>
-              </a:rPr>
-              <a:t>,</a:t>
-            </a:r>
-          </a:p>
-          <a:p>
-            <a:r>
-              <a:rPr lang="pl-PL" altLang="zh-CN" dirty="0">
-                <a:solidFill>
-                  <a:srgbClr val="D4D4D4"/>
-                </a:solidFill>
-                <a:latin typeface="Menlo" charset="0"/>
-              </a:rPr>
-              <a:t>        </a:t>
-            </a:r>
-            <a:r>
-              <a:rPr lang="pl-PL" altLang="zh-CN" dirty="0">
-                <a:solidFill>
-                  <a:srgbClr val="9CDCFE"/>
-                </a:solidFill>
-                <a:latin typeface="Menlo" charset="0"/>
-              </a:rPr>
-              <a:t>"</a:t>
-            </a:r>
-            <a:r>
-              <a:rPr lang="pl-PL" altLang="zh-CN" dirty="0" err="1">
-                <a:solidFill>
-                  <a:srgbClr val="9CDCFE"/>
-                </a:solidFill>
-                <a:latin typeface="Menlo" charset="0"/>
-              </a:rPr>
-              <a:t>noUnusedParameters</a:t>
-            </a:r>
-            <a:r>
-              <a:rPr lang="pl-PL" altLang="zh-CN" dirty="0">
-                <a:solidFill>
-                  <a:srgbClr val="9CDCFE"/>
-                </a:solidFill>
-                <a:latin typeface="Menlo" charset="0"/>
-              </a:rPr>
-              <a:t>"</a:t>
-            </a:r>
-            <a:r>
-              <a:rPr lang="pl-PL" altLang="zh-CN" dirty="0">
-                <a:solidFill>
-                  <a:srgbClr val="D4D4D4"/>
-                </a:solidFill>
-                <a:latin typeface="Menlo" charset="0"/>
-              </a:rPr>
-              <a:t>: </a:t>
-            </a:r>
-            <a:r>
-              <a:rPr lang="pl-PL" altLang="zh-CN" dirty="0" err="1">
-                <a:solidFill>
-                  <a:srgbClr val="569CD6"/>
-                </a:solidFill>
-                <a:latin typeface="Menlo" charset="0"/>
-              </a:rPr>
-              <a:t>true</a:t>
-            </a:r>
-            <a:r>
-              <a:rPr lang="pl-PL" altLang="zh-CN" dirty="0">
-                <a:solidFill>
-                  <a:srgbClr val="D4D4D4"/>
-                </a:solidFill>
-                <a:latin typeface="Menlo" charset="0"/>
-              </a:rPr>
-              <a:t>,</a:t>
-            </a:r>
-          </a:p>
-          <a:p>
-            <a:r>
-              <a:rPr lang="pl-PL" altLang="zh-CN" dirty="0">
-                <a:solidFill>
-                  <a:srgbClr val="D4D4D4"/>
-                </a:solidFill>
-                <a:latin typeface="Menlo" charset="0"/>
-              </a:rPr>
-              <a:t>        </a:t>
-            </a:r>
-            <a:r>
-              <a:rPr lang="pl-PL" altLang="zh-CN" dirty="0">
-                <a:solidFill>
-                  <a:srgbClr val="9CDCFE"/>
-                </a:solidFill>
-                <a:latin typeface="Menlo" charset="0"/>
-              </a:rPr>
-              <a:t>"</a:t>
-            </a:r>
-            <a:r>
-              <a:rPr lang="pl-PL" altLang="zh-CN" dirty="0" err="1">
-                <a:solidFill>
-                  <a:srgbClr val="9CDCFE"/>
-                </a:solidFill>
-                <a:latin typeface="Menlo" charset="0"/>
-              </a:rPr>
-              <a:t>paths</a:t>
-            </a:r>
-            <a:r>
-              <a:rPr lang="pl-PL" altLang="zh-CN" dirty="0">
-                <a:solidFill>
-                  <a:srgbClr val="9CDCFE"/>
-                </a:solidFill>
-                <a:latin typeface="Menlo" charset="0"/>
-              </a:rPr>
-              <a:t>"</a:t>
-            </a:r>
-            <a:r>
-              <a:rPr lang="pl-PL" altLang="zh-CN" dirty="0">
-                <a:solidFill>
-                  <a:srgbClr val="D4D4D4"/>
-                </a:solidFill>
-                <a:latin typeface="Menlo" charset="0"/>
-              </a:rPr>
-              <a:t>: {</a:t>
-            </a:r>
-          </a:p>
-          <a:p>
-            <a:r>
-              <a:rPr lang="pl-PL" altLang="zh-CN" dirty="0">
-                <a:solidFill>
-                  <a:srgbClr val="D4D4D4"/>
-                </a:solidFill>
-                <a:latin typeface="Menlo" charset="0"/>
-              </a:rPr>
-              <a:t>            </a:t>
-            </a:r>
-            <a:r>
-              <a:rPr lang="pl-PL" altLang="zh-CN" dirty="0">
-                <a:solidFill>
-                  <a:srgbClr val="9CDCFE"/>
-                </a:solidFill>
-                <a:latin typeface="Menlo" charset="0"/>
-              </a:rPr>
-              <a:t>"*"</a:t>
-            </a:r>
-            <a:r>
-              <a:rPr lang="pl-PL" altLang="zh-CN" dirty="0">
-                <a:solidFill>
-                  <a:srgbClr val="D4D4D4"/>
-                </a:solidFill>
-                <a:latin typeface="Menlo" charset="0"/>
-              </a:rPr>
-              <a:t>: [</a:t>
-            </a:r>
-          </a:p>
-          <a:p>
-            <a:r>
-              <a:rPr lang="pl-PL" altLang="zh-CN" dirty="0">
-                <a:solidFill>
-                  <a:srgbClr val="D4D4D4"/>
-                </a:solidFill>
-                <a:latin typeface="Menlo" charset="0"/>
-              </a:rPr>
-              <a:t>                </a:t>
-            </a:r>
-            <a:r>
-              <a:rPr lang="pl-PL" altLang="zh-CN" dirty="0">
-                <a:solidFill>
-                  <a:srgbClr val="CE9178"/>
-                </a:solidFill>
-                <a:latin typeface="Menlo" charset="0"/>
-              </a:rPr>
-              <a:t>"*"</a:t>
-            </a:r>
-            <a:r>
-              <a:rPr lang="pl-PL" altLang="zh-CN" dirty="0">
-                <a:solidFill>
-                  <a:srgbClr val="D4D4D4"/>
-                </a:solidFill>
-                <a:latin typeface="Menlo" charset="0"/>
-              </a:rPr>
-              <a:t>,</a:t>
-            </a:r>
-          </a:p>
-          <a:p>
-            <a:r>
-              <a:rPr lang="pl-PL" altLang="zh-CN" dirty="0">
-                <a:solidFill>
-                  <a:srgbClr val="D4D4D4"/>
-                </a:solidFill>
-                <a:latin typeface="Menlo" charset="0"/>
-              </a:rPr>
-              <a:t>                </a:t>
-            </a:r>
-            <a:r>
-              <a:rPr lang="pl-PL" altLang="zh-CN" dirty="0">
-                <a:solidFill>
-                  <a:srgbClr val="CE9178"/>
-                </a:solidFill>
-                <a:latin typeface="Menlo" charset="0"/>
-              </a:rPr>
-              <a:t>"</a:t>
-            </a:r>
-            <a:r>
-              <a:rPr lang="pl-PL" altLang="zh-CN" dirty="0" err="1">
-                <a:solidFill>
-                  <a:srgbClr val="CE9178"/>
-                </a:solidFill>
-                <a:latin typeface="Menlo" charset="0"/>
-              </a:rPr>
-              <a:t>vendor</a:t>
-            </a:r>
-            <a:r>
-              <a:rPr lang="pl-PL" altLang="zh-CN" dirty="0">
-                <a:solidFill>
-                  <a:srgbClr val="CE9178"/>
-                </a:solidFill>
-                <a:latin typeface="Menlo" charset="0"/>
-              </a:rPr>
-              <a:t>/*"</a:t>
-            </a:r>
-            <a:endParaRPr lang="pl-PL" altLang="zh-CN" dirty="0">
-              <a:solidFill>
-                <a:srgbClr val="D4D4D4"/>
-              </a:solidFill>
-              <a:latin typeface="Menlo" charset="0"/>
-            </a:endParaRPr>
-          </a:p>
-          <a:p>
-            <a:r>
-              <a:rPr lang="pl-PL" altLang="zh-CN" dirty="0">
-                <a:solidFill>
-                  <a:srgbClr val="D4D4D4"/>
-                </a:solidFill>
-                <a:latin typeface="Menlo" charset="0"/>
-              </a:rPr>
-              <a:t>            </a:t>
-            </a:r>
-            <a:r>
-              <a:rPr lang="pl-PL" altLang="zh-CN" dirty="0" smtClean="0">
-                <a:solidFill>
-                  <a:srgbClr val="D4D4D4"/>
-                </a:solidFill>
-                <a:latin typeface="Menlo" charset="0"/>
-              </a:rPr>
-              <a:t>]}}}</a:t>
-            </a:r>
-            <a:endParaRPr lang="pl-PL" altLang="zh-CN" b="0" dirty="0">
-              <a:solidFill>
-                <a:srgbClr val="D4D4D4"/>
-              </a:solidFill>
-              <a:effectLst/>
-              <a:latin typeface="Menlo" charset="0"/>
             </a:endParaRPr>
           </a:p>
         </p:txBody>

--- a/docs/plume2-starter项目实战.pptx
+++ b/docs/plume2-starter项目实战.pptx
@@ -11445,7 +11445,7 @@
             </a:r>
             <a:r>
               <a:rPr kumimoji="1" lang="zh-CN" altLang="en-US" dirty="0" smtClean="0"/>
-              <a:t>的</a:t>
+              <a:t> </a:t>
             </a:r>
             <a:r>
               <a:rPr kumimoji="1" lang="en-US" altLang="zh-CN" dirty="0" smtClean="0"/>
@@ -11453,37 +11453,108 @@
             </a:r>
             <a:r>
               <a:rPr kumimoji="1" lang="zh-CN" altLang="en-US" dirty="0" smtClean="0"/>
-              <a:t>编码规范 </a:t>
+              <a:t> 编码规范</a:t>
             </a:r>
           </a:p>
           <a:p>
             <a:pPr lvl="1"/>
             <a:r>
-              <a:rPr kumimoji="1" lang="en-US" altLang="zh-CN" dirty="0">
-                <a:hlinkClick r:id="rId2"/>
-              </a:rPr>
+              <a:rPr kumimoji="1" lang="en-US" altLang="zh-CN" dirty="0"/>
               <a:t>http://</a:t>
             </a:r>
             <a:r>
-              <a:rPr kumimoji="1" lang="en-US" altLang="zh-CN" dirty="0" smtClean="0">
-                <a:hlinkClick r:id="rId2"/>
-              </a:rPr>
-              <a:t>www.kancloud.cn/kancloud/javascript-style-guide/43119</a:t>
+              <a:rPr kumimoji="1" lang="en-US" altLang="zh-CN" dirty="0" err="1"/>
+              <a:t>www.kancloud.cn</a:t>
+            </a:r>
+            <a:r>
+              <a:rPr kumimoji="1" lang="en-US" altLang="zh-CN" dirty="0"/>
+              <a:t>/</a:t>
+            </a:r>
+            <a:r>
+              <a:rPr kumimoji="1" lang="en-US" altLang="zh-CN" dirty="0" err="1"/>
+              <a:t>kancloud</a:t>
+            </a:r>
+            <a:r>
+              <a:rPr kumimoji="1" lang="en-US" altLang="zh-CN" dirty="0"/>
+              <a:t>/</a:t>
+            </a:r>
+            <a:r>
+              <a:rPr kumimoji="1" lang="en-US" altLang="zh-CN" dirty="0" err="1"/>
+              <a:t>javascript</a:t>
+            </a:r>
+            <a:r>
+              <a:rPr kumimoji="1" lang="en-US" altLang="zh-CN" dirty="0"/>
+              <a:t>-style-guide/43119</a:t>
             </a:r>
             <a:endParaRPr kumimoji="1" lang="zh-CN" altLang="en-US" dirty="0" smtClean="0"/>
           </a:p>
           <a:p>
             <a:r>
+              <a:rPr kumimoji="1" lang="en-US" altLang="zh-CN" dirty="0" err="1" smtClean="0"/>
+              <a:t>Jsdoc</a:t>
+            </a:r>
+            <a:r>
+              <a:rPr kumimoji="1" lang="zh-CN" altLang="en-US" dirty="0" smtClean="0"/>
+              <a:t> 注释风格</a:t>
+            </a:r>
+          </a:p>
+          <a:p>
+            <a:pPr lvl="1"/>
+            <a:r>
+              <a:rPr kumimoji="1" lang="en-US" altLang="zh-CN" dirty="0"/>
+              <a:t>http://www.css88.com/doc/</a:t>
+            </a:r>
+            <a:r>
+              <a:rPr kumimoji="1" lang="en-US" altLang="zh-CN" dirty="0" err="1"/>
+              <a:t>jsdoc</a:t>
+            </a:r>
+            <a:r>
+              <a:rPr kumimoji="1" lang="en-US" altLang="zh-CN" dirty="0"/>
+              <a:t>/</a:t>
+            </a:r>
+            <a:r>
+              <a:rPr kumimoji="1" lang="en-US" altLang="zh-CN" dirty="0" err="1"/>
+              <a:t>index.html</a:t>
+            </a:r>
+            <a:endParaRPr kumimoji="1" lang="zh-CN" altLang="en-US" dirty="0" smtClean="0"/>
+          </a:p>
+          <a:p>
+            <a:r>
               <a:rPr kumimoji="1" lang="en-US" altLang="zh-CN" dirty="0" smtClean="0"/>
-              <a:t>Plume2</a:t>
-            </a:r>
-            <a:r>
-              <a:rPr kumimoji="1" lang="zh-CN" altLang="en-US" smtClean="0"/>
-              <a:t>的编码规范</a:t>
-            </a:r>
-          </a:p>
-          <a:p>
-            <a:endParaRPr kumimoji="1" lang="zh-CN" altLang="en-US" smtClean="0"/>
+              <a:t>plume2</a:t>
+            </a:r>
+            <a:r>
+              <a:rPr kumimoji="1" lang="zh-CN" altLang="en-US" dirty="0" smtClean="0"/>
+              <a:t>项目规范</a:t>
+            </a:r>
+          </a:p>
+          <a:p>
+            <a:pPr lvl="1"/>
+            <a:r>
+              <a:rPr kumimoji="1" lang="en-US" altLang="zh-CN" dirty="0"/>
+              <a:t>https://</a:t>
+            </a:r>
+            <a:r>
+              <a:rPr kumimoji="1" lang="en-US" altLang="zh-CN" dirty="0" err="1"/>
+              <a:t>github.com</a:t>
+            </a:r>
+            <a:r>
+              <a:rPr kumimoji="1" lang="en-US" altLang="zh-CN" dirty="0"/>
+              <a:t>/</a:t>
+            </a:r>
+            <a:r>
+              <a:rPr kumimoji="1" lang="en-US" altLang="zh-CN" dirty="0" err="1"/>
+              <a:t>hufeng</a:t>
+            </a:r>
+            <a:r>
+              <a:rPr kumimoji="1" lang="en-US" altLang="zh-CN" dirty="0"/>
+              <a:t>/plume2-starter/blob/master/docs/typescript-</a:t>
+            </a:r>
+            <a:r>
+              <a:rPr kumimoji="1" lang="en-US" altLang="zh-CN" dirty="0" err="1"/>
+              <a:t>guidelines.md</a:t>
+            </a:r>
+            <a:endParaRPr kumimoji="1" lang="zh-CN" altLang="en-US" dirty="0"/>
           </a:p>
         </p:txBody>
       </p:sp>
